--- a/T4 -RDM.pptx
+++ b/T4 -RDM.pptx
@@ -2,13 +2,17 @@
 <file path=ppt/presentation.xml><?xml version="1.0" encoding="utf-8"?>
 <p:presentation xmlns:a="http://schemas.openxmlformats.org/drawingml/2006/main" xmlns:r="http://schemas.openxmlformats.org/officeDocument/2006/relationships" xmlns:p="http://schemas.openxmlformats.org/presentationml/2006/main" rtl="1" saveSubsetFonts="1">
   <p:sldMasterIdLst>
-    <p:sldMasterId id="2147483648" r:id="rId1"/>
+    <p:sldMasterId id="2147483762" r:id="rId1"/>
   </p:sldMasterIdLst>
   <p:sldIdLst>
     <p:sldId id="256" r:id="rId2"/>
     <p:sldId id="257" r:id="rId3"/>
-    <p:sldId id="258" r:id="rId4"/>
-    <p:sldId id="259" r:id="rId5"/>
+    <p:sldId id="260" r:id="rId4"/>
+    <p:sldId id="262" r:id="rId5"/>
+    <p:sldId id="258" r:id="rId6"/>
+    <p:sldId id="259" r:id="rId7"/>
+    <p:sldId id="261" r:id="rId8"/>
+    <p:sldId id="263" r:id="rId9"/>
   </p:sldIdLst>
   <p:sldSz cx="12192000" cy="6858000"/>
   <p:notesSz cx="6858000" cy="9144000"/>
@@ -107,7 +111,1109 @@
       </a:defRPr>
     </a:lvl9pPr>
   </p:defaultTextStyle>
+  <p:extLst>
+    <p:ext uri="{EFAFB233-063F-42B5-8137-9DF3F51BA10A}">
+      <p15:sldGuideLst xmlns:p15="http://schemas.microsoft.com/office/powerpoint/2012/main"/>
+    </p:ext>
+  </p:extLst>
 </p:presentation>
+</file>
+
+<file path=ppt/charts/chart1.xml><?xml version="1.0" encoding="utf-8"?>
+<c:chartSpace xmlns:c="http://schemas.openxmlformats.org/drawingml/2006/chart" xmlns:a="http://schemas.openxmlformats.org/drawingml/2006/main" xmlns:r="http://schemas.openxmlformats.org/officeDocument/2006/relationships" xmlns:c16r2="http://schemas.microsoft.com/office/drawing/2015/06/chart">
+  <c:date1904 val="0"/>
+  <c:lang val="he-IL"/>
+  <c:roundedCorners val="0"/>
+  <mc:AlternateContent xmlns:mc="http://schemas.openxmlformats.org/markup-compatibility/2006">
+    <mc:Choice xmlns:c14="http://schemas.microsoft.com/office/drawing/2007/8/2/chart" Requires="c14">
+      <c14:style val="102"/>
+    </mc:Choice>
+    <mc:Fallback>
+      <c:style val="2"/>
+    </mc:Fallback>
+  </mc:AlternateContent>
+  <c:chart>
+    <c:autoTitleDeleted val="1"/>
+    <c:plotArea>
+      <c:layout>
+        <c:manualLayout>
+          <c:layoutTarget val="inner"/>
+          <c:xMode val="edge"/>
+          <c:yMode val="edge"/>
+          <c:x val="0.12292641845707906"/>
+          <c:y val="7.5133259582249035E-2"/>
+          <c:w val="0.85181175209071858"/>
+          <c:h val="0.79888231862467374"/>
+        </c:manualLayout>
+      </c:layout>
+      <c:barChart>
+        <c:barDir val="col"/>
+        <c:grouping val="clustered"/>
+        <c:varyColors val="0"/>
+        <c:ser>
+          <c:idx val="0"/>
+          <c:order val="0"/>
+          <c:tx>
+            <c:strRef>
+              <c:f>גיליון1!$M$24</c:f>
+              <c:strCache>
+                <c:ptCount val="1"/>
+                <c:pt idx="0">
+                  <c:v>AVG</c:v>
+                </c:pt>
+              </c:strCache>
+            </c:strRef>
+          </c:tx>
+          <c:spPr>
+            <a:solidFill>
+              <a:schemeClr val="accent1"/>
+            </a:solidFill>
+            <a:ln>
+              <a:noFill/>
+            </a:ln>
+            <a:effectLst/>
+          </c:spPr>
+          <c:invertIfNegative val="0"/>
+          <c:dLbls>
+            <c:dLbl>
+              <c:idx val="0"/>
+              <c:layout>
+                <c:manualLayout>
+                  <c:x val="5.5722992666941921E-3"/>
+                  <c:y val="-0.10344516073615634"/>
+                </c:manualLayout>
+              </c:layout>
+              <c:showLegendKey val="0"/>
+              <c:showVal val="1"/>
+              <c:showCatName val="0"/>
+              <c:showSerName val="0"/>
+              <c:showPercent val="0"/>
+              <c:showBubbleSize val="0"/>
+              <c:extLst>
+                <c:ext xmlns:c15="http://schemas.microsoft.com/office/drawing/2012/chart" uri="{CE6537A1-D6FC-4f65-9D91-7224C49458BB}"/>
+                <c:ext xmlns:c16="http://schemas.microsoft.com/office/drawing/2014/chart" uri="{C3380CC4-5D6E-409C-BE32-E72D297353CC}">
+                  <c16:uniqueId val="{00000000-BA20-4E06-BC80-6C535AC9B8F3}"/>
+                </c:ext>
+              </c:extLst>
+            </c:dLbl>
+            <c:dLbl>
+              <c:idx val="1"/>
+              <c:layout>
+                <c:manualLayout>
+                  <c:x val="-8.3584489000412873E-3"/>
+                  <c:y val="-0.14576363558276575"/>
+                </c:manualLayout>
+              </c:layout>
+              <c:showLegendKey val="0"/>
+              <c:showVal val="1"/>
+              <c:showCatName val="0"/>
+              <c:showSerName val="0"/>
+              <c:showPercent val="0"/>
+              <c:showBubbleSize val="0"/>
+              <c:extLst>
+                <c:ext xmlns:c15="http://schemas.microsoft.com/office/drawing/2012/chart" uri="{CE6537A1-D6FC-4f65-9D91-7224C49458BB}"/>
+                <c:ext xmlns:c16="http://schemas.microsoft.com/office/drawing/2014/chart" uri="{C3380CC4-5D6E-409C-BE32-E72D297353CC}">
+                  <c16:uniqueId val="{00000001-BA20-4E06-BC80-6C535AC9B8F3}"/>
+                </c:ext>
+              </c:extLst>
+            </c:dLbl>
+            <c:dLbl>
+              <c:idx val="2"/>
+              <c:layout>
+                <c:manualLayout>
+                  <c:x val="0"/>
+                  <c:y val="-0.34795190429434408"/>
+                </c:manualLayout>
+              </c:layout>
+              <c:showLegendKey val="0"/>
+              <c:showVal val="1"/>
+              <c:showCatName val="0"/>
+              <c:showSerName val="0"/>
+              <c:showPercent val="0"/>
+              <c:showBubbleSize val="0"/>
+              <c:extLst>
+                <c:ext xmlns:c15="http://schemas.microsoft.com/office/drawing/2012/chart" uri="{CE6537A1-D6FC-4f65-9D91-7224C49458BB}"/>
+                <c:ext xmlns:c16="http://schemas.microsoft.com/office/drawing/2014/chart" uri="{C3380CC4-5D6E-409C-BE32-E72D297353CC}">
+                  <c16:uniqueId val="{00000002-BA20-4E06-BC80-6C535AC9B8F3}"/>
+                </c:ext>
+              </c:extLst>
+            </c:dLbl>
+            <c:spPr>
+              <a:noFill/>
+              <a:ln>
+                <a:noFill/>
+              </a:ln>
+              <a:effectLst/>
+            </c:spPr>
+            <c:txPr>
+              <a:bodyPr rot="0" spcFirstLastPara="1" vertOverflow="ellipsis" vert="horz" wrap="square" lIns="38100" tIns="19050" rIns="38100" bIns="19050" anchor="ctr" anchorCtr="1">
+                <a:spAutoFit/>
+              </a:bodyPr>
+              <a:lstStyle/>
+              <a:p>
+                <a:pPr>
+                  <a:defRPr sz="900" b="0" i="0" u="none" strike="noStrike" kern="1200" baseline="0">
+                    <a:solidFill>
+                      <a:schemeClr val="tx1">
+                        <a:lumMod val="75000"/>
+                        <a:lumOff val="25000"/>
+                      </a:schemeClr>
+                    </a:solidFill>
+                    <a:latin typeface="+mn-lt"/>
+                    <a:ea typeface="+mn-ea"/>
+                    <a:cs typeface="+mn-cs"/>
+                  </a:defRPr>
+                </a:pPr>
+                <a:endParaRPr lang="LID4096"/>
+              </a:p>
+            </c:txPr>
+            <c:showLegendKey val="0"/>
+            <c:showVal val="1"/>
+            <c:showCatName val="0"/>
+            <c:showSerName val="0"/>
+            <c:showPercent val="0"/>
+            <c:showBubbleSize val="0"/>
+            <c:showLeaderLines val="0"/>
+            <c:extLst>
+              <c:ext xmlns:c15="http://schemas.microsoft.com/office/drawing/2012/chart" uri="{CE6537A1-D6FC-4f65-9D91-7224C49458BB}">
+                <c15:showLeaderLines val="0"/>
+              </c:ext>
+            </c:extLst>
+          </c:dLbls>
+          <c:errBars>
+            <c:errBarType val="both"/>
+            <c:errValType val="cust"/>
+            <c:noEndCap val="0"/>
+            <c:plus>
+              <c:numRef>
+                <c:f>גיליון1!$O$25:$O$27</c:f>
+                <c:numCache>
+                  <c:formatCode>General</c:formatCode>
+                  <c:ptCount val="3"/>
+                  <c:pt idx="0">
+                    <c:v>9.3733220413154336E-2</c:v>
+                  </c:pt>
+                  <c:pt idx="1">
+                    <c:v>7.5022473815237592E-2</c:v>
+                  </c:pt>
+                  <c:pt idx="2">
+                    <c:v>0.10332840844573639</c:v>
+                  </c:pt>
+                </c:numCache>
+              </c:numRef>
+            </c:plus>
+            <c:minus>
+              <c:numRef>
+                <c:f>גיליון1!$O$25:$O$27</c:f>
+                <c:numCache>
+                  <c:formatCode>General</c:formatCode>
+                  <c:ptCount val="3"/>
+                  <c:pt idx="0">
+                    <c:v>9.3733220413154336E-2</c:v>
+                  </c:pt>
+                  <c:pt idx="1">
+                    <c:v>7.5022473815237592E-2</c:v>
+                  </c:pt>
+                  <c:pt idx="2">
+                    <c:v>0.10332840844573639</c:v>
+                  </c:pt>
+                </c:numCache>
+              </c:numRef>
+            </c:minus>
+            <c:spPr>
+              <a:noFill/>
+              <a:ln w="28575" cap="flat" cmpd="sng" algn="ctr">
+                <a:solidFill>
+                  <a:schemeClr val="tx1"/>
+                </a:solidFill>
+                <a:round/>
+              </a:ln>
+              <a:effectLst/>
+            </c:spPr>
+          </c:errBars>
+          <c:cat>
+            <c:strRef>
+              <c:f>גיליון1!$K$25:$L$27</c:f>
+              <c:strCache>
+                <c:ptCount val="3"/>
+                <c:pt idx="0">
+                  <c:v>Neker cube test </c:v>
+                </c:pt>
+                <c:pt idx="1">
+                  <c:v>Cambridge Face Memory Test</c:v>
+                </c:pt>
+                <c:pt idx="2">
+                  <c:v>Inverted depth decsion </c:v>
+                </c:pt>
+              </c:strCache>
+            </c:strRef>
+          </c:cat>
+          <c:val>
+            <c:numRef>
+              <c:f>גיליון1!$M$25:$M$27</c:f>
+              <c:numCache>
+                <c:formatCode>0.00%</c:formatCode>
+                <c:ptCount val="3"/>
+                <c:pt idx="0">
+                  <c:v>0.65372687908909088</c:v>
+                </c:pt>
+                <c:pt idx="1">
+                  <c:v>0.59663023896666656</c:v>
+                </c:pt>
+                <c:pt idx="2">
+                  <c:v>0.35698738309187578</c:v>
+                </c:pt>
+              </c:numCache>
+            </c:numRef>
+          </c:val>
+          <c:extLst>
+            <c:ext xmlns:c16="http://schemas.microsoft.com/office/drawing/2014/chart" uri="{C3380CC4-5D6E-409C-BE32-E72D297353CC}">
+              <c16:uniqueId val="{00000003-BA20-4E06-BC80-6C535AC9B8F3}"/>
+            </c:ext>
+          </c:extLst>
+        </c:ser>
+        <c:dLbls>
+          <c:showLegendKey val="0"/>
+          <c:showVal val="0"/>
+          <c:showCatName val="0"/>
+          <c:showSerName val="0"/>
+          <c:showPercent val="0"/>
+          <c:showBubbleSize val="0"/>
+        </c:dLbls>
+        <c:gapWidth val="219"/>
+        <c:overlap val="-27"/>
+        <c:axId val="86277088"/>
+        <c:axId val="86275648"/>
+      </c:barChart>
+      <c:catAx>
+        <c:axId val="86277088"/>
+        <c:scaling>
+          <c:orientation val="minMax"/>
+        </c:scaling>
+        <c:delete val="0"/>
+        <c:axPos val="b"/>
+        <c:title>
+          <c:tx>
+            <c:rich>
+              <a:bodyPr rot="0" spcFirstLastPara="1" vertOverflow="ellipsis" vert="horz" wrap="square" anchor="ctr" anchorCtr="1"/>
+              <a:lstStyle/>
+              <a:p>
+                <a:pPr>
+                  <a:defRPr sz="1000" b="0" i="0" u="none" strike="noStrike" kern="1200" baseline="0">
+                    <a:solidFill>
+                      <a:schemeClr val="tx1">
+                        <a:lumMod val="65000"/>
+                        <a:lumOff val="35000"/>
+                      </a:schemeClr>
+                    </a:solidFill>
+                    <a:latin typeface="+mn-lt"/>
+                    <a:ea typeface="+mn-ea"/>
+                    <a:cs typeface="+mn-cs"/>
+                  </a:defRPr>
+                </a:pPr>
+                <a:r>
+                  <a:rPr lang="en-US" sz="1400" b="1" i="0" u="none" strike="noStrike" kern="1200" spc="0" baseline="0">
+                    <a:solidFill>
+                      <a:sysClr val="windowText" lastClr="000000">
+                        <a:lumMod val="65000"/>
+                        <a:lumOff val="35000"/>
+                      </a:sysClr>
+                    </a:solidFill>
+                  </a:rPr>
+                  <a:t>AVG</a:t>
+                </a:r>
+              </a:p>
+            </c:rich>
+          </c:tx>
+          <c:layout>
+            <c:manualLayout>
+              <c:xMode val="edge"/>
+              <c:yMode val="edge"/>
+              <c:x val="0.48030762602061927"/>
+              <c:y val="0.87262139071170564"/>
+            </c:manualLayout>
+          </c:layout>
+          <c:overlay val="0"/>
+          <c:spPr>
+            <a:noFill/>
+            <a:ln>
+              <a:noFill/>
+            </a:ln>
+            <a:effectLst/>
+          </c:spPr>
+          <c:txPr>
+            <a:bodyPr rot="0" spcFirstLastPara="1" vertOverflow="ellipsis" vert="horz" wrap="square" anchor="ctr" anchorCtr="1"/>
+            <a:lstStyle/>
+            <a:p>
+              <a:pPr>
+                <a:defRPr sz="1000" b="0" i="0" u="none" strike="noStrike" kern="1200" baseline="0">
+                  <a:solidFill>
+                    <a:schemeClr val="tx1">
+                      <a:lumMod val="65000"/>
+                      <a:lumOff val="35000"/>
+                    </a:schemeClr>
+                  </a:solidFill>
+                  <a:latin typeface="+mn-lt"/>
+                  <a:ea typeface="+mn-ea"/>
+                  <a:cs typeface="+mn-cs"/>
+                </a:defRPr>
+              </a:pPr>
+              <a:endParaRPr lang="LID4096"/>
+            </a:p>
+          </c:txPr>
+        </c:title>
+        <c:numFmt formatCode="General" sourceLinked="1"/>
+        <c:majorTickMark val="none"/>
+        <c:minorTickMark val="none"/>
+        <c:tickLblPos val="nextTo"/>
+        <c:spPr>
+          <a:noFill/>
+          <a:ln w="9525" cap="flat" cmpd="sng" algn="ctr">
+            <a:solidFill>
+              <a:schemeClr val="tx1">
+                <a:lumMod val="15000"/>
+                <a:lumOff val="85000"/>
+              </a:schemeClr>
+            </a:solidFill>
+            <a:round/>
+          </a:ln>
+          <a:effectLst/>
+        </c:spPr>
+        <c:txPr>
+          <a:bodyPr rot="-60000000" spcFirstLastPara="1" vertOverflow="ellipsis" vert="horz" wrap="square" anchor="ctr" anchorCtr="1"/>
+          <a:lstStyle/>
+          <a:p>
+            <a:pPr>
+              <a:defRPr sz="900" b="0" i="0" u="none" strike="noStrike" kern="1200" baseline="0">
+                <a:solidFill>
+                  <a:schemeClr val="tx1">
+                    <a:lumMod val="65000"/>
+                    <a:lumOff val="35000"/>
+                  </a:schemeClr>
+                </a:solidFill>
+                <a:latin typeface="+mn-lt"/>
+                <a:ea typeface="+mn-ea"/>
+                <a:cs typeface="+mn-cs"/>
+              </a:defRPr>
+            </a:pPr>
+            <a:endParaRPr lang="LID4096"/>
+          </a:p>
+        </c:txPr>
+        <c:crossAx val="86275648"/>
+        <c:crosses val="autoZero"/>
+        <c:auto val="1"/>
+        <c:lblAlgn val="ctr"/>
+        <c:lblOffset val="100"/>
+        <c:noMultiLvlLbl val="0"/>
+      </c:catAx>
+      <c:valAx>
+        <c:axId val="86275648"/>
+        <c:scaling>
+          <c:orientation val="minMax"/>
+        </c:scaling>
+        <c:delete val="0"/>
+        <c:axPos val="l"/>
+        <c:majorGridlines>
+          <c:spPr>
+            <a:ln w="9525" cap="flat" cmpd="sng" algn="ctr">
+              <a:solidFill>
+                <a:schemeClr val="tx1">
+                  <a:lumMod val="15000"/>
+                  <a:lumOff val="85000"/>
+                </a:schemeClr>
+              </a:solidFill>
+              <a:round/>
+            </a:ln>
+            <a:effectLst/>
+          </c:spPr>
+        </c:majorGridlines>
+        <c:title>
+          <c:tx>
+            <c:rich>
+              <a:bodyPr rot="-5400000" spcFirstLastPara="1" vertOverflow="ellipsis" vert="horz" wrap="square" anchor="ctr" anchorCtr="1"/>
+              <a:lstStyle/>
+              <a:p>
+                <a:pPr>
+                  <a:defRPr sz="1000" b="0" i="0" u="none" strike="noStrike" kern="1200" baseline="0">
+                    <a:solidFill>
+                      <a:schemeClr val="tx1">
+                        <a:lumMod val="65000"/>
+                        <a:lumOff val="35000"/>
+                      </a:schemeClr>
+                    </a:solidFill>
+                    <a:latin typeface="+mn-lt"/>
+                    <a:ea typeface="+mn-ea"/>
+                    <a:cs typeface="+mn-cs"/>
+                  </a:defRPr>
+                </a:pPr>
+                <a:r>
+                  <a:rPr lang="en-US"/>
+                  <a:t>% Accuracy </a:t>
+                </a:r>
+                <a:endParaRPr lang="he-IL"/>
+              </a:p>
+            </c:rich>
+          </c:tx>
+          <c:layout>
+            <c:manualLayout>
+              <c:xMode val="edge"/>
+              <c:yMode val="edge"/>
+              <c:x val="1.3930748166735479E-2"/>
+              <c:y val="0.33165873611783714"/>
+            </c:manualLayout>
+          </c:layout>
+          <c:overlay val="0"/>
+          <c:spPr>
+            <a:noFill/>
+            <a:ln>
+              <a:noFill/>
+            </a:ln>
+            <a:effectLst/>
+          </c:spPr>
+          <c:txPr>
+            <a:bodyPr rot="-5400000" spcFirstLastPara="1" vertOverflow="ellipsis" vert="horz" wrap="square" anchor="ctr" anchorCtr="1"/>
+            <a:lstStyle/>
+            <a:p>
+              <a:pPr>
+                <a:defRPr sz="1000" b="0" i="0" u="none" strike="noStrike" kern="1200" baseline="0">
+                  <a:solidFill>
+                    <a:schemeClr val="tx1">
+                      <a:lumMod val="65000"/>
+                      <a:lumOff val="35000"/>
+                    </a:schemeClr>
+                  </a:solidFill>
+                  <a:latin typeface="+mn-lt"/>
+                  <a:ea typeface="+mn-ea"/>
+                  <a:cs typeface="+mn-cs"/>
+                </a:defRPr>
+              </a:pPr>
+              <a:endParaRPr lang="he-IL"/>
+            </a:p>
+          </c:txPr>
+        </c:title>
+        <c:numFmt formatCode="0.00%" sourceLinked="1"/>
+        <c:majorTickMark val="none"/>
+        <c:minorTickMark val="none"/>
+        <c:tickLblPos val="nextTo"/>
+        <c:spPr>
+          <a:noFill/>
+          <a:ln>
+            <a:noFill/>
+          </a:ln>
+          <a:effectLst/>
+        </c:spPr>
+        <c:txPr>
+          <a:bodyPr rot="-60000000" spcFirstLastPara="1" vertOverflow="ellipsis" vert="horz" wrap="square" anchor="ctr" anchorCtr="1"/>
+          <a:lstStyle/>
+          <a:p>
+            <a:pPr>
+              <a:defRPr sz="900" b="0" i="0" u="none" strike="noStrike" kern="1200" baseline="0">
+                <a:solidFill>
+                  <a:schemeClr val="tx1">
+                    <a:lumMod val="65000"/>
+                    <a:lumOff val="35000"/>
+                  </a:schemeClr>
+                </a:solidFill>
+                <a:latin typeface="+mn-lt"/>
+                <a:ea typeface="+mn-ea"/>
+                <a:cs typeface="+mn-cs"/>
+              </a:defRPr>
+            </a:pPr>
+            <a:endParaRPr lang="LID4096"/>
+          </a:p>
+        </c:txPr>
+        <c:crossAx val="86277088"/>
+        <c:crosses val="autoZero"/>
+        <c:crossBetween val="between"/>
+      </c:valAx>
+      <c:spPr>
+        <a:noFill/>
+        <a:ln>
+          <a:noFill/>
+        </a:ln>
+        <a:effectLst/>
+      </c:spPr>
+    </c:plotArea>
+    <c:plotVisOnly val="1"/>
+    <c:dispBlanksAs val="gap"/>
+    <c:showDLblsOverMax val="0"/>
+    <c:extLst>
+      <c:ext xmlns:c16r3="http://schemas.microsoft.com/office/drawing/2017/03/chart" uri="{56B9EC1D-385E-4148-901F-78D8002777C0}">
+        <c16r3:dataDisplayOptions16>
+          <c16r3:dispNaAsBlank val="1"/>
+        </c16r3:dataDisplayOptions16>
+      </c:ext>
+    </c:extLst>
+  </c:chart>
+  <c:spPr>
+    <a:noFill/>
+    <a:ln w="53975">
+      <a:solidFill>
+        <a:schemeClr val="tx1">
+          <a:alpha val="44000"/>
+        </a:schemeClr>
+      </a:solidFill>
+      <a:round/>
+    </a:ln>
+    <a:effectLst/>
+  </c:spPr>
+  <c:txPr>
+    <a:bodyPr/>
+    <a:lstStyle/>
+    <a:p>
+      <a:pPr>
+        <a:defRPr/>
+      </a:pPr>
+      <a:endParaRPr lang="LID4096"/>
+    </a:p>
+  </c:txPr>
+  <c:externalData r:id="rId3">
+    <c:autoUpdate val="0"/>
+  </c:externalData>
+</c:chartSpace>
+</file>
+
+<file path=ppt/charts/colors1.xml><?xml version="1.0" encoding="utf-8"?>
+<cs:colorStyle xmlns:cs="http://schemas.microsoft.com/office/drawing/2012/chartStyle" xmlns:a="http://schemas.openxmlformats.org/drawingml/2006/main" meth="cycle" id="10">
+  <a:schemeClr val="accent1"/>
+  <a:schemeClr val="accent2"/>
+  <a:schemeClr val="accent3"/>
+  <a:schemeClr val="accent4"/>
+  <a:schemeClr val="accent5"/>
+  <a:schemeClr val="accent6"/>
+  <cs:variation/>
+  <cs:variation>
+    <a:lumMod val="60000"/>
+  </cs:variation>
+  <cs:variation>
+    <a:lumMod val="80000"/>
+    <a:lumOff val="20000"/>
+  </cs:variation>
+  <cs:variation>
+    <a:lumMod val="80000"/>
+  </cs:variation>
+  <cs:variation>
+    <a:lumMod val="60000"/>
+    <a:lumOff val="40000"/>
+  </cs:variation>
+  <cs:variation>
+    <a:lumMod val="50000"/>
+  </cs:variation>
+  <cs:variation>
+    <a:lumMod val="70000"/>
+    <a:lumOff val="30000"/>
+  </cs:variation>
+  <cs:variation>
+    <a:lumMod val="70000"/>
+  </cs:variation>
+  <cs:variation>
+    <a:lumMod val="50000"/>
+    <a:lumOff val="50000"/>
+  </cs:variation>
+</cs:colorStyle>
+</file>
+
+<file path=ppt/charts/style1.xml><?xml version="1.0" encoding="utf-8"?>
+<cs:chartStyle xmlns:cs="http://schemas.microsoft.com/office/drawing/2012/chartStyle" xmlns:a="http://schemas.openxmlformats.org/drawingml/2006/main" id="201">
+  <cs:axisTitle>
+    <cs:lnRef idx="0"/>
+    <cs:fillRef idx="0"/>
+    <cs:effectRef idx="0"/>
+    <cs:fontRef idx="minor">
+      <a:schemeClr val="tx1">
+        <a:lumMod val="65000"/>
+        <a:lumOff val="35000"/>
+      </a:schemeClr>
+    </cs:fontRef>
+    <cs:defRPr sz="1000" kern="1200"/>
+  </cs:axisTitle>
+  <cs:categoryAxis>
+    <cs:lnRef idx="0"/>
+    <cs:fillRef idx="0"/>
+    <cs:effectRef idx="0"/>
+    <cs:fontRef idx="minor">
+      <a:schemeClr val="tx1">
+        <a:lumMod val="65000"/>
+        <a:lumOff val="35000"/>
+      </a:schemeClr>
+    </cs:fontRef>
+    <cs:spPr>
+      <a:ln w="9525" cap="flat" cmpd="sng" algn="ctr">
+        <a:solidFill>
+          <a:schemeClr val="tx1">
+            <a:lumMod val="15000"/>
+            <a:lumOff val="85000"/>
+          </a:schemeClr>
+        </a:solidFill>
+        <a:round/>
+      </a:ln>
+    </cs:spPr>
+    <cs:defRPr sz="900" kern="1200"/>
+  </cs:categoryAxis>
+  <cs:chartArea mods="allowNoFillOverride allowNoLineOverride">
+    <cs:lnRef idx="0"/>
+    <cs:fillRef idx="0"/>
+    <cs:effectRef idx="0"/>
+    <cs:fontRef idx="minor">
+      <a:schemeClr val="tx1"/>
+    </cs:fontRef>
+    <cs:spPr>
+      <a:solidFill>
+        <a:schemeClr val="bg1"/>
+      </a:solidFill>
+      <a:ln w="9525" cap="flat" cmpd="sng" algn="ctr">
+        <a:solidFill>
+          <a:schemeClr val="tx1">
+            <a:lumMod val="15000"/>
+            <a:lumOff val="85000"/>
+          </a:schemeClr>
+        </a:solidFill>
+        <a:round/>
+      </a:ln>
+    </cs:spPr>
+    <cs:defRPr sz="1000" kern="1200"/>
+  </cs:chartArea>
+  <cs:dataLabel>
+    <cs:lnRef idx="0"/>
+    <cs:fillRef idx="0"/>
+    <cs:effectRef idx="0"/>
+    <cs:fontRef idx="minor">
+      <a:schemeClr val="tx1">
+        <a:lumMod val="75000"/>
+        <a:lumOff val="25000"/>
+      </a:schemeClr>
+    </cs:fontRef>
+    <cs:defRPr sz="900" kern="1200"/>
+  </cs:dataLabel>
+  <cs:dataLabelCallout>
+    <cs:lnRef idx="0"/>
+    <cs:fillRef idx="0"/>
+    <cs:effectRef idx="0"/>
+    <cs:fontRef idx="minor">
+      <a:schemeClr val="dk1">
+        <a:lumMod val="65000"/>
+        <a:lumOff val="35000"/>
+      </a:schemeClr>
+    </cs:fontRef>
+    <cs:spPr>
+      <a:solidFill>
+        <a:schemeClr val="lt1"/>
+      </a:solidFill>
+      <a:ln>
+        <a:solidFill>
+          <a:schemeClr val="dk1">
+            <a:lumMod val="25000"/>
+            <a:lumOff val="75000"/>
+          </a:schemeClr>
+        </a:solidFill>
+      </a:ln>
+    </cs:spPr>
+    <cs:defRPr sz="900" kern="1200"/>
+    <cs:bodyPr rot="0" spcFirstLastPara="1" vertOverflow="clip" horzOverflow="clip" vert="horz" wrap="square" lIns="36576" tIns="18288" rIns="36576" bIns="18288" anchor="ctr" anchorCtr="1">
+      <a:spAutoFit/>
+    </cs:bodyPr>
+  </cs:dataLabelCallout>
+  <cs:dataPoint>
+    <cs:lnRef idx="0"/>
+    <cs:fillRef idx="1">
+      <cs:styleClr val="auto"/>
+    </cs:fillRef>
+    <cs:effectRef idx="0"/>
+    <cs:fontRef idx="minor">
+      <a:schemeClr val="tx1"/>
+    </cs:fontRef>
+  </cs:dataPoint>
+  <cs:dataPoint3D>
+    <cs:lnRef idx="0"/>
+    <cs:fillRef idx="1">
+      <cs:styleClr val="auto"/>
+    </cs:fillRef>
+    <cs:effectRef idx="0"/>
+    <cs:fontRef idx="minor">
+      <a:schemeClr val="tx1"/>
+    </cs:fontRef>
+  </cs:dataPoint3D>
+  <cs:dataPointLine>
+    <cs:lnRef idx="0">
+      <cs:styleClr val="auto"/>
+    </cs:lnRef>
+    <cs:fillRef idx="1"/>
+    <cs:effectRef idx="0"/>
+    <cs:fontRef idx="minor">
+      <a:schemeClr val="tx1"/>
+    </cs:fontRef>
+    <cs:spPr>
+      <a:ln w="28575" cap="rnd">
+        <a:solidFill>
+          <a:schemeClr val="phClr"/>
+        </a:solidFill>
+        <a:round/>
+      </a:ln>
+    </cs:spPr>
+  </cs:dataPointLine>
+  <cs:dataPointMarker>
+    <cs:lnRef idx="0">
+      <cs:styleClr val="auto"/>
+    </cs:lnRef>
+    <cs:fillRef idx="1">
+      <cs:styleClr val="auto"/>
+    </cs:fillRef>
+    <cs:effectRef idx="0"/>
+    <cs:fontRef idx="minor">
+      <a:schemeClr val="tx1"/>
+    </cs:fontRef>
+    <cs:spPr>
+      <a:ln w="9525">
+        <a:solidFill>
+          <a:schemeClr val="phClr"/>
+        </a:solidFill>
+      </a:ln>
+    </cs:spPr>
+  </cs:dataPointMarker>
+  <cs:dataPointMarkerLayout symbol="circle" size="5"/>
+  <cs:dataPointWireframe>
+    <cs:lnRef idx="0">
+      <cs:styleClr val="auto"/>
+    </cs:lnRef>
+    <cs:fillRef idx="1"/>
+    <cs:effectRef idx="0"/>
+    <cs:fontRef idx="minor">
+      <a:schemeClr val="tx1"/>
+    </cs:fontRef>
+    <cs:spPr>
+      <a:ln w="9525" cap="rnd">
+        <a:solidFill>
+          <a:schemeClr val="phClr"/>
+        </a:solidFill>
+        <a:round/>
+      </a:ln>
+    </cs:spPr>
+  </cs:dataPointWireframe>
+  <cs:dataTable>
+    <cs:lnRef idx="0"/>
+    <cs:fillRef idx="0"/>
+    <cs:effectRef idx="0"/>
+    <cs:fontRef idx="minor">
+      <a:schemeClr val="tx1">
+        <a:lumMod val="65000"/>
+        <a:lumOff val="35000"/>
+      </a:schemeClr>
+    </cs:fontRef>
+    <cs:spPr>
+      <a:noFill/>
+      <a:ln w="9525" cap="flat" cmpd="sng" algn="ctr">
+        <a:solidFill>
+          <a:schemeClr val="tx1">
+            <a:lumMod val="15000"/>
+            <a:lumOff val="85000"/>
+          </a:schemeClr>
+        </a:solidFill>
+        <a:round/>
+      </a:ln>
+    </cs:spPr>
+    <cs:defRPr sz="900" kern="1200"/>
+  </cs:dataTable>
+  <cs:downBar>
+    <cs:lnRef idx="0"/>
+    <cs:fillRef idx="0"/>
+    <cs:effectRef idx="0"/>
+    <cs:fontRef idx="minor">
+      <a:schemeClr val="dk1"/>
+    </cs:fontRef>
+    <cs:spPr>
+      <a:solidFill>
+        <a:schemeClr val="dk1">
+          <a:lumMod val="65000"/>
+          <a:lumOff val="35000"/>
+        </a:schemeClr>
+      </a:solidFill>
+      <a:ln w="9525">
+        <a:solidFill>
+          <a:schemeClr val="tx1">
+            <a:lumMod val="65000"/>
+            <a:lumOff val="35000"/>
+          </a:schemeClr>
+        </a:solidFill>
+      </a:ln>
+    </cs:spPr>
+  </cs:downBar>
+  <cs:dropLine>
+    <cs:lnRef idx="0"/>
+    <cs:fillRef idx="0"/>
+    <cs:effectRef idx="0"/>
+    <cs:fontRef idx="minor">
+      <a:schemeClr val="tx1"/>
+    </cs:fontRef>
+    <cs:spPr>
+      <a:ln w="9525" cap="flat" cmpd="sng" algn="ctr">
+        <a:solidFill>
+          <a:schemeClr val="tx1">
+            <a:lumMod val="35000"/>
+            <a:lumOff val="65000"/>
+          </a:schemeClr>
+        </a:solidFill>
+        <a:round/>
+      </a:ln>
+    </cs:spPr>
+  </cs:dropLine>
+  <cs:errorBar>
+    <cs:lnRef idx="0"/>
+    <cs:fillRef idx="0"/>
+    <cs:effectRef idx="0"/>
+    <cs:fontRef idx="minor">
+      <a:schemeClr val="tx1"/>
+    </cs:fontRef>
+    <cs:spPr>
+      <a:ln w="9525" cap="flat" cmpd="sng" algn="ctr">
+        <a:solidFill>
+          <a:schemeClr val="tx1">
+            <a:lumMod val="65000"/>
+            <a:lumOff val="35000"/>
+          </a:schemeClr>
+        </a:solidFill>
+        <a:round/>
+      </a:ln>
+    </cs:spPr>
+  </cs:errorBar>
+  <cs:floor>
+    <cs:lnRef idx="0"/>
+    <cs:fillRef idx="0"/>
+    <cs:effectRef idx="0"/>
+    <cs:fontRef idx="minor">
+      <a:schemeClr val="tx1"/>
+    </cs:fontRef>
+    <cs:spPr>
+      <a:noFill/>
+      <a:ln>
+        <a:noFill/>
+      </a:ln>
+    </cs:spPr>
+  </cs:floor>
+  <cs:gridlineMajor>
+    <cs:lnRef idx="0"/>
+    <cs:fillRef idx="0"/>
+    <cs:effectRef idx="0"/>
+    <cs:fontRef idx="minor">
+      <a:schemeClr val="tx1"/>
+    </cs:fontRef>
+    <cs:spPr>
+      <a:ln w="9525" cap="flat" cmpd="sng" algn="ctr">
+        <a:solidFill>
+          <a:schemeClr val="tx1">
+            <a:lumMod val="15000"/>
+            <a:lumOff val="85000"/>
+          </a:schemeClr>
+        </a:solidFill>
+        <a:round/>
+      </a:ln>
+    </cs:spPr>
+  </cs:gridlineMajor>
+  <cs:gridlineMinor>
+    <cs:lnRef idx="0"/>
+    <cs:fillRef idx="0"/>
+    <cs:effectRef idx="0"/>
+    <cs:fontRef idx="minor">
+      <a:schemeClr val="tx1"/>
+    </cs:fontRef>
+    <cs:spPr>
+      <a:ln w="9525" cap="flat" cmpd="sng" algn="ctr">
+        <a:solidFill>
+          <a:schemeClr val="tx1">
+            <a:lumMod val="5000"/>
+            <a:lumOff val="95000"/>
+          </a:schemeClr>
+        </a:solidFill>
+        <a:round/>
+      </a:ln>
+    </cs:spPr>
+  </cs:gridlineMinor>
+  <cs:hiLoLine>
+    <cs:lnRef idx="0"/>
+    <cs:fillRef idx="0"/>
+    <cs:effectRef idx="0"/>
+    <cs:fontRef idx="minor">
+      <a:schemeClr val="tx1"/>
+    </cs:fontRef>
+    <cs:spPr>
+      <a:ln w="9525" cap="flat" cmpd="sng" algn="ctr">
+        <a:solidFill>
+          <a:schemeClr val="tx1">
+            <a:lumMod val="75000"/>
+            <a:lumOff val="25000"/>
+          </a:schemeClr>
+        </a:solidFill>
+        <a:round/>
+      </a:ln>
+    </cs:spPr>
+  </cs:hiLoLine>
+  <cs:leaderLine>
+    <cs:lnRef idx="0"/>
+    <cs:fillRef idx="0"/>
+    <cs:effectRef idx="0"/>
+    <cs:fontRef idx="minor">
+      <a:schemeClr val="tx1"/>
+    </cs:fontRef>
+    <cs:spPr>
+      <a:ln w="9525" cap="flat" cmpd="sng" algn="ctr">
+        <a:solidFill>
+          <a:schemeClr val="tx1">
+            <a:lumMod val="35000"/>
+            <a:lumOff val="65000"/>
+          </a:schemeClr>
+        </a:solidFill>
+        <a:round/>
+      </a:ln>
+    </cs:spPr>
+  </cs:leaderLine>
+  <cs:legend>
+    <cs:lnRef idx="0"/>
+    <cs:fillRef idx="0"/>
+    <cs:effectRef idx="0"/>
+    <cs:fontRef idx="minor">
+      <a:schemeClr val="tx1">
+        <a:lumMod val="65000"/>
+        <a:lumOff val="35000"/>
+      </a:schemeClr>
+    </cs:fontRef>
+    <cs:defRPr sz="900" kern="1200"/>
+  </cs:legend>
+  <cs:plotArea mods="allowNoFillOverride allowNoLineOverride">
+    <cs:lnRef idx="0"/>
+    <cs:fillRef idx="0"/>
+    <cs:effectRef idx="0"/>
+    <cs:fontRef idx="minor">
+      <a:schemeClr val="tx1"/>
+    </cs:fontRef>
+  </cs:plotArea>
+  <cs:plotArea3D mods="allowNoFillOverride allowNoLineOverride">
+    <cs:lnRef idx="0"/>
+    <cs:fillRef idx="0"/>
+    <cs:effectRef idx="0"/>
+    <cs:fontRef idx="minor">
+      <a:schemeClr val="tx1"/>
+    </cs:fontRef>
+  </cs:plotArea3D>
+  <cs:seriesAxis>
+    <cs:lnRef idx="0"/>
+    <cs:fillRef idx="0"/>
+    <cs:effectRef idx="0"/>
+    <cs:fontRef idx="minor">
+      <a:schemeClr val="tx1">
+        <a:lumMod val="65000"/>
+        <a:lumOff val="35000"/>
+      </a:schemeClr>
+    </cs:fontRef>
+    <cs:defRPr sz="900" kern="1200"/>
+  </cs:seriesAxis>
+  <cs:seriesLine>
+    <cs:lnRef idx="0"/>
+    <cs:fillRef idx="0"/>
+    <cs:effectRef idx="0"/>
+    <cs:fontRef idx="minor">
+      <a:schemeClr val="tx1"/>
+    </cs:fontRef>
+    <cs:spPr>
+      <a:ln w="9525" cap="flat" cmpd="sng" algn="ctr">
+        <a:solidFill>
+          <a:schemeClr val="tx1">
+            <a:lumMod val="35000"/>
+            <a:lumOff val="65000"/>
+          </a:schemeClr>
+        </a:solidFill>
+        <a:round/>
+      </a:ln>
+    </cs:spPr>
+  </cs:seriesLine>
+  <cs:title>
+    <cs:lnRef idx="0"/>
+    <cs:fillRef idx="0"/>
+    <cs:effectRef idx="0"/>
+    <cs:fontRef idx="minor">
+      <a:schemeClr val="tx1">
+        <a:lumMod val="65000"/>
+        <a:lumOff val="35000"/>
+      </a:schemeClr>
+    </cs:fontRef>
+    <cs:defRPr sz="1400" b="0" kern="1200" spc="0" baseline="0"/>
+  </cs:title>
+  <cs:trendline>
+    <cs:lnRef idx="0">
+      <cs:styleClr val="auto"/>
+    </cs:lnRef>
+    <cs:fillRef idx="0"/>
+    <cs:effectRef idx="0"/>
+    <cs:fontRef idx="minor">
+      <a:schemeClr val="tx1"/>
+    </cs:fontRef>
+    <cs:spPr>
+      <a:ln w="19050" cap="rnd">
+        <a:solidFill>
+          <a:schemeClr val="phClr"/>
+        </a:solidFill>
+        <a:prstDash val="sysDot"/>
+      </a:ln>
+    </cs:spPr>
+  </cs:trendline>
+  <cs:trendlineLabel>
+    <cs:lnRef idx="0"/>
+    <cs:fillRef idx="0"/>
+    <cs:effectRef idx="0"/>
+    <cs:fontRef idx="minor">
+      <a:schemeClr val="tx1">
+        <a:lumMod val="65000"/>
+        <a:lumOff val="35000"/>
+      </a:schemeClr>
+    </cs:fontRef>
+    <cs:defRPr sz="900" kern="1200"/>
+  </cs:trendlineLabel>
+  <cs:upBar>
+    <cs:lnRef idx="0"/>
+    <cs:fillRef idx="0"/>
+    <cs:effectRef idx="0"/>
+    <cs:fontRef idx="minor">
+      <a:schemeClr val="dk1"/>
+    </cs:fontRef>
+    <cs:spPr>
+      <a:solidFill>
+        <a:schemeClr val="lt1"/>
+      </a:solidFill>
+      <a:ln w="9525">
+        <a:solidFill>
+          <a:schemeClr val="tx1">
+            <a:lumMod val="15000"/>
+            <a:lumOff val="85000"/>
+          </a:schemeClr>
+        </a:solidFill>
+      </a:ln>
+    </cs:spPr>
+  </cs:upBar>
+  <cs:valueAxis>
+    <cs:lnRef idx="0"/>
+    <cs:fillRef idx="0"/>
+    <cs:effectRef idx="0"/>
+    <cs:fontRef idx="minor">
+      <a:schemeClr val="tx1">
+        <a:lumMod val="65000"/>
+        <a:lumOff val="35000"/>
+      </a:schemeClr>
+    </cs:fontRef>
+    <cs:defRPr sz="900" kern="1200"/>
+  </cs:valueAxis>
+  <cs:wall>
+    <cs:lnRef idx="0"/>
+    <cs:fillRef idx="0"/>
+    <cs:effectRef idx="0"/>
+    <cs:fontRef idx="minor">
+      <a:schemeClr val="tx1"/>
+    </cs:fontRef>
+    <cs:spPr>
+      <a:noFill/>
+      <a:ln>
+        <a:noFill/>
+      </a:ln>
+    </cs:spPr>
+  </cs:wall>
+</cs:chartStyle>
 </file>
 
 <file path=ppt/slideLayouts/slideLayout1.xml><?xml version="1.0" encoding="utf-8"?>
@@ -132,7 +1238,7 @@
           <p:cNvPr id="2" name="כותרת 1">
             <a:extLst>
               <a:ext uri="{FF2B5EF4-FFF2-40B4-BE49-F238E27FC236}">
-                <a16:creationId xmlns:a16="http://schemas.microsoft.com/office/drawing/2014/main" id="{A7E7EAB8-760D-CFD4-9CBE-300112489B06}"/>
+                <a16:creationId xmlns:a16="http://schemas.microsoft.com/office/drawing/2014/main" id="{9DF7CC67-D632-ABD0-C085-77C1CEEAB0F1}"/>
               </a:ext>
             </a:extLst>
           </p:cNvPr>
@@ -170,7 +1276,7 @@
           <p:cNvPr id="3" name="כותרת משנה 2">
             <a:extLst>
               <a:ext uri="{FF2B5EF4-FFF2-40B4-BE49-F238E27FC236}">
-                <a16:creationId xmlns:a16="http://schemas.microsoft.com/office/drawing/2014/main" id="{46F5904D-D2EB-3F00-BC10-6DB118260BB1}"/>
+                <a16:creationId xmlns:a16="http://schemas.microsoft.com/office/drawing/2014/main" id="{06541914-5DDF-A48E-BE77-F9C8359220F0}"/>
               </a:ext>
             </a:extLst>
           </p:cNvPr>
@@ -241,7 +1347,7 @@
           <p:cNvPr id="4" name="מציין מיקום של תאריך 3">
             <a:extLst>
               <a:ext uri="{FF2B5EF4-FFF2-40B4-BE49-F238E27FC236}">
-                <a16:creationId xmlns:a16="http://schemas.microsoft.com/office/drawing/2014/main" id="{DF81098C-662C-A6B1-8BCA-E4BA552F19A1}"/>
+                <a16:creationId xmlns:a16="http://schemas.microsoft.com/office/drawing/2014/main" id="{4AE2A8B3-A74A-6C1F-2F5A-E61FC6C71928}"/>
               </a:ext>
             </a:extLst>
           </p:cNvPr>
@@ -259,7 +1365,7 @@
           <a:p>
             <a:fld id="{1B23E4F1-E323-438F-BDBB-031004AB24C8}" type="datetimeFigureOut">
               <a:rPr lang="LID4096" smtClean="0"/>
-              <a:t>08/12/2025</a:t>
+              <a:t>08/13/2025</a:t>
             </a:fld>
             <a:endParaRPr lang="LID4096"/>
           </a:p>
@@ -270,7 +1376,7 @@
           <p:cNvPr id="5" name="מציין מיקום של כותרת תחתונה 4">
             <a:extLst>
               <a:ext uri="{FF2B5EF4-FFF2-40B4-BE49-F238E27FC236}">
-                <a16:creationId xmlns:a16="http://schemas.microsoft.com/office/drawing/2014/main" id="{5FBD3258-5037-D8A0-F6B2-DA3A6FBD7C73}"/>
+                <a16:creationId xmlns:a16="http://schemas.microsoft.com/office/drawing/2014/main" id="{E051D9ED-9B82-06B2-2BBF-FED0E040AED5}"/>
               </a:ext>
             </a:extLst>
           </p:cNvPr>
@@ -295,7 +1401,7 @@
           <p:cNvPr id="6" name="מציין מיקום של מספר שקופית 5">
             <a:extLst>
               <a:ext uri="{FF2B5EF4-FFF2-40B4-BE49-F238E27FC236}">
-                <a16:creationId xmlns:a16="http://schemas.microsoft.com/office/drawing/2014/main" id="{8CCCD4F3-5D8B-6376-E34E-3A7977239813}"/>
+                <a16:creationId xmlns:a16="http://schemas.microsoft.com/office/drawing/2014/main" id="{4890EE77-6C8D-C6A9-97A7-DA4301DDD80F}"/>
               </a:ext>
             </a:extLst>
           </p:cNvPr>
@@ -322,7 +1428,7 @@
     </p:spTree>
     <p:extLst>
       <p:ext uri="{BB962C8B-B14F-4D97-AF65-F5344CB8AC3E}">
-        <p14:creationId xmlns:p14="http://schemas.microsoft.com/office/powerpoint/2010/main" val="75699002"/>
+        <p14:creationId xmlns:p14="http://schemas.microsoft.com/office/powerpoint/2010/main" val="2341628130"/>
       </p:ext>
     </p:extLst>
   </p:cSld>
@@ -354,7 +1460,7 @@
           <p:cNvPr id="2" name="כותרת 1">
             <a:extLst>
               <a:ext uri="{FF2B5EF4-FFF2-40B4-BE49-F238E27FC236}">
-                <a16:creationId xmlns:a16="http://schemas.microsoft.com/office/drawing/2014/main" id="{F977E135-A031-6CE6-6D3D-9044234DD713}"/>
+                <a16:creationId xmlns:a16="http://schemas.microsoft.com/office/drawing/2014/main" id="{013D1050-63E2-1BB0-60D5-04F6B2EFEB83}"/>
               </a:ext>
             </a:extLst>
           </p:cNvPr>
@@ -383,7 +1489,7 @@
           <p:cNvPr id="3" name="מציין מיקום של טקסט אנכי 2">
             <a:extLst>
               <a:ext uri="{FF2B5EF4-FFF2-40B4-BE49-F238E27FC236}">
-                <a16:creationId xmlns:a16="http://schemas.microsoft.com/office/drawing/2014/main" id="{4657B912-AF4B-B673-4234-C0D10489C50B}"/>
+                <a16:creationId xmlns:a16="http://schemas.microsoft.com/office/drawing/2014/main" id="{3F513009-979A-31BB-8600-F953DE8D142B}"/>
               </a:ext>
             </a:extLst>
           </p:cNvPr>
@@ -441,7 +1547,7 @@
           <p:cNvPr id="4" name="מציין מיקום של תאריך 3">
             <a:extLst>
               <a:ext uri="{FF2B5EF4-FFF2-40B4-BE49-F238E27FC236}">
-                <a16:creationId xmlns:a16="http://schemas.microsoft.com/office/drawing/2014/main" id="{C15F3A04-69BA-16B3-E8D0-F121CE5EE3B8}"/>
+                <a16:creationId xmlns:a16="http://schemas.microsoft.com/office/drawing/2014/main" id="{B4D66284-24BA-DF30-36E5-772312CAA610}"/>
               </a:ext>
             </a:extLst>
           </p:cNvPr>
@@ -459,7 +1565,7 @@
           <a:p>
             <a:fld id="{1B23E4F1-E323-438F-BDBB-031004AB24C8}" type="datetimeFigureOut">
               <a:rPr lang="LID4096" smtClean="0"/>
-              <a:t>08/12/2025</a:t>
+              <a:t>08/13/2025</a:t>
             </a:fld>
             <a:endParaRPr lang="LID4096"/>
           </a:p>
@@ -470,7 +1576,7 @@
           <p:cNvPr id="5" name="מציין מיקום של כותרת תחתונה 4">
             <a:extLst>
               <a:ext uri="{FF2B5EF4-FFF2-40B4-BE49-F238E27FC236}">
-                <a16:creationId xmlns:a16="http://schemas.microsoft.com/office/drawing/2014/main" id="{0214C7E4-40F9-3ACB-3697-9176F4710B64}"/>
+                <a16:creationId xmlns:a16="http://schemas.microsoft.com/office/drawing/2014/main" id="{C8BEF447-67B1-F5CD-CCD2-C59EA3E763D6}"/>
               </a:ext>
             </a:extLst>
           </p:cNvPr>
@@ -495,7 +1601,7 @@
           <p:cNvPr id="6" name="מציין מיקום של מספר שקופית 5">
             <a:extLst>
               <a:ext uri="{FF2B5EF4-FFF2-40B4-BE49-F238E27FC236}">
-                <a16:creationId xmlns:a16="http://schemas.microsoft.com/office/drawing/2014/main" id="{72235C0D-252C-55F3-4425-06EF65BAD5DA}"/>
+                <a16:creationId xmlns:a16="http://schemas.microsoft.com/office/drawing/2014/main" id="{8AFD9F99-5F67-7EB9-22A1-1FEF7920B301}"/>
               </a:ext>
             </a:extLst>
           </p:cNvPr>
@@ -522,7 +1628,7 @@
     </p:spTree>
     <p:extLst>
       <p:ext uri="{BB962C8B-B14F-4D97-AF65-F5344CB8AC3E}">
-        <p14:creationId xmlns:p14="http://schemas.microsoft.com/office/powerpoint/2010/main" val="2295580947"/>
+        <p14:creationId xmlns:p14="http://schemas.microsoft.com/office/powerpoint/2010/main" val="2502052021"/>
       </p:ext>
     </p:extLst>
   </p:cSld>
@@ -554,7 +1660,7 @@
           <p:cNvPr id="2" name="כותרת אנכית 1">
             <a:extLst>
               <a:ext uri="{FF2B5EF4-FFF2-40B4-BE49-F238E27FC236}">
-                <a16:creationId xmlns:a16="http://schemas.microsoft.com/office/drawing/2014/main" id="{D3854843-AA0C-B46E-AC07-E6B48CAE3C97}"/>
+                <a16:creationId xmlns:a16="http://schemas.microsoft.com/office/drawing/2014/main" id="{0C639F14-B09F-1CDC-0525-B0DF60AE9454}"/>
               </a:ext>
             </a:extLst>
           </p:cNvPr>
@@ -588,7 +1694,7 @@
           <p:cNvPr id="3" name="מציין מיקום של טקסט אנכי 2">
             <a:extLst>
               <a:ext uri="{FF2B5EF4-FFF2-40B4-BE49-F238E27FC236}">
-                <a16:creationId xmlns:a16="http://schemas.microsoft.com/office/drawing/2014/main" id="{E862152C-BAE9-14E4-7C16-633A0D1BC0D7}"/>
+                <a16:creationId xmlns:a16="http://schemas.microsoft.com/office/drawing/2014/main" id="{0846F8C1-13F4-A8F4-6022-5DCE5243FDC1}"/>
               </a:ext>
             </a:extLst>
           </p:cNvPr>
@@ -651,7 +1757,7 @@
           <p:cNvPr id="4" name="מציין מיקום של תאריך 3">
             <a:extLst>
               <a:ext uri="{FF2B5EF4-FFF2-40B4-BE49-F238E27FC236}">
-                <a16:creationId xmlns:a16="http://schemas.microsoft.com/office/drawing/2014/main" id="{A7205DF0-2E63-0F6B-6B4D-804AA47D5F1C}"/>
+                <a16:creationId xmlns:a16="http://schemas.microsoft.com/office/drawing/2014/main" id="{9561069D-0E18-C289-B3F1-D2B8B93474BD}"/>
               </a:ext>
             </a:extLst>
           </p:cNvPr>
@@ -669,7 +1775,7 @@
           <a:p>
             <a:fld id="{1B23E4F1-E323-438F-BDBB-031004AB24C8}" type="datetimeFigureOut">
               <a:rPr lang="LID4096" smtClean="0"/>
-              <a:t>08/12/2025</a:t>
+              <a:t>08/13/2025</a:t>
             </a:fld>
             <a:endParaRPr lang="LID4096"/>
           </a:p>
@@ -680,7 +1786,7 @@
           <p:cNvPr id="5" name="מציין מיקום של כותרת תחתונה 4">
             <a:extLst>
               <a:ext uri="{FF2B5EF4-FFF2-40B4-BE49-F238E27FC236}">
-                <a16:creationId xmlns:a16="http://schemas.microsoft.com/office/drawing/2014/main" id="{63DDDB4E-4E14-9428-246F-A9E8B0719AC6}"/>
+                <a16:creationId xmlns:a16="http://schemas.microsoft.com/office/drawing/2014/main" id="{31AD1CF0-D609-7B7D-2042-0AB88BF47B13}"/>
               </a:ext>
             </a:extLst>
           </p:cNvPr>
@@ -705,7 +1811,7 @@
           <p:cNvPr id="6" name="מציין מיקום של מספר שקופית 5">
             <a:extLst>
               <a:ext uri="{FF2B5EF4-FFF2-40B4-BE49-F238E27FC236}">
-                <a16:creationId xmlns:a16="http://schemas.microsoft.com/office/drawing/2014/main" id="{F7C14D0C-128E-5DF7-336E-D8433FEEC4DD}"/>
+                <a16:creationId xmlns:a16="http://schemas.microsoft.com/office/drawing/2014/main" id="{91FBF77B-BE4C-DFDE-9325-04FC7B4CFE6B}"/>
               </a:ext>
             </a:extLst>
           </p:cNvPr>
@@ -732,7 +1838,7 @@
     </p:spTree>
     <p:extLst>
       <p:ext uri="{BB962C8B-B14F-4D97-AF65-F5344CB8AC3E}">
-        <p14:creationId xmlns:p14="http://schemas.microsoft.com/office/powerpoint/2010/main" val="2013621684"/>
+        <p14:creationId xmlns:p14="http://schemas.microsoft.com/office/powerpoint/2010/main" val="2156588621"/>
       </p:ext>
     </p:extLst>
   </p:cSld>
@@ -764,7 +1870,7 @@
           <p:cNvPr id="2" name="כותרת 1">
             <a:extLst>
               <a:ext uri="{FF2B5EF4-FFF2-40B4-BE49-F238E27FC236}">
-                <a16:creationId xmlns:a16="http://schemas.microsoft.com/office/drawing/2014/main" id="{68884047-793D-4DA0-C4DD-94C03994AD10}"/>
+                <a16:creationId xmlns:a16="http://schemas.microsoft.com/office/drawing/2014/main" id="{53F1EAC9-7B4E-FE26-C753-E0152BAB2053}"/>
               </a:ext>
             </a:extLst>
           </p:cNvPr>
@@ -793,7 +1899,7 @@
           <p:cNvPr id="3" name="מציין מיקום תוכן 2">
             <a:extLst>
               <a:ext uri="{FF2B5EF4-FFF2-40B4-BE49-F238E27FC236}">
-                <a16:creationId xmlns:a16="http://schemas.microsoft.com/office/drawing/2014/main" id="{531D83AC-D922-A0FE-59CA-A13611474B7C}"/>
+                <a16:creationId xmlns:a16="http://schemas.microsoft.com/office/drawing/2014/main" id="{F2718951-FF7E-20A5-0307-C518C4649A55}"/>
               </a:ext>
             </a:extLst>
           </p:cNvPr>
@@ -851,7 +1957,7 @@
           <p:cNvPr id="4" name="מציין מיקום של תאריך 3">
             <a:extLst>
               <a:ext uri="{FF2B5EF4-FFF2-40B4-BE49-F238E27FC236}">
-                <a16:creationId xmlns:a16="http://schemas.microsoft.com/office/drawing/2014/main" id="{9778BCFD-9F3C-1A40-D8AC-5F279DE95722}"/>
+                <a16:creationId xmlns:a16="http://schemas.microsoft.com/office/drawing/2014/main" id="{C91A8971-DAEE-8999-E52B-B34DA8E5C23C}"/>
               </a:ext>
             </a:extLst>
           </p:cNvPr>
@@ -869,7 +1975,7 @@
           <a:p>
             <a:fld id="{1B23E4F1-E323-438F-BDBB-031004AB24C8}" type="datetimeFigureOut">
               <a:rPr lang="LID4096" smtClean="0"/>
-              <a:t>08/12/2025</a:t>
+              <a:t>08/13/2025</a:t>
             </a:fld>
             <a:endParaRPr lang="LID4096"/>
           </a:p>
@@ -880,7 +1986,7 @@
           <p:cNvPr id="5" name="מציין מיקום של כותרת תחתונה 4">
             <a:extLst>
               <a:ext uri="{FF2B5EF4-FFF2-40B4-BE49-F238E27FC236}">
-                <a16:creationId xmlns:a16="http://schemas.microsoft.com/office/drawing/2014/main" id="{51F89087-D6E4-5E16-68E9-7E97C50A1583}"/>
+                <a16:creationId xmlns:a16="http://schemas.microsoft.com/office/drawing/2014/main" id="{7D0549E0-6E39-826A-5B51-BD437D1D46B9}"/>
               </a:ext>
             </a:extLst>
           </p:cNvPr>
@@ -905,7 +2011,7 @@
           <p:cNvPr id="6" name="מציין מיקום של מספר שקופית 5">
             <a:extLst>
               <a:ext uri="{FF2B5EF4-FFF2-40B4-BE49-F238E27FC236}">
-                <a16:creationId xmlns:a16="http://schemas.microsoft.com/office/drawing/2014/main" id="{E4C44759-1094-CCA0-2689-BA203F4391FF}"/>
+                <a16:creationId xmlns:a16="http://schemas.microsoft.com/office/drawing/2014/main" id="{F1C3C59C-9A13-0F14-1DD0-9FEB3BA67D78}"/>
               </a:ext>
             </a:extLst>
           </p:cNvPr>
@@ -932,7 +2038,7 @@
     </p:spTree>
     <p:extLst>
       <p:ext uri="{BB962C8B-B14F-4D97-AF65-F5344CB8AC3E}">
-        <p14:creationId xmlns:p14="http://schemas.microsoft.com/office/powerpoint/2010/main" val="2887208225"/>
+        <p14:creationId xmlns:p14="http://schemas.microsoft.com/office/powerpoint/2010/main" val="2165290003"/>
       </p:ext>
     </p:extLst>
   </p:cSld>
@@ -964,7 +2070,7 @@
           <p:cNvPr id="2" name="כותרת 1">
             <a:extLst>
               <a:ext uri="{FF2B5EF4-FFF2-40B4-BE49-F238E27FC236}">
-                <a16:creationId xmlns:a16="http://schemas.microsoft.com/office/drawing/2014/main" id="{B48E2C6B-2694-EAD5-03C5-B25FDE2247D0}"/>
+                <a16:creationId xmlns:a16="http://schemas.microsoft.com/office/drawing/2014/main" id="{2C598EA0-768A-8D62-24AE-717CF42C70C7}"/>
               </a:ext>
             </a:extLst>
           </p:cNvPr>
@@ -1002,7 +2108,7 @@
           <p:cNvPr id="3" name="מציין מיקום טקסט 2">
             <a:extLst>
               <a:ext uri="{FF2B5EF4-FFF2-40B4-BE49-F238E27FC236}">
-                <a16:creationId xmlns:a16="http://schemas.microsoft.com/office/drawing/2014/main" id="{042377C2-0C84-2A4F-2ED5-E88A639682C5}"/>
+                <a16:creationId xmlns:a16="http://schemas.microsoft.com/office/drawing/2014/main" id="{C1368D44-4A5C-93BC-68BE-775EDD92B09E}"/>
               </a:ext>
             </a:extLst>
           </p:cNvPr>
@@ -1127,7 +2233,7 @@
           <p:cNvPr id="4" name="מציין מיקום של תאריך 3">
             <a:extLst>
               <a:ext uri="{FF2B5EF4-FFF2-40B4-BE49-F238E27FC236}">
-                <a16:creationId xmlns:a16="http://schemas.microsoft.com/office/drawing/2014/main" id="{FDFBD06B-67B9-4236-81FD-EA3A68CC5F62}"/>
+                <a16:creationId xmlns:a16="http://schemas.microsoft.com/office/drawing/2014/main" id="{0E3E122A-CB60-C79A-12DE-E7C48E5B116D}"/>
               </a:ext>
             </a:extLst>
           </p:cNvPr>
@@ -1145,7 +2251,7 @@
           <a:p>
             <a:fld id="{1B23E4F1-E323-438F-BDBB-031004AB24C8}" type="datetimeFigureOut">
               <a:rPr lang="LID4096" smtClean="0"/>
-              <a:t>08/12/2025</a:t>
+              <a:t>08/13/2025</a:t>
             </a:fld>
             <a:endParaRPr lang="LID4096"/>
           </a:p>
@@ -1156,7 +2262,7 @@
           <p:cNvPr id="5" name="מציין מיקום של כותרת תחתונה 4">
             <a:extLst>
               <a:ext uri="{FF2B5EF4-FFF2-40B4-BE49-F238E27FC236}">
-                <a16:creationId xmlns:a16="http://schemas.microsoft.com/office/drawing/2014/main" id="{D395F617-EF0D-561B-B64B-D885408E6809}"/>
+                <a16:creationId xmlns:a16="http://schemas.microsoft.com/office/drawing/2014/main" id="{D2EAB513-27B0-ACB4-54FE-6658A112AB02}"/>
               </a:ext>
             </a:extLst>
           </p:cNvPr>
@@ -1181,7 +2287,7 @@
           <p:cNvPr id="6" name="מציין מיקום של מספר שקופית 5">
             <a:extLst>
               <a:ext uri="{FF2B5EF4-FFF2-40B4-BE49-F238E27FC236}">
-                <a16:creationId xmlns:a16="http://schemas.microsoft.com/office/drawing/2014/main" id="{6CA6DF87-C167-EECE-FED7-78C043D45027}"/>
+                <a16:creationId xmlns:a16="http://schemas.microsoft.com/office/drawing/2014/main" id="{5344E6E0-6852-B38B-BB9F-280DD9A9F98A}"/>
               </a:ext>
             </a:extLst>
           </p:cNvPr>
@@ -1208,7 +2314,7 @@
     </p:spTree>
     <p:extLst>
       <p:ext uri="{BB962C8B-B14F-4D97-AF65-F5344CB8AC3E}">
-        <p14:creationId xmlns:p14="http://schemas.microsoft.com/office/powerpoint/2010/main" val="1316827260"/>
+        <p14:creationId xmlns:p14="http://schemas.microsoft.com/office/powerpoint/2010/main" val="1950052892"/>
       </p:ext>
     </p:extLst>
   </p:cSld>
@@ -1240,7 +2346,7 @@
           <p:cNvPr id="2" name="כותרת 1">
             <a:extLst>
               <a:ext uri="{FF2B5EF4-FFF2-40B4-BE49-F238E27FC236}">
-                <a16:creationId xmlns:a16="http://schemas.microsoft.com/office/drawing/2014/main" id="{9F0EAD55-1FB9-E72F-411B-7AEA89F06E11}"/>
+                <a16:creationId xmlns:a16="http://schemas.microsoft.com/office/drawing/2014/main" id="{BA5220BC-4A87-45D1-CAA5-672ED46F8250}"/>
               </a:ext>
             </a:extLst>
           </p:cNvPr>
@@ -1269,7 +2375,7 @@
           <p:cNvPr id="3" name="מציין מיקום תוכן 2">
             <a:extLst>
               <a:ext uri="{FF2B5EF4-FFF2-40B4-BE49-F238E27FC236}">
-                <a16:creationId xmlns:a16="http://schemas.microsoft.com/office/drawing/2014/main" id="{D8C60F33-50D8-EE54-5550-83D5CBB78494}"/>
+                <a16:creationId xmlns:a16="http://schemas.microsoft.com/office/drawing/2014/main" id="{55779487-ED87-158E-3DBD-ED02ECA36E1B}"/>
               </a:ext>
             </a:extLst>
           </p:cNvPr>
@@ -1332,7 +2438,7 @@
           <p:cNvPr id="4" name="מציין מיקום תוכן 3">
             <a:extLst>
               <a:ext uri="{FF2B5EF4-FFF2-40B4-BE49-F238E27FC236}">
-                <a16:creationId xmlns:a16="http://schemas.microsoft.com/office/drawing/2014/main" id="{FAB41D2C-02AB-3AD8-666B-9D018B104D45}"/>
+                <a16:creationId xmlns:a16="http://schemas.microsoft.com/office/drawing/2014/main" id="{4FEC3031-91A5-35B4-4FE2-DBF32B0A22F4}"/>
               </a:ext>
             </a:extLst>
           </p:cNvPr>
@@ -1395,7 +2501,7 @@
           <p:cNvPr id="5" name="מציין מיקום של תאריך 4">
             <a:extLst>
               <a:ext uri="{FF2B5EF4-FFF2-40B4-BE49-F238E27FC236}">
-                <a16:creationId xmlns:a16="http://schemas.microsoft.com/office/drawing/2014/main" id="{A34C3966-EAE3-AE43-DDE9-36B812EBE5BF}"/>
+                <a16:creationId xmlns:a16="http://schemas.microsoft.com/office/drawing/2014/main" id="{7ECF1D29-330E-6B47-9D0B-8D731AC416FC}"/>
               </a:ext>
             </a:extLst>
           </p:cNvPr>
@@ -1413,7 +2519,7 @@
           <a:p>
             <a:fld id="{1B23E4F1-E323-438F-BDBB-031004AB24C8}" type="datetimeFigureOut">
               <a:rPr lang="LID4096" smtClean="0"/>
-              <a:t>08/12/2025</a:t>
+              <a:t>08/13/2025</a:t>
             </a:fld>
             <a:endParaRPr lang="LID4096"/>
           </a:p>
@@ -1424,7 +2530,7 @@
           <p:cNvPr id="6" name="מציין מיקום של כותרת תחתונה 5">
             <a:extLst>
               <a:ext uri="{FF2B5EF4-FFF2-40B4-BE49-F238E27FC236}">
-                <a16:creationId xmlns:a16="http://schemas.microsoft.com/office/drawing/2014/main" id="{31BC51C9-7EA0-C9C0-3430-71FB9436DD4B}"/>
+                <a16:creationId xmlns:a16="http://schemas.microsoft.com/office/drawing/2014/main" id="{C951C409-0D1D-7A92-B4DE-262457983257}"/>
               </a:ext>
             </a:extLst>
           </p:cNvPr>
@@ -1449,7 +2555,7 @@
           <p:cNvPr id="7" name="מציין מיקום של מספר שקופית 6">
             <a:extLst>
               <a:ext uri="{FF2B5EF4-FFF2-40B4-BE49-F238E27FC236}">
-                <a16:creationId xmlns:a16="http://schemas.microsoft.com/office/drawing/2014/main" id="{A63F7036-9B79-2B44-BB7F-CE70B306A20B}"/>
+                <a16:creationId xmlns:a16="http://schemas.microsoft.com/office/drawing/2014/main" id="{65071A8F-B147-2F46-F0B2-DB36619E5F55}"/>
               </a:ext>
             </a:extLst>
           </p:cNvPr>
@@ -1476,7 +2582,7 @@
     </p:spTree>
     <p:extLst>
       <p:ext uri="{BB962C8B-B14F-4D97-AF65-F5344CB8AC3E}">
-        <p14:creationId xmlns:p14="http://schemas.microsoft.com/office/powerpoint/2010/main" val="262151320"/>
+        <p14:creationId xmlns:p14="http://schemas.microsoft.com/office/powerpoint/2010/main" val="344628571"/>
       </p:ext>
     </p:extLst>
   </p:cSld>
@@ -1508,7 +2614,7 @@
           <p:cNvPr id="2" name="כותרת 1">
             <a:extLst>
               <a:ext uri="{FF2B5EF4-FFF2-40B4-BE49-F238E27FC236}">
-                <a16:creationId xmlns:a16="http://schemas.microsoft.com/office/drawing/2014/main" id="{EEF2E834-9EE2-6B49-5E04-9F6DEEBF4180}"/>
+                <a16:creationId xmlns:a16="http://schemas.microsoft.com/office/drawing/2014/main" id="{4B143C52-7496-AF9F-DE8B-E5E32BF543B5}"/>
               </a:ext>
             </a:extLst>
           </p:cNvPr>
@@ -1542,7 +2648,7 @@
           <p:cNvPr id="3" name="מציין מיקום טקסט 2">
             <a:extLst>
               <a:ext uri="{FF2B5EF4-FFF2-40B4-BE49-F238E27FC236}">
-                <a16:creationId xmlns:a16="http://schemas.microsoft.com/office/drawing/2014/main" id="{143C2486-3E7D-59E3-7367-DD3FE215F01C}"/>
+                <a16:creationId xmlns:a16="http://schemas.microsoft.com/office/drawing/2014/main" id="{24D91D59-3200-A4F5-1FB1-7A073885D7B4}"/>
               </a:ext>
             </a:extLst>
           </p:cNvPr>
@@ -1613,7 +2719,7 @@
           <p:cNvPr id="4" name="מציין מיקום תוכן 3">
             <a:extLst>
               <a:ext uri="{FF2B5EF4-FFF2-40B4-BE49-F238E27FC236}">
-                <a16:creationId xmlns:a16="http://schemas.microsoft.com/office/drawing/2014/main" id="{D8CF3A9D-D8B2-6988-99EA-027D50995DA5}"/>
+                <a16:creationId xmlns:a16="http://schemas.microsoft.com/office/drawing/2014/main" id="{4412BA26-5402-CA07-B358-221BCCD235F3}"/>
               </a:ext>
             </a:extLst>
           </p:cNvPr>
@@ -1676,7 +2782,7 @@
           <p:cNvPr id="5" name="מציין מיקום טקסט 4">
             <a:extLst>
               <a:ext uri="{FF2B5EF4-FFF2-40B4-BE49-F238E27FC236}">
-                <a16:creationId xmlns:a16="http://schemas.microsoft.com/office/drawing/2014/main" id="{045F33C9-39E4-F599-84A8-0AC8DD8CFA29}"/>
+                <a16:creationId xmlns:a16="http://schemas.microsoft.com/office/drawing/2014/main" id="{388E6B11-FBC0-A285-2DA7-15E33EC86846}"/>
               </a:ext>
             </a:extLst>
           </p:cNvPr>
@@ -1747,7 +2853,7 @@
           <p:cNvPr id="6" name="מציין מיקום תוכן 5">
             <a:extLst>
               <a:ext uri="{FF2B5EF4-FFF2-40B4-BE49-F238E27FC236}">
-                <a16:creationId xmlns:a16="http://schemas.microsoft.com/office/drawing/2014/main" id="{737F1958-52FF-8A0F-5490-6DF13D414CF3}"/>
+                <a16:creationId xmlns:a16="http://schemas.microsoft.com/office/drawing/2014/main" id="{82EE0B4D-1EB5-3634-D09D-0BA9DFA6CCC4}"/>
               </a:ext>
             </a:extLst>
           </p:cNvPr>
@@ -1810,7 +2916,7 @@
           <p:cNvPr id="7" name="מציין מיקום של תאריך 6">
             <a:extLst>
               <a:ext uri="{FF2B5EF4-FFF2-40B4-BE49-F238E27FC236}">
-                <a16:creationId xmlns:a16="http://schemas.microsoft.com/office/drawing/2014/main" id="{BC38ECB6-A531-C2A0-7C21-6F33DE01FBBC}"/>
+                <a16:creationId xmlns:a16="http://schemas.microsoft.com/office/drawing/2014/main" id="{45187C8A-A2E7-8523-0CE7-6B0E3D3C5C77}"/>
               </a:ext>
             </a:extLst>
           </p:cNvPr>
@@ -1828,7 +2934,7 @@
           <a:p>
             <a:fld id="{1B23E4F1-E323-438F-BDBB-031004AB24C8}" type="datetimeFigureOut">
               <a:rPr lang="LID4096" smtClean="0"/>
-              <a:t>08/12/2025</a:t>
+              <a:t>08/13/2025</a:t>
             </a:fld>
             <a:endParaRPr lang="LID4096"/>
           </a:p>
@@ -1839,7 +2945,7 @@
           <p:cNvPr id="8" name="מציין מיקום של כותרת תחתונה 7">
             <a:extLst>
               <a:ext uri="{FF2B5EF4-FFF2-40B4-BE49-F238E27FC236}">
-                <a16:creationId xmlns:a16="http://schemas.microsoft.com/office/drawing/2014/main" id="{1319AE39-243B-28E4-AA37-8766903C3370}"/>
+                <a16:creationId xmlns:a16="http://schemas.microsoft.com/office/drawing/2014/main" id="{9533B1F0-348B-DC51-CC17-3CE32F296DDA}"/>
               </a:ext>
             </a:extLst>
           </p:cNvPr>
@@ -1864,7 +2970,7 @@
           <p:cNvPr id="9" name="מציין מיקום של מספר שקופית 8">
             <a:extLst>
               <a:ext uri="{FF2B5EF4-FFF2-40B4-BE49-F238E27FC236}">
-                <a16:creationId xmlns:a16="http://schemas.microsoft.com/office/drawing/2014/main" id="{1580FA92-CF00-5D17-B7D8-BC1B1406FBB9}"/>
+                <a16:creationId xmlns:a16="http://schemas.microsoft.com/office/drawing/2014/main" id="{539BC3A4-FFB8-B431-DD9C-86D71BEE9111}"/>
               </a:ext>
             </a:extLst>
           </p:cNvPr>
@@ -1891,7 +2997,7 @@
     </p:spTree>
     <p:extLst>
       <p:ext uri="{BB962C8B-B14F-4D97-AF65-F5344CB8AC3E}">
-        <p14:creationId xmlns:p14="http://schemas.microsoft.com/office/powerpoint/2010/main" val="241072518"/>
+        <p14:creationId xmlns:p14="http://schemas.microsoft.com/office/powerpoint/2010/main" val="2263893605"/>
       </p:ext>
     </p:extLst>
   </p:cSld>
@@ -1923,7 +3029,7 @@
           <p:cNvPr id="2" name="כותרת 1">
             <a:extLst>
               <a:ext uri="{FF2B5EF4-FFF2-40B4-BE49-F238E27FC236}">
-                <a16:creationId xmlns:a16="http://schemas.microsoft.com/office/drawing/2014/main" id="{0E0C0FBA-0829-A498-6A6B-3166E8730A1A}"/>
+                <a16:creationId xmlns:a16="http://schemas.microsoft.com/office/drawing/2014/main" id="{776B5A60-6D66-5AED-9F57-33C791702457}"/>
               </a:ext>
             </a:extLst>
           </p:cNvPr>
@@ -1952,7 +3058,7 @@
           <p:cNvPr id="3" name="מציין מיקום של תאריך 2">
             <a:extLst>
               <a:ext uri="{FF2B5EF4-FFF2-40B4-BE49-F238E27FC236}">
-                <a16:creationId xmlns:a16="http://schemas.microsoft.com/office/drawing/2014/main" id="{BA9252DB-1803-0169-25CC-DB27357E350F}"/>
+                <a16:creationId xmlns:a16="http://schemas.microsoft.com/office/drawing/2014/main" id="{1ED28F25-AA5D-018D-FCE2-CDE86DEEF98A}"/>
               </a:ext>
             </a:extLst>
           </p:cNvPr>
@@ -1970,7 +3076,7 @@
           <a:p>
             <a:fld id="{1B23E4F1-E323-438F-BDBB-031004AB24C8}" type="datetimeFigureOut">
               <a:rPr lang="LID4096" smtClean="0"/>
-              <a:t>08/12/2025</a:t>
+              <a:t>08/13/2025</a:t>
             </a:fld>
             <a:endParaRPr lang="LID4096"/>
           </a:p>
@@ -1981,7 +3087,7 @@
           <p:cNvPr id="4" name="מציין מיקום של כותרת תחתונה 3">
             <a:extLst>
               <a:ext uri="{FF2B5EF4-FFF2-40B4-BE49-F238E27FC236}">
-                <a16:creationId xmlns:a16="http://schemas.microsoft.com/office/drawing/2014/main" id="{AA472A89-B50D-0E27-9CE2-90DDACB5B06E}"/>
+                <a16:creationId xmlns:a16="http://schemas.microsoft.com/office/drawing/2014/main" id="{455FA2AF-B530-A474-6CBF-ADC7CE11371C}"/>
               </a:ext>
             </a:extLst>
           </p:cNvPr>
@@ -2006,7 +3112,7 @@
           <p:cNvPr id="5" name="מציין מיקום של מספר שקופית 4">
             <a:extLst>
               <a:ext uri="{FF2B5EF4-FFF2-40B4-BE49-F238E27FC236}">
-                <a16:creationId xmlns:a16="http://schemas.microsoft.com/office/drawing/2014/main" id="{98449970-5738-C0C7-3A4C-7C0EFABC7EF4}"/>
+                <a16:creationId xmlns:a16="http://schemas.microsoft.com/office/drawing/2014/main" id="{006D07A9-603D-5FAF-3E35-F1BEB708C51F}"/>
               </a:ext>
             </a:extLst>
           </p:cNvPr>
@@ -2033,7 +3139,7 @@
     </p:spTree>
     <p:extLst>
       <p:ext uri="{BB962C8B-B14F-4D97-AF65-F5344CB8AC3E}">
-        <p14:creationId xmlns:p14="http://schemas.microsoft.com/office/powerpoint/2010/main" val="2018801165"/>
+        <p14:creationId xmlns:p14="http://schemas.microsoft.com/office/powerpoint/2010/main" val="2440806073"/>
       </p:ext>
     </p:extLst>
   </p:cSld>
@@ -2065,7 +3171,7 @@
           <p:cNvPr id="2" name="מציין מיקום של תאריך 1">
             <a:extLst>
               <a:ext uri="{FF2B5EF4-FFF2-40B4-BE49-F238E27FC236}">
-                <a16:creationId xmlns:a16="http://schemas.microsoft.com/office/drawing/2014/main" id="{0CCE3F85-F52D-E604-ED44-551EBD78C695}"/>
+                <a16:creationId xmlns:a16="http://schemas.microsoft.com/office/drawing/2014/main" id="{DAE513FA-7683-7917-6444-A651D26A9E85}"/>
               </a:ext>
             </a:extLst>
           </p:cNvPr>
@@ -2083,7 +3189,7 @@
           <a:p>
             <a:fld id="{1B23E4F1-E323-438F-BDBB-031004AB24C8}" type="datetimeFigureOut">
               <a:rPr lang="LID4096" smtClean="0"/>
-              <a:t>08/12/2025</a:t>
+              <a:t>08/13/2025</a:t>
             </a:fld>
             <a:endParaRPr lang="LID4096"/>
           </a:p>
@@ -2094,7 +3200,7 @@
           <p:cNvPr id="3" name="מציין מיקום של כותרת תחתונה 2">
             <a:extLst>
               <a:ext uri="{FF2B5EF4-FFF2-40B4-BE49-F238E27FC236}">
-                <a16:creationId xmlns:a16="http://schemas.microsoft.com/office/drawing/2014/main" id="{D20AC7E0-3697-1770-F552-C8580CFFEFD1}"/>
+                <a16:creationId xmlns:a16="http://schemas.microsoft.com/office/drawing/2014/main" id="{81F18090-4D8B-BC13-E400-869AF14D7BB8}"/>
               </a:ext>
             </a:extLst>
           </p:cNvPr>
@@ -2119,7 +3225,7 @@
           <p:cNvPr id="4" name="מציין מיקום של מספר שקופית 3">
             <a:extLst>
               <a:ext uri="{FF2B5EF4-FFF2-40B4-BE49-F238E27FC236}">
-                <a16:creationId xmlns:a16="http://schemas.microsoft.com/office/drawing/2014/main" id="{6CB31539-AB1A-6814-35FE-A84F96B48B6F}"/>
+                <a16:creationId xmlns:a16="http://schemas.microsoft.com/office/drawing/2014/main" id="{B054078D-FC52-57AE-77B2-B730394E5F0F}"/>
               </a:ext>
             </a:extLst>
           </p:cNvPr>
@@ -2146,7 +3252,7 @@
     </p:spTree>
     <p:extLst>
       <p:ext uri="{BB962C8B-B14F-4D97-AF65-F5344CB8AC3E}">
-        <p14:creationId xmlns:p14="http://schemas.microsoft.com/office/powerpoint/2010/main" val="4152678842"/>
+        <p14:creationId xmlns:p14="http://schemas.microsoft.com/office/powerpoint/2010/main" val="4105294636"/>
       </p:ext>
     </p:extLst>
   </p:cSld>
@@ -2178,7 +3284,7 @@
           <p:cNvPr id="2" name="כותרת 1">
             <a:extLst>
               <a:ext uri="{FF2B5EF4-FFF2-40B4-BE49-F238E27FC236}">
-                <a16:creationId xmlns:a16="http://schemas.microsoft.com/office/drawing/2014/main" id="{23A2C3C0-6E12-EA3E-B8AD-81981247B89C}"/>
+                <a16:creationId xmlns:a16="http://schemas.microsoft.com/office/drawing/2014/main" id="{3585423A-A912-B175-0EE8-015F658CF9CA}"/>
               </a:ext>
             </a:extLst>
           </p:cNvPr>
@@ -2216,7 +3322,7 @@
           <p:cNvPr id="3" name="מציין מיקום תוכן 2">
             <a:extLst>
               <a:ext uri="{FF2B5EF4-FFF2-40B4-BE49-F238E27FC236}">
-                <a16:creationId xmlns:a16="http://schemas.microsoft.com/office/drawing/2014/main" id="{428DD83C-E7C6-5B5B-7561-90669132D9B0}"/>
+                <a16:creationId xmlns:a16="http://schemas.microsoft.com/office/drawing/2014/main" id="{1C6B6354-7A71-E241-B9BA-E2A1B67FF1A4}"/>
               </a:ext>
             </a:extLst>
           </p:cNvPr>
@@ -2307,7 +3413,7 @@
           <p:cNvPr id="4" name="מציין מיקום טקסט 3">
             <a:extLst>
               <a:ext uri="{FF2B5EF4-FFF2-40B4-BE49-F238E27FC236}">
-                <a16:creationId xmlns:a16="http://schemas.microsoft.com/office/drawing/2014/main" id="{1E5906A2-0EF2-4792-EAEE-516C1A14A24C}"/>
+                <a16:creationId xmlns:a16="http://schemas.microsoft.com/office/drawing/2014/main" id="{7851199F-6F21-C96F-C256-2984D8E4B3C6}"/>
               </a:ext>
             </a:extLst>
           </p:cNvPr>
@@ -2378,7 +3484,7 @@
           <p:cNvPr id="5" name="מציין מיקום של תאריך 4">
             <a:extLst>
               <a:ext uri="{FF2B5EF4-FFF2-40B4-BE49-F238E27FC236}">
-                <a16:creationId xmlns:a16="http://schemas.microsoft.com/office/drawing/2014/main" id="{E89E709C-3936-D9AD-2B51-9F4B65CB1433}"/>
+                <a16:creationId xmlns:a16="http://schemas.microsoft.com/office/drawing/2014/main" id="{88F70C4C-23D7-4F96-3A3A-7F7D112B7FDD}"/>
               </a:ext>
             </a:extLst>
           </p:cNvPr>
@@ -2396,7 +3502,7 @@
           <a:p>
             <a:fld id="{1B23E4F1-E323-438F-BDBB-031004AB24C8}" type="datetimeFigureOut">
               <a:rPr lang="LID4096" smtClean="0"/>
-              <a:t>08/12/2025</a:t>
+              <a:t>08/13/2025</a:t>
             </a:fld>
             <a:endParaRPr lang="LID4096"/>
           </a:p>
@@ -2407,7 +3513,7 @@
           <p:cNvPr id="6" name="מציין מיקום של כותרת תחתונה 5">
             <a:extLst>
               <a:ext uri="{FF2B5EF4-FFF2-40B4-BE49-F238E27FC236}">
-                <a16:creationId xmlns:a16="http://schemas.microsoft.com/office/drawing/2014/main" id="{C9137F33-4ABB-1FAD-D224-B022323BB3CE}"/>
+                <a16:creationId xmlns:a16="http://schemas.microsoft.com/office/drawing/2014/main" id="{F30AD18A-F57F-0E16-42C9-1AABCC014C33}"/>
               </a:ext>
             </a:extLst>
           </p:cNvPr>
@@ -2432,7 +3538,7 @@
           <p:cNvPr id="7" name="מציין מיקום של מספר שקופית 6">
             <a:extLst>
               <a:ext uri="{FF2B5EF4-FFF2-40B4-BE49-F238E27FC236}">
-                <a16:creationId xmlns:a16="http://schemas.microsoft.com/office/drawing/2014/main" id="{B5FFCF3A-F6A3-013E-D466-364023F1E6AB}"/>
+                <a16:creationId xmlns:a16="http://schemas.microsoft.com/office/drawing/2014/main" id="{77C44358-E90A-F27E-4472-7163A1207C27}"/>
               </a:ext>
             </a:extLst>
           </p:cNvPr>
@@ -2459,7 +3565,7 @@
     </p:spTree>
     <p:extLst>
       <p:ext uri="{BB962C8B-B14F-4D97-AF65-F5344CB8AC3E}">
-        <p14:creationId xmlns:p14="http://schemas.microsoft.com/office/powerpoint/2010/main" val="3933139734"/>
+        <p14:creationId xmlns:p14="http://schemas.microsoft.com/office/powerpoint/2010/main" val="2070873315"/>
       </p:ext>
     </p:extLst>
   </p:cSld>
@@ -2491,7 +3597,7 @@
           <p:cNvPr id="2" name="כותרת 1">
             <a:extLst>
               <a:ext uri="{FF2B5EF4-FFF2-40B4-BE49-F238E27FC236}">
-                <a16:creationId xmlns:a16="http://schemas.microsoft.com/office/drawing/2014/main" id="{059BCE72-CABE-EE28-6497-9E5005E88414}"/>
+                <a16:creationId xmlns:a16="http://schemas.microsoft.com/office/drawing/2014/main" id="{EB34CB37-2CDD-10DF-BC69-EBE615392480}"/>
               </a:ext>
             </a:extLst>
           </p:cNvPr>
@@ -2529,7 +3635,7 @@
           <p:cNvPr id="3" name="מציין מיקום של תמונה 2">
             <a:extLst>
               <a:ext uri="{FF2B5EF4-FFF2-40B4-BE49-F238E27FC236}">
-                <a16:creationId xmlns:a16="http://schemas.microsoft.com/office/drawing/2014/main" id="{949C628E-D6E6-FD91-7516-FCA0F3B7DD10}"/>
+                <a16:creationId xmlns:a16="http://schemas.microsoft.com/office/drawing/2014/main" id="{EA9BEA57-1E16-A3ED-E7BA-00A91AD0F779}"/>
               </a:ext>
             </a:extLst>
           </p:cNvPr>
@@ -2596,7 +3702,7 @@
           <p:cNvPr id="4" name="מציין מיקום טקסט 3">
             <a:extLst>
               <a:ext uri="{FF2B5EF4-FFF2-40B4-BE49-F238E27FC236}">
-                <a16:creationId xmlns:a16="http://schemas.microsoft.com/office/drawing/2014/main" id="{18B9880D-2028-5F2F-4B79-BF0992E7565B}"/>
+                <a16:creationId xmlns:a16="http://schemas.microsoft.com/office/drawing/2014/main" id="{BD70C15D-BFC3-894A-7CA8-08CAFB93E411}"/>
               </a:ext>
             </a:extLst>
           </p:cNvPr>
@@ -2667,7 +3773,7 @@
           <p:cNvPr id="5" name="מציין מיקום של תאריך 4">
             <a:extLst>
               <a:ext uri="{FF2B5EF4-FFF2-40B4-BE49-F238E27FC236}">
-                <a16:creationId xmlns:a16="http://schemas.microsoft.com/office/drawing/2014/main" id="{59F64489-94BB-15E3-8338-E6061293B4C5}"/>
+                <a16:creationId xmlns:a16="http://schemas.microsoft.com/office/drawing/2014/main" id="{65E0E253-8D23-F33A-10DC-1418753CCB48}"/>
               </a:ext>
             </a:extLst>
           </p:cNvPr>
@@ -2685,7 +3791,7 @@
           <a:p>
             <a:fld id="{1B23E4F1-E323-438F-BDBB-031004AB24C8}" type="datetimeFigureOut">
               <a:rPr lang="LID4096" smtClean="0"/>
-              <a:t>08/12/2025</a:t>
+              <a:t>08/13/2025</a:t>
             </a:fld>
             <a:endParaRPr lang="LID4096"/>
           </a:p>
@@ -2696,7 +3802,7 @@
           <p:cNvPr id="6" name="מציין מיקום של כותרת תחתונה 5">
             <a:extLst>
               <a:ext uri="{FF2B5EF4-FFF2-40B4-BE49-F238E27FC236}">
-                <a16:creationId xmlns:a16="http://schemas.microsoft.com/office/drawing/2014/main" id="{5D596943-BBAA-F479-EFC8-A8EBB94D5C18}"/>
+                <a16:creationId xmlns:a16="http://schemas.microsoft.com/office/drawing/2014/main" id="{E97A7D99-D970-5D90-9CBB-E70ED31BBAAA}"/>
               </a:ext>
             </a:extLst>
           </p:cNvPr>
@@ -2721,7 +3827,7 @@
           <p:cNvPr id="7" name="מציין מיקום של מספר שקופית 6">
             <a:extLst>
               <a:ext uri="{FF2B5EF4-FFF2-40B4-BE49-F238E27FC236}">
-                <a16:creationId xmlns:a16="http://schemas.microsoft.com/office/drawing/2014/main" id="{6509E574-A093-CE3E-1CD8-BD8391DDE854}"/>
+                <a16:creationId xmlns:a16="http://schemas.microsoft.com/office/drawing/2014/main" id="{9BEF2DC7-071A-9AAA-7EF5-6B9D778041E5}"/>
               </a:ext>
             </a:extLst>
           </p:cNvPr>
@@ -2748,7 +3854,7 @@
     </p:spTree>
     <p:extLst>
       <p:ext uri="{BB962C8B-B14F-4D97-AF65-F5344CB8AC3E}">
-        <p14:creationId xmlns:p14="http://schemas.microsoft.com/office/powerpoint/2010/main" val="3068593057"/>
+        <p14:creationId xmlns:p14="http://schemas.microsoft.com/office/powerpoint/2010/main" val="3845490532"/>
       </p:ext>
     </p:extLst>
   </p:cSld>
@@ -2785,7 +3891,7 @@
           <p:cNvPr id="2" name="מציין מיקום של כותרת 1">
             <a:extLst>
               <a:ext uri="{FF2B5EF4-FFF2-40B4-BE49-F238E27FC236}">
-                <a16:creationId xmlns:a16="http://schemas.microsoft.com/office/drawing/2014/main" id="{2EC64793-289B-DF38-305A-D5A852A10EE0}"/>
+                <a16:creationId xmlns:a16="http://schemas.microsoft.com/office/drawing/2014/main" id="{09922081-7F60-3550-6AB2-FF405AF62AB5}"/>
               </a:ext>
             </a:extLst>
           </p:cNvPr>
@@ -2824,7 +3930,7 @@
           <p:cNvPr id="3" name="מציין מיקום טקסט 2">
             <a:extLst>
               <a:ext uri="{FF2B5EF4-FFF2-40B4-BE49-F238E27FC236}">
-                <a16:creationId xmlns:a16="http://schemas.microsoft.com/office/drawing/2014/main" id="{75504355-11F6-648B-8897-F9A0806EEA54}"/>
+                <a16:creationId xmlns:a16="http://schemas.microsoft.com/office/drawing/2014/main" id="{8149431C-C674-A450-2C33-28B29597331A}"/>
               </a:ext>
             </a:extLst>
           </p:cNvPr>
@@ -2892,7 +3998,7 @@
           <p:cNvPr id="4" name="מציין מיקום של תאריך 3">
             <a:extLst>
               <a:ext uri="{FF2B5EF4-FFF2-40B4-BE49-F238E27FC236}">
-                <a16:creationId xmlns:a16="http://schemas.microsoft.com/office/drawing/2014/main" id="{A7ED0CC2-B2D4-B71A-D1CB-DBC963EC48D3}"/>
+                <a16:creationId xmlns:a16="http://schemas.microsoft.com/office/drawing/2014/main" id="{84F33235-BC0C-E473-4C37-83F6D27B2505}"/>
               </a:ext>
             </a:extLst>
           </p:cNvPr>
@@ -2928,7 +4034,7 @@
           <a:p>
             <a:fld id="{1B23E4F1-E323-438F-BDBB-031004AB24C8}" type="datetimeFigureOut">
               <a:rPr lang="LID4096" smtClean="0"/>
-              <a:t>08/12/2025</a:t>
+              <a:t>08/13/2025</a:t>
             </a:fld>
             <a:endParaRPr lang="LID4096"/>
           </a:p>
@@ -2939,7 +4045,7 @@
           <p:cNvPr id="5" name="מציין מיקום של כותרת תחתונה 4">
             <a:extLst>
               <a:ext uri="{FF2B5EF4-FFF2-40B4-BE49-F238E27FC236}">
-                <a16:creationId xmlns:a16="http://schemas.microsoft.com/office/drawing/2014/main" id="{BE3E30C5-F15E-BE90-0612-901B814CF693}"/>
+                <a16:creationId xmlns:a16="http://schemas.microsoft.com/office/drawing/2014/main" id="{92365992-5897-927F-27F9-4976B2EB6EEE}"/>
               </a:ext>
             </a:extLst>
           </p:cNvPr>
@@ -2982,7 +4088,7 @@
           <p:cNvPr id="6" name="מציין מיקום של מספר שקופית 5">
             <a:extLst>
               <a:ext uri="{FF2B5EF4-FFF2-40B4-BE49-F238E27FC236}">
-                <a16:creationId xmlns:a16="http://schemas.microsoft.com/office/drawing/2014/main" id="{B3FEDA87-9B08-122F-BC09-865F685A947D}"/>
+                <a16:creationId xmlns:a16="http://schemas.microsoft.com/office/drawing/2014/main" id="{F8237E50-0C31-A6CD-E48D-87EE9646C140}"/>
               </a:ext>
             </a:extLst>
           </p:cNvPr>
@@ -3027,23 +4133,23 @@
     </p:spTree>
     <p:extLst>
       <p:ext uri="{BB962C8B-B14F-4D97-AF65-F5344CB8AC3E}">
-        <p14:creationId xmlns:p14="http://schemas.microsoft.com/office/powerpoint/2010/main" val="3349813590"/>
+        <p14:creationId xmlns:p14="http://schemas.microsoft.com/office/powerpoint/2010/main" val="911667680"/>
       </p:ext>
     </p:extLst>
   </p:cSld>
   <p:clrMap bg1="lt1" tx1="dk1" bg2="lt2" tx2="dk2" accent1="accent1" accent2="accent2" accent3="accent3" accent4="accent4" accent5="accent5" accent6="accent6" hlink="hlink" folHlink="folHlink"/>
   <p:sldLayoutIdLst>
-    <p:sldLayoutId id="2147483649" r:id="rId1"/>
-    <p:sldLayoutId id="2147483650" r:id="rId2"/>
-    <p:sldLayoutId id="2147483651" r:id="rId3"/>
-    <p:sldLayoutId id="2147483652" r:id="rId4"/>
-    <p:sldLayoutId id="2147483653" r:id="rId5"/>
-    <p:sldLayoutId id="2147483654" r:id="rId6"/>
-    <p:sldLayoutId id="2147483655" r:id="rId7"/>
-    <p:sldLayoutId id="2147483656" r:id="rId8"/>
-    <p:sldLayoutId id="2147483657" r:id="rId9"/>
-    <p:sldLayoutId id="2147483658" r:id="rId10"/>
-    <p:sldLayoutId id="2147483659" r:id="rId11"/>
+    <p:sldLayoutId id="2147483763" r:id="rId1"/>
+    <p:sldLayoutId id="2147483764" r:id="rId2"/>
+    <p:sldLayoutId id="2147483765" r:id="rId3"/>
+    <p:sldLayoutId id="2147483766" r:id="rId4"/>
+    <p:sldLayoutId id="2147483767" r:id="rId5"/>
+    <p:sldLayoutId id="2147483768" r:id="rId6"/>
+    <p:sldLayoutId id="2147483769" r:id="rId7"/>
+    <p:sldLayoutId id="2147483770" r:id="rId8"/>
+    <p:sldLayoutId id="2147483771" r:id="rId9"/>
+    <p:sldLayoutId id="2147483772" r:id="rId10"/>
+    <p:sldLayoutId id="2147483773" r:id="rId11"/>
   </p:sldLayoutIdLst>
   <p:txStyles>
     <p:titleStyle>
@@ -3331,6 +4437,14 @@
 <file path=ppt/slides/slide1.xml><?xml version="1.0" encoding="utf-8"?>
 <p:sld xmlns:a="http://schemas.openxmlformats.org/drawingml/2006/main" xmlns:r="http://schemas.openxmlformats.org/officeDocument/2006/relationships" xmlns:p="http://schemas.openxmlformats.org/presentationml/2006/main">
   <p:cSld>
+    <p:bg>
+      <p:bgPr>
+        <a:solidFill>
+          <a:schemeClr val="bg1"/>
+        </a:solidFill>
+        <a:effectLst/>
+      </p:bgPr>
+    </p:bg>
     <p:spTree>
       <p:nvGrpSpPr>
         <p:cNvPr id="1" name=""/>
@@ -3345,6 +4459,536 @@
           <a:chExt cx="0" cy="0"/>
         </a:xfrm>
       </p:grpSpPr>
+      <p:sp useBgFill="1">
+        <p:nvSpPr>
+          <p:cNvPr id="23" name="Rectangle 7">
+            <a:extLst>
+              <a:ext uri="{FF2B5EF4-FFF2-40B4-BE49-F238E27FC236}">
+                <a16:creationId xmlns:a16="http://schemas.microsoft.com/office/drawing/2014/main" id="{577D6B2E-37A3-429E-A37C-F30ED6487282}"/>
+              </a:ext>
+              <a:ext uri="{C183D7F6-B498-43B3-948B-1728B52AA6E4}">
+                <adec:decorative xmlns:adec="http://schemas.microsoft.com/office/drawing/2017/decorative" val="1"/>
+              </a:ext>
+            </a:extLst>
+          </p:cNvPr>
+          <p:cNvSpPr>
+            <a:spLocks noGrp="1" noRot="1" noChangeAspect="1" noMove="1" noResize="1" noEditPoints="1" noAdjustHandles="1" noChangeArrowheads="1" noChangeShapeType="1" noTextEdit="1"/>
+          </p:cNvSpPr>
+          <p:nvPr>
+            <p:extLst>
+              <p:ext uri="{386F3935-93C4-4BCD-93E2-E3B085C9AB24}">
+                <p16:designElem xmlns:p16="http://schemas.microsoft.com/office/powerpoint/2015/main" val="1"/>
+              </p:ext>
+            </p:extLst>
+          </p:nvPr>
+        </p:nvSpPr>
+        <p:spPr>
+          <a:xfrm>
+            <a:off x="0" y="0"/>
+            <a:ext cx="12192000" cy="6858000"/>
+          </a:xfrm>
+          <a:prstGeom prst="rect">
+            <a:avLst/>
+          </a:prstGeom>
+          <a:ln w="12700" cap="flat" cmpd="sng" algn="ctr">
+            <a:noFill/>
+            <a:prstDash val="solid"/>
+            <a:miter lim="800000"/>
+          </a:ln>
+          <a:effectLst/>
+          <a:extLst>
+            <a:ext uri="{91240B29-F687-4F45-9708-019B960494DF}">
+              <a14:hiddenLine xmlns:a14="http://schemas.microsoft.com/office/drawing/2010/main" w="12700" cap="flat" cmpd="sng" algn="ctr">
+                <a:solidFill>
+                  <a:schemeClr val="accent1">
+                    <a:shade val="50000"/>
+                  </a:schemeClr>
+                </a:solidFill>
+                <a:prstDash val="solid"/>
+                <a:miter lim="800000"/>
+              </a14:hiddenLine>
+            </a:ext>
+          </a:extLst>
+        </p:spPr>
+        <p:style>
+          <a:lnRef idx="2">
+            <a:schemeClr val="accent1">
+              <a:shade val="50000"/>
+            </a:schemeClr>
+          </a:lnRef>
+          <a:fillRef idx="1">
+            <a:schemeClr val="accent1"/>
+          </a:fillRef>
+          <a:effectRef idx="0">
+            <a:schemeClr val="accent1"/>
+          </a:effectRef>
+          <a:fontRef idx="minor">
+            <a:schemeClr val="lt1"/>
+          </a:fontRef>
+        </p:style>
+        <p:txBody>
+          <a:bodyPr rtlCol="0" anchor="ctr"/>
+          <a:lstStyle/>
+          <a:p>
+            <a:pPr algn="ctr"/>
+            <a:endParaRPr lang="en-US"/>
+          </a:p>
+        </p:txBody>
+      </p:sp>
+      <p:sp>
+        <p:nvSpPr>
+          <p:cNvPr id="24" name="Rectangle 9">
+            <a:extLst>
+              <a:ext uri="{FF2B5EF4-FFF2-40B4-BE49-F238E27FC236}">
+                <a16:creationId xmlns:a16="http://schemas.microsoft.com/office/drawing/2014/main" id="{5CEAD642-85CF-4750-8432-7C80C901F001}"/>
+              </a:ext>
+              <a:ext uri="{C183D7F6-B498-43B3-948B-1728B52AA6E4}">
+                <adec:decorative xmlns:adec="http://schemas.microsoft.com/office/drawing/2017/decorative" val="1"/>
+              </a:ext>
+            </a:extLst>
+          </p:cNvPr>
+          <p:cNvSpPr>
+            <a:spLocks noGrp="1" noRot="1" noChangeAspect="1" noMove="1" noResize="1" noEditPoints="1" noAdjustHandles="1" noChangeArrowheads="1" noChangeShapeType="1" noTextEdit="1"/>
+          </p:cNvSpPr>
+          <p:nvPr>
+            <p:extLst>
+              <p:ext uri="{386F3935-93C4-4BCD-93E2-E3B085C9AB24}">
+                <p16:designElem xmlns:p16="http://schemas.microsoft.com/office/powerpoint/2015/main" val="1"/>
+              </p:ext>
+            </p:extLst>
+          </p:nvPr>
+        </p:nvSpPr>
+        <p:spPr>
+          <a:xfrm rot="10800000">
+            <a:off x="-11723" y="-1"/>
+            <a:ext cx="12225953" cy="6868071"/>
+          </a:xfrm>
+          <a:prstGeom prst="rect">
+            <a:avLst/>
+          </a:prstGeom>
+          <a:gradFill>
+            <a:gsLst>
+              <a:gs pos="0">
+                <a:srgbClr val="000000"/>
+              </a:gs>
+              <a:gs pos="100000">
+                <a:schemeClr val="accent1">
+                  <a:lumMod val="75000"/>
+                </a:schemeClr>
+              </a:gs>
+            </a:gsLst>
+            <a:lin ang="4200000" scaled="0"/>
+          </a:gradFill>
+          <a:ln>
+            <a:noFill/>
+          </a:ln>
+        </p:spPr>
+        <p:style>
+          <a:lnRef idx="2">
+            <a:schemeClr val="accent1">
+              <a:shade val="50000"/>
+            </a:schemeClr>
+          </a:lnRef>
+          <a:fillRef idx="1">
+            <a:schemeClr val="accent1"/>
+          </a:fillRef>
+          <a:effectRef idx="0">
+            <a:schemeClr val="accent1"/>
+          </a:effectRef>
+          <a:fontRef idx="minor">
+            <a:schemeClr val="lt1"/>
+          </a:fontRef>
+        </p:style>
+        <p:txBody>
+          <a:bodyPr rtlCol="0" anchor="ctr"/>
+          <a:lstStyle/>
+          <a:p>
+            <a:pPr algn="ctr"/>
+            <a:endParaRPr lang="en-US"/>
+          </a:p>
+        </p:txBody>
+      </p:sp>
+      <p:sp>
+        <p:nvSpPr>
+          <p:cNvPr id="25" name="Rectangle 11">
+            <a:extLst>
+              <a:ext uri="{FF2B5EF4-FFF2-40B4-BE49-F238E27FC236}">
+                <a16:creationId xmlns:a16="http://schemas.microsoft.com/office/drawing/2014/main" id="{FA33EEAE-15D5-4119-8C1E-89D943F911EF}"/>
+              </a:ext>
+              <a:ext uri="{C183D7F6-B498-43B3-948B-1728B52AA6E4}">
+                <adec:decorative xmlns:adec="http://schemas.microsoft.com/office/drawing/2017/decorative" val="1"/>
+              </a:ext>
+            </a:extLst>
+          </p:cNvPr>
+          <p:cNvSpPr>
+            <a:spLocks noGrp="1" noRot="1" noChangeAspect="1" noMove="1" noResize="1" noEditPoints="1" noAdjustHandles="1" noChangeArrowheads="1" noChangeShapeType="1" noTextEdit="1"/>
+          </p:cNvSpPr>
+          <p:nvPr>
+            <p:extLst>
+              <p:ext uri="{386F3935-93C4-4BCD-93E2-E3B085C9AB24}">
+                <p16:designElem xmlns:p16="http://schemas.microsoft.com/office/powerpoint/2015/main" val="1"/>
+              </p:ext>
+            </p:extLst>
+          </p:nvPr>
+        </p:nvSpPr>
+        <p:spPr>
+          <a:xfrm rot="10800000" flipH="1">
+            <a:off x="441959" y="-3"/>
+            <a:ext cx="11772269" cy="6868074"/>
+          </a:xfrm>
+          <a:prstGeom prst="rect">
+            <a:avLst/>
+          </a:prstGeom>
+          <a:gradFill>
+            <a:gsLst>
+              <a:gs pos="21000">
+                <a:schemeClr val="accent1">
+                  <a:lumMod val="50000"/>
+                  <a:alpha val="83000"/>
+                </a:schemeClr>
+              </a:gs>
+              <a:gs pos="100000">
+                <a:schemeClr val="accent1">
+                  <a:alpha val="0"/>
+                </a:schemeClr>
+              </a:gs>
+            </a:gsLst>
+            <a:lin ang="8400000" scaled="0"/>
+          </a:gradFill>
+          <a:ln>
+            <a:noFill/>
+          </a:ln>
+        </p:spPr>
+        <p:style>
+          <a:lnRef idx="2">
+            <a:schemeClr val="accent1">
+              <a:shade val="50000"/>
+            </a:schemeClr>
+          </a:lnRef>
+          <a:fillRef idx="1">
+            <a:schemeClr val="accent1"/>
+          </a:fillRef>
+          <a:effectRef idx="0">
+            <a:schemeClr val="accent1"/>
+          </a:effectRef>
+          <a:fontRef idx="minor">
+            <a:schemeClr val="lt1"/>
+          </a:fontRef>
+        </p:style>
+        <p:txBody>
+          <a:bodyPr rtlCol="0" anchor="ctr"/>
+          <a:lstStyle/>
+          <a:p>
+            <a:pPr algn="ctr"/>
+            <a:endParaRPr lang="en-US"/>
+          </a:p>
+        </p:txBody>
+      </p:sp>
+      <p:sp>
+        <p:nvSpPr>
+          <p:cNvPr id="26" name="Rectangle 13">
+            <a:extLst>
+              <a:ext uri="{FF2B5EF4-FFF2-40B4-BE49-F238E27FC236}">
+                <a16:creationId xmlns:a16="http://schemas.microsoft.com/office/drawing/2014/main" id="{730D8B3B-9B80-4025-B934-26DC7D7CD231}"/>
+              </a:ext>
+              <a:ext uri="{C183D7F6-B498-43B3-948B-1728B52AA6E4}">
+                <adec:decorative xmlns:adec="http://schemas.microsoft.com/office/drawing/2017/decorative" val="1"/>
+              </a:ext>
+            </a:extLst>
+          </p:cNvPr>
+          <p:cNvSpPr>
+            <a:spLocks noGrp="1" noRot="1" noChangeAspect="1" noMove="1" noResize="1" noEditPoints="1" noAdjustHandles="1" noChangeArrowheads="1" noChangeShapeType="1" noTextEdit="1"/>
+          </p:cNvSpPr>
+          <p:nvPr>
+            <p:extLst>
+              <p:ext uri="{386F3935-93C4-4BCD-93E2-E3B085C9AB24}">
+                <p16:designElem xmlns:p16="http://schemas.microsoft.com/office/powerpoint/2015/main" val="1"/>
+              </p:ext>
+            </p:extLst>
+          </p:nvPr>
+        </p:nvSpPr>
+        <p:spPr>
+          <a:xfrm rot="10800000">
+            <a:off x="-15200" y="0"/>
+            <a:ext cx="3623374" cy="6868072"/>
+          </a:xfrm>
+          <a:prstGeom prst="rect">
+            <a:avLst/>
+          </a:prstGeom>
+          <a:gradFill>
+            <a:gsLst>
+              <a:gs pos="0">
+                <a:schemeClr val="accent1">
+                  <a:lumMod val="75000"/>
+                  <a:alpha val="0"/>
+                </a:schemeClr>
+              </a:gs>
+              <a:gs pos="99000">
+                <a:srgbClr val="000000">
+                  <a:alpha val="41000"/>
+                </a:srgbClr>
+              </a:gs>
+            </a:gsLst>
+            <a:lin ang="13200000" scaled="0"/>
+          </a:gradFill>
+          <a:ln>
+            <a:noFill/>
+          </a:ln>
+        </p:spPr>
+        <p:style>
+          <a:lnRef idx="2">
+            <a:schemeClr val="accent1">
+              <a:shade val="50000"/>
+            </a:schemeClr>
+          </a:lnRef>
+          <a:fillRef idx="1">
+            <a:schemeClr val="accent1"/>
+          </a:fillRef>
+          <a:effectRef idx="0">
+            <a:schemeClr val="accent1"/>
+          </a:effectRef>
+          <a:fontRef idx="minor">
+            <a:schemeClr val="lt1"/>
+          </a:fontRef>
+        </p:style>
+        <p:txBody>
+          <a:bodyPr rtlCol="0" anchor="ctr"/>
+          <a:lstStyle/>
+          <a:p>
+            <a:pPr algn="ctr"/>
+            <a:endParaRPr lang="en-US"/>
+          </a:p>
+        </p:txBody>
+      </p:sp>
+      <p:sp>
+        <p:nvSpPr>
+          <p:cNvPr id="27" name="Rectangle 15">
+            <a:extLst>
+              <a:ext uri="{FF2B5EF4-FFF2-40B4-BE49-F238E27FC236}">
+                <a16:creationId xmlns:a16="http://schemas.microsoft.com/office/drawing/2014/main" id="{1064D5D5-227B-4F66-9AEA-46F570E793BD}"/>
+              </a:ext>
+              <a:ext uri="{C183D7F6-B498-43B3-948B-1728B52AA6E4}">
+                <adec:decorative xmlns:adec="http://schemas.microsoft.com/office/drawing/2017/decorative" val="1"/>
+              </a:ext>
+            </a:extLst>
+          </p:cNvPr>
+          <p:cNvSpPr>
+            <a:spLocks noGrp="1" noRot="1" noChangeAspect="1" noMove="1" noResize="1" noEditPoints="1" noAdjustHandles="1" noChangeArrowheads="1" noChangeShapeType="1" noTextEdit="1"/>
+          </p:cNvSpPr>
+          <p:nvPr>
+            <p:extLst>
+              <p:ext uri="{386F3935-93C4-4BCD-93E2-E3B085C9AB24}">
+                <p16:designElem xmlns:p16="http://schemas.microsoft.com/office/powerpoint/2015/main" val="1"/>
+              </p:ext>
+            </p:extLst>
+          </p:nvPr>
+        </p:nvSpPr>
+        <p:spPr>
+          <a:xfrm flipH="1">
+            <a:off x="-15875" y="-3"/>
+            <a:ext cx="12233581" cy="6868076"/>
+          </a:xfrm>
+          <a:prstGeom prst="rect">
+            <a:avLst/>
+          </a:prstGeom>
+          <a:gradFill>
+            <a:gsLst>
+              <a:gs pos="3000">
+                <a:schemeClr val="accent1">
+                  <a:lumMod val="75000"/>
+                  <a:alpha val="0"/>
+                </a:schemeClr>
+              </a:gs>
+              <a:gs pos="100000">
+                <a:srgbClr val="000000">
+                  <a:alpha val="73000"/>
+                </a:srgbClr>
+              </a:gs>
+            </a:gsLst>
+            <a:lin ang="17400000" scaled="0"/>
+          </a:gradFill>
+          <a:ln>
+            <a:noFill/>
+          </a:ln>
+        </p:spPr>
+        <p:style>
+          <a:lnRef idx="2">
+            <a:schemeClr val="accent1">
+              <a:shade val="50000"/>
+            </a:schemeClr>
+          </a:lnRef>
+          <a:fillRef idx="1">
+            <a:schemeClr val="accent1"/>
+          </a:fillRef>
+          <a:effectRef idx="0">
+            <a:schemeClr val="accent1"/>
+          </a:effectRef>
+          <a:fontRef idx="minor">
+            <a:schemeClr val="lt1"/>
+          </a:fontRef>
+        </p:style>
+        <p:txBody>
+          <a:bodyPr rtlCol="0" anchor="ctr"/>
+          <a:lstStyle/>
+          <a:p>
+            <a:pPr algn="ctr"/>
+            <a:endParaRPr lang="en-US"/>
+          </a:p>
+        </p:txBody>
+      </p:sp>
+      <p:sp>
+        <p:nvSpPr>
+          <p:cNvPr id="28" name="Rectangle 17">
+            <a:extLst>
+              <a:ext uri="{FF2B5EF4-FFF2-40B4-BE49-F238E27FC236}">
+                <a16:creationId xmlns:a16="http://schemas.microsoft.com/office/drawing/2014/main" id="{646B67A4-D328-4747-A82B-65E84FA46368}"/>
+              </a:ext>
+              <a:ext uri="{C183D7F6-B498-43B3-948B-1728B52AA6E4}">
+                <adec:decorative xmlns:adec="http://schemas.microsoft.com/office/drawing/2017/decorative" val="1"/>
+              </a:ext>
+            </a:extLst>
+          </p:cNvPr>
+          <p:cNvSpPr>
+            <a:spLocks noGrp="1" noRot="1" noChangeAspect="1" noMove="1" noResize="1" noEditPoints="1" noAdjustHandles="1" noChangeArrowheads="1" noChangeShapeType="1" noTextEdit="1"/>
+          </p:cNvSpPr>
+          <p:nvPr>
+            <p:extLst>
+              <p:ext uri="{386F3935-93C4-4BCD-93E2-E3B085C9AB24}">
+                <p16:designElem xmlns:p16="http://schemas.microsoft.com/office/powerpoint/2015/main" val="1"/>
+              </p:ext>
+            </p:extLst>
+          </p:nvPr>
+        </p:nvSpPr>
+        <p:spPr>
+          <a:xfrm rot="5400000" flipH="1">
+            <a:off x="4484334" y="-861824"/>
+            <a:ext cx="6861931" cy="8597859"/>
+          </a:xfrm>
+          <a:prstGeom prst="rect">
+            <a:avLst/>
+          </a:prstGeom>
+          <a:gradFill>
+            <a:gsLst>
+              <a:gs pos="3000">
+                <a:schemeClr val="accent1">
+                  <a:lumMod val="75000"/>
+                  <a:alpha val="0"/>
+                </a:schemeClr>
+              </a:gs>
+              <a:gs pos="100000">
+                <a:srgbClr val="000000">
+                  <a:alpha val="27000"/>
+                </a:srgbClr>
+              </a:gs>
+            </a:gsLst>
+            <a:lin ang="13800000" scaled="0"/>
+          </a:gradFill>
+          <a:ln>
+            <a:noFill/>
+          </a:ln>
+        </p:spPr>
+        <p:style>
+          <a:lnRef idx="2">
+            <a:schemeClr val="accent1">
+              <a:shade val="50000"/>
+            </a:schemeClr>
+          </a:lnRef>
+          <a:fillRef idx="1">
+            <a:schemeClr val="accent1"/>
+          </a:fillRef>
+          <a:effectRef idx="0">
+            <a:schemeClr val="accent1"/>
+          </a:effectRef>
+          <a:fontRef idx="minor">
+            <a:schemeClr val="lt1"/>
+          </a:fontRef>
+        </p:style>
+        <p:txBody>
+          <a:bodyPr rtlCol="0" anchor="ctr"/>
+          <a:lstStyle/>
+          <a:p>
+            <a:pPr algn="ctr"/>
+            <a:endParaRPr lang="en-US"/>
+          </a:p>
+        </p:txBody>
+      </p:sp>
+      <p:sp>
+        <p:nvSpPr>
+          <p:cNvPr id="29" name="Oval 19">
+            <a:extLst>
+              <a:ext uri="{FF2B5EF4-FFF2-40B4-BE49-F238E27FC236}">
+                <a16:creationId xmlns:a16="http://schemas.microsoft.com/office/drawing/2014/main" id="{B5A1B09C-1565-46F8-B70F-621C5EB48A09}"/>
+              </a:ext>
+              <a:ext uri="{C183D7F6-B498-43B3-948B-1728B52AA6E4}">
+                <adec:decorative xmlns:adec="http://schemas.microsoft.com/office/drawing/2017/decorative" val="1"/>
+              </a:ext>
+            </a:extLst>
+          </p:cNvPr>
+          <p:cNvSpPr>
+            <a:spLocks noGrp="1" noRot="1" noChangeAspect="1" noMove="1" noResize="1" noEditPoints="1" noAdjustHandles="1" noChangeArrowheads="1" noChangeShapeType="1" noTextEdit="1"/>
+          </p:cNvSpPr>
+          <p:nvPr>
+            <p:extLst>
+              <p:ext uri="{386F3935-93C4-4BCD-93E2-E3B085C9AB24}">
+                <p16:designElem xmlns:p16="http://schemas.microsoft.com/office/powerpoint/2015/main" val="1"/>
+              </p:ext>
+            </p:extLst>
+          </p:nvPr>
+        </p:nvSpPr>
+        <p:spPr>
+          <a:xfrm rot="5993193">
+            <a:off x="1186972" y="1089049"/>
+            <a:ext cx="4967533" cy="4988390"/>
+          </a:xfrm>
+          <a:prstGeom prst="ellipse">
+            <a:avLst/>
+          </a:prstGeom>
+          <a:gradFill>
+            <a:gsLst>
+              <a:gs pos="0">
+                <a:schemeClr val="accent1">
+                  <a:alpha val="26000"/>
+                </a:schemeClr>
+              </a:gs>
+              <a:gs pos="85000">
+                <a:schemeClr val="accent1">
+                  <a:lumMod val="60000"/>
+                  <a:lumOff val="40000"/>
+                  <a:alpha val="0"/>
+                </a:schemeClr>
+              </a:gs>
+            </a:gsLst>
+            <a:lin ang="14400000" scaled="0"/>
+          </a:gradFill>
+          <a:ln>
+            <a:noFill/>
+          </a:ln>
+        </p:spPr>
+        <p:style>
+          <a:lnRef idx="2">
+            <a:schemeClr val="accent1">
+              <a:shade val="50000"/>
+            </a:schemeClr>
+          </a:lnRef>
+          <a:fillRef idx="1">
+            <a:schemeClr val="accent1"/>
+          </a:fillRef>
+          <a:effectRef idx="0">
+            <a:schemeClr val="accent1"/>
+          </a:effectRef>
+          <a:fontRef idx="minor">
+            <a:schemeClr val="lt1"/>
+          </a:fontRef>
+        </p:style>
+        <p:txBody>
+          <a:bodyPr rtlCol="0" anchor="ctr"/>
+          <a:lstStyle/>
+          <a:p>
+            <a:pPr algn="ctr"/>
+            <a:endParaRPr lang="en-US" dirty="0"/>
+          </a:p>
+        </p:txBody>
+      </p:sp>
       <p:sp>
         <p:nvSpPr>
           <p:cNvPr id="2" name="כותרת 1">
@@ -3361,16 +5005,108 @@
             <p:ph type="ctrTitle"/>
           </p:nvPr>
         </p:nvSpPr>
-        <p:spPr/>
-        <p:txBody>
-          <a:bodyPr/>
-          <a:lstStyle/>
-          <a:p>
-            <a:r>
-              <a:rPr lang="en-US" dirty="0"/>
+        <p:spPr>
+          <a:xfrm>
+            <a:off x="4162567" y="818984"/>
+            <a:ext cx="6714699" cy="3178689"/>
+          </a:xfrm>
+        </p:spPr>
+        <p:txBody>
+          <a:bodyPr>
+            <a:normAutofit/>
+          </a:bodyPr>
+          <a:lstStyle/>
+          <a:p>
+            <a:pPr algn="l"/>
+            <a:r>
+              <a:rPr lang="en-US" sz="4800">
+                <a:solidFill>
+                  <a:srgbClr val="FFFFFF"/>
+                </a:solidFill>
+              </a:rPr>
               <a:t>T4 -RDM</a:t>
             </a:r>
-            <a:endParaRPr lang="LID4096" dirty="0"/>
+            <a:endParaRPr lang="LID4096" sz="4800">
+              <a:solidFill>
+                <a:srgbClr val="FFFFFF"/>
+              </a:solidFill>
+            </a:endParaRPr>
+          </a:p>
+        </p:txBody>
+      </p:sp>
+      <p:sp>
+        <p:nvSpPr>
+          <p:cNvPr id="22" name="Rectangle 21">
+            <a:extLst>
+              <a:ext uri="{FF2B5EF4-FFF2-40B4-BE49-F238E27FC236}">
+                <a16:creationId xmlns:a16="http://schemas.microsoft.com/office/drawing/2014/main" id="{8C516CC8-80AC-446C-A56E-9F54B7210402}"/>
+              </a:ext>
+              <a:ext uri="{C183D7F6-B498-43B3-948B-1728B52AA6E4}">
+                <adec:decorative xmlns:adec="http://schemas.microsoft.com/office/drawing/2017/decorative" val="1"/>
+              </a:ext>
+            </a:extLst>
+          </p:cNvPr>
+          <p:cNvSpPr>
+            <a:spLocks noGrp="1" noRot="1" noChangeAspect="1" noMove="1" noResize="1" noEditPoints="1" noAdjustHandles="1" noChangeArrowheads="1" noChangeShapeType="1" noTextEdit="1"/>
+          </p:cNvSpPr>
+          <p:nvPr>
+            <p:extLst>
+              <p:ext uri="{386F3935-93C4-4BCD-93E2-E3B085C9AB24}">
+                <p16:designElem xmlns:p16="http://schemas.microsoft.com/office/powerpoint/2015/main" val="1"/>
+              </p:ext>
+            </p:extLst>
+          </p:nvPr>
+        </p:nvSpPr>
+        <p:spPr>
+          <a:xfrm flipH="1">
+            <a:off x="-3" y="4490110"/>
+            <a:ext cx="12217710" cy="2377962"/>
+          </a:xfrm>
+          <a:prstGeom prst="rect">
+            <a:avLst/>
+          </a:prstGeom>
+          <a:gradFill>
+            <a:gsLst>
+              <a:gs pos="0">
+                <a:schemeClr val="accent1">
+                  <a:lumMod val="75000"/>
+                  <a:alpha val="50000"/>
+                </a:schemeClr>
+              </a:gs>
+              <a:gs pos="99000">
+                <a:srgbClr val="000000">
+                  <a:alpha val="34000"/>
+                </a:srgbClr>
+              </a:gs>
+            </a:gsLst>
+            <a:lin ang="13200000" scaled="0"/>
+          </a:gradFill>
+          <a:ln>
+            <a:noFill/>
+          </a:ln>
+        </p:spPr>
+        <p:style>
+          <a:lnRef idx="2">
+            <a:schemeClr val="accent1">
+              <a:shade val="50000"/>
+            </a:schemeClr>
+          </a:lnRef>
+          <a:fillRef idx="1">
+            <a:schemeClr val="accent1"/>
+          </a:fillRef>
+          <a:effectRef idx="0">
+            <a:schemeClr val="accent1"/>
+          </a:effectRef>
+          <a:fontRef idx="minor">
+            <a:schemeClr val="lt1"/>
+          </a:fontRef>
+        </p:style>
+        <p:txBody>
+          <a:bodyPr rtlCol="0" anchor="ctr"/>
+          <a:lstStyle/>
+          <a:p>
+            <a:pPr algn="ctr"/>
+            <a:endParaRPr lang="en-US"/>
           </a:p>
         </p:txBody>
       </p:sp>
@@ -3390,35 +5126,43 @@
             <p:ph type="subTitle" idx="1"/>
           </p:nvPr>
         </p:nvSpPr>
-        <p:spPr/>
-        <p:txBody>
-          <a:bodyPr/>
-          <a:lstStyle/>
-          <a:p>
-            <a:r>
-              <a:rPr lang="en-US" dirty="0"/>
-              <a:t>Shahar </a:t>
-            </a:r>
-            <a:r>
-              <a:rPr lang="en-US" dirty="0" err="1"/>
-              <a:t>shamur</a:t>
-            </a:r>
-            <a:endParaRPr lang="en-US" dirty="0"/>
-          </a:p>
-          <a:p>
-            <a:r>
-              <a:rPr lang="en-US" dirty="0"/>
-              <a:t>Professor Sharon </a:t>
-            </a:r>
-            <a:r>
-              <a:rPr lang="en-US" dirty="0" err="1"/>
-              <a:t>Gilai</a:t>
-            </a:r>
-            <a:r>
-              <a:rPr lang="en-US" dirty="0"/>
-              <a:t> -  Dotan</a:t>
-            </a:r>
-            <a:endParaRPr lang="LID4096" dirty="0"/>
+        <p:spPr>
+          <a:xfrm>
+            <a:off x="4285397" y="4960961"/>
+            <a:ext cx="7055893" cy="1078054"/>
+          </a:xfrm>
+        </p:spPr>
+        <p:txBody>
+          <a:bodyPr>
+            <a:normAutofit/>
+          </a:bodyPr>
+          <a:lstStyle/>
+          <a:p>
+            <a:pPr algn="l"/>
+            <a:r>
+              <a:rPr lang="en-US">
+                <a:solidFill>
+                  <a:srgbClr val="FFFFFF"/>
+                </a:solidFill>
+              </a:rPr>
+              <a:t>Shahar shamur</a:t>
+            </a:r>
+          </a:p>
+          <a:p>
+            <a:pPr algn="l"/>
+            <a:r>
+              <a:rPr lang="en-US">
+                <a:solidFill>
+                  <a:srgbClr val="FFFFFF"/>
+                </a:solidFill>
+              </a:rPr>
+              <a:t>Professor Sharon Gilaie-Dotan</a:t>
+            </a:r>
+            <a:endParaRPr lang="LID4096">
+              <a:solidFill>
+                <a:srgbClr val="FFFFFF"/>
+              </a:solidFill>
+            </a:endParaRPr>
           </a:p>
         </p:txBody>
       </p:sp>
@@ -3432,6 +5176,209 @@
   <p:clrMapOvr>
     <a:masterClrMapping/>
   </p:clrMapOvr>
+  <p:timing>
+    <p:tnLst>
+      <p:par>
+        <p:cTn id="1" dur="indefinite" restart="never" nodeType="tmRoot">
+          <p:childTnLst>
+            <p:seq concurrent="1" nextAc="seek">
+              <p:cTn id="2" dur="indefinite" nodeType="mainSeq">
+                <p:childTnLst>
+                  <p:par>
+                    <p:cTn id="3" fill="hold">
+                      <p:stCondLst>
+                        <p:cond delay="indefinite"/>
+                        <p:cond evt="onBegin" delay="0">
+                          <p:tn val="2"/>
+                        </p:cond>
+                      </p:stCondLst>
+                      <p:childTnLst>
+                        <p:par>
+                          <p:cTn id="4" fill="hold">
+                            <p:stCondLst>
+                              <p:cond delay="0"/>
+                            </p:stCondLst>
+                            <p:childTnLst>
+                              <p:par>
+                                <p:cTn id="5" presetID="10" presetClass="entr" presetSubtype="0" fill="hold" grpId="0" nodeType="withEffect">
+                                  <p:stCondLst>
+                                    <p:cond delay="500"/>
+                                  </p:stCondLst>
+                                  <p:iterate type="lt">
+                                    <p:tmPct val="10000"/>
+                                  </p:iterate>
+                                  <p:childTnLst>
+                                    <p:set>
+                                      <p:cBhvr>
+                                        <p:cTn id="6" dur="1" fill="hold">
+                                          <p:stCondLst>
+                                            <p:cond delay="0"/>
+                                          </p:stCondLst>
+                                        </p:cTn>
+                                        <p:tgtEl>
+                                          <p:spTgt spid="2"/>
+                                        </p:tgtEl>
+                                        <p:attrNameLst>
+                                          <p:attrName>style.visibility</p:attrName>
+                                        </p:attrNameLst>
+                                      </p:cBhvr>
+                                      <p:to>
+                                        <p:strVal val="visible"/>
+                                      </p:to>
+                                    </p:set>
+                                    <p:animEffect transition="in" filter="fade">
+                                      <p:cBhvr>
+                                        <p:cTn id="7" dur="400"/>
+                                        <p:tgtEl>
+                                          <p:spTgt spid="2"/>
+                                        </p:tgtEl>
+                                      </p:cBhvr>
+                                    </p:animEffect>
+                                  </p:childTnLst>
+                                </p:cTn>
+                              </p:par>
+                              <p:par>
+                                <p:cTn id="8" presetID="10" presetClass="entr" presetSubtype="0" fill="hold" grpId="0" nodeType="withEffect">
+                                  <p:stCondLst>
+                                    <p:cond delay="2000"/>
+                                  </p:stCondLst>
+                                  <p:iterate type="lt">
+                                    <p:tmPct val="10000"/>
+                                  </p:iterate>
+                                  <p:childTnLst>
+                                    <p:set>
+                                      <p:cBhvr>
+                                        <p:cTn id="9" dur="1" fill="hold">
+                                          <p:stCondLst>
+                                            <p:cond delay="0"/>
+                                          </p:stCondLst>
+                                        </p:cTn>
+                                        <p:tgtEl>
+                                          <p:spTgt spid="3">
+                                            <p:txEl>
+                                              <p:pRg st="0" end="0"/>
+                                            </p:txEl>
+                                          </p:spTgt>
+                                        </p:tgtEl>
+                                        <p:attrNameLst>
+                                          <p:attrName>style.visibility</p:attrName>
+                                        </p:attrNameLst>
+                                      </p:cBhvr>
+                                      <p:to>
+                                        <p:strVal val="visible"/>
+                                      </p:to>
+                                    </p:set>
+                                    <p:animEffect transition="in" filter="fade">
+                                      <p:cBhvr>
+                                        <p:cTn id="10" dur="400"/>
+                                        <p:tgtEl>
+                                          <p:spTgt spid="3">
+                                            <p:txEl>
+                                              <p:pRg st="0" end="0"/>
+                                            </p:txEl>
+                                          </p:spTgt>
+                                        </p:tgtEl>
+                                      </p:cBhvr>
+                                    </p:animEffect>
+                                  </p:childTnLst>
+                                </p:cTn>
+                              </p:par>
+                            </p:childTnLst>
+                          </p:cTn>
+                        </p:par>
+                      </p:childTnLst>
+                    </p:cTn>
+                  </p:par>
+                  <p:par>
+                    <p:cTn id="11" fill="hold">
+                      <p:stCondLst>
+                        <p:cond delay="indefinite"/>
+                      </p:stCondLst>
+                      <p:childTnLst>
+                        <p:par>
+                          <p:cTn id="12" fill="hold">
+                            <p:stCondLst>
+                              <p:cond delay="0"/>
+                            </p:stCondLst>
+                            <p:childTnLst>
+                              <p:par>
+                                <p:cTn id="13" presetID="10" presetClass="entr" presetSubtype="0" fill="hold" grpId="0" nodeType="clickEffect">
+                                  <p:stCondLst>
+                                    <p:cond delay="2000"/>
+                                  </p:stCondLst>
+                                  <p:iterate type="lt">
+                                    <p:tmPct val="10000"/>
+                                  </p:iterate>
+                                  <p:childTnLst>
+                                    <p:set>
+                                      <p:cBhvr>
+                                        <p:cTn id="14" dur="1" fill="hold">
+                                          <p:stCondLst>
+                                            <p:cond delay="0"/>
+                                          </p:stCondLst>
+                                        </p:cTn>
+                                        <p:tgtEl>
+                                          <p:spTgt spid="3">
+                                            <p:txEl>
+                                              <p:pRg st="1" end="1"/>
+                                            </p:txEl>
+                                          </p:spTgt>
+                                        </p:tgtEl>
+                                        <p:attrNameLst>
+                                          <p:attrName>style.visibility</p:attrName>
+                                        </p:attrNameLst>
+                                      </p:cBhvr>
+                                      <p:to>
+                                        <p:strVal val="visible"/>
+                                      </p:to>
+                                    </p:set>
+                                    <p:animEffect transition="in" filter="fade">
+                                      <p:cBhvr>
+                                        <p:cTn id="15" dur="400"/>
+                                        <p:tgtEl>
+                                          <p:spTgt spid="3">
+                                            <p:txEl>
+                                              <p:pRg st="1" end="1"/>
+                                            </p:txEl>
+                                          </p:spTgt>
+                                        </p:tgtEl>
+                                      </p:cBhvr>
+                                    </p:animEffect>
+                                  </p:childTnLst>
+                                </p:cTn>
+                              </p:par>
+                            </p:childTnLst>
+                          </p:cTn>
+                        </p:par>
+                      </p:childTnLst>
+                    </p:cTn>
+                  </p:par>
+                </p:childTnLst>
+              </p:cTn>
+              <p:prevCondLst>
+                <p:cond evt="onPrev" delay="0">
+                  <p:tgtEl>
+                    <p:sldTgt/>
+                  </p:tgtEl>
+                </p:cond>
+              </p:prevCondLst>
+              <p:nextCondLst>
+                <p:cond evt="onNext" delay="0">
+                  <p:tgtEl>
+                    <p:sldTgt/>
+                  </p:tgtEl>
+                </p:cond>
+              </p:nextCondLst>
+            </p:seq>
+          </p:childTnLst>
+        </p:cTn>
+      </p:par>
+    </p:tnLst>
+    <p:bldLst>
+      <p:bldP spid="2" grpId="0"/>
+      <p:bldP spid="3" grpId="0" build="p"/>
+    </p:bldLst>
+  </p:timing>
 </p:sld>
 </file>
 
@@ -3543,6 +5490,272 @@
           <a:chExt cx="0" cy="0"/>
         </a:xfrm>
       </p:grpSpPr>
+      <p:pic>
+        <p:nvPicPr>
+          <p:cNvPr id="7" name="תמונה 6">
+            <a:extLst>
+              <a:ext uri="{FF2B5EF4-FFF2-40B4-BE49-F238E27FC236}">
+                <a16:creationId xmlns:a16="http://schemas.microsoft.com/office/drawing/2014/main" id="{85647004-8F57-CB19-051C-7F56FA47B029}"/>
+              </a:ext>
+            </a:extLst>
+          </p:cNvPr>
+          <p:cNvPicPr>
+            <a:picLocks noChangeAspect="1"/>
+          </p:cNvPicPr>
+          <p:nvPr/>
+        </p:nvPicPr>
+        <p:blipFill>
+          <a:blip r:embed="rId2"/>
+          <a:srcRect t="3081" b="1567"/>
+          <a:stretch>
+            <a:fillRect/>
+          </a:stretch>
+        </p:blipFill>
+        <p:spPr>
+          <a:xfrm>
+            <a:off x="201222" y="553486"/>
+            <a:ext cx="11789555" cy="1718076"/>
+          </a:xfrm>
+          <a:prstGeom prst="rect">
+            <a:avLst/>
+          </a:prstGeom>
+        </p:spPr>
+      </p:pic>
+      <p:graphicFrame>
+        <p:nvGraphicFramePr>
+          <p:cNvPr id="8" name="תרשים 7">
+            <a:extLst>
+              <a:ext uri="{FF2B5EF4-FFF2-40B4-BE49-F238E27FC236}">
+                <a16:creationId xmlns:a16="http://schemas.microsoft.com/office/drawing/2014/main" id="{6E93888D-68BF-D683-E160-FF8FB09A8D70}"/>
+              </a:ext>
+            </a:extLst>
+          </p:cNvPr>
+          <p:cNvGraphicFramePr>
+            <a:graphicFrameLocks/>
+          </p:cNvGraphicFramePr>
+          <p:nvPr>
+            <p:extLst>
+              <p:ext uri="{D42A27DB-BD31-4B8C-83A1-F6EECF244321}">
+                <p14:modId xmlns:p14="http://schemas.microsoft.com/office/powerpoint/2010/main" val="385294354"/>
+              </p:ext>
+            </p:extLst>
+          </p:nvPr>
+        </p:nvGraphicFramePr>
+        <p:xfrm>
+          <a:off x="2514410" y="2620440"/>
+          <a:ext cx="6535552" cy="3801978"/>
+        </p:xfrm>
+        <a:graphic>
+          <a:graphicData uri="http://schemas.openxmlformats.org/drawingml/2006/chart">
+            <c:chart xmlns:c="http://schemas.openxmlformats.org/drawingml/2006/chart" xmlns:r="http://schemas.openxmlformats.org/officeDocument/2006/relationships" r:id="rId3"/>
+          </a:graphicData>
+        </a:graphic>
+      </p:graphicFrame>
+    </p:spTree>
+    <p:extLst>
+      <p:ext uri="{BB962C8B-B14F-4D97-AF65-F5344CB8AC3E}">
+        <p14:creationId xmlns:p14="http://schemas.microsoft.com/office/powerpoint/2010/main" val="3351502208"/>
+      </p:ext>
+    </p:extLst>
+  </p:cSld>
+  <p:clrMapOvr>
+    <a:masterClrMapping/>
+  </p:clrMapOvr>
+</p:sld>
+</file>
+
+<file path=ppt/slides/slide4.xml><?xml version="1.0" encoding="utf-8"?>
+<p:sld xmlns:a="http://schemas.openxmlformats.org/drawingml/2006/main" xmlns:r="http://schemas.openxmlformats.org/officeDocument/2006/relationships" xmlns:p="http://schemas.openxmlformats.org/presentationml/2006/main">
+  <p:cSld>
+    <p:spTree>
+      <p:nvGrpSpPr>
+        <p:cNvPr id="1" name=""/>
+        <p:cNvGrpSpPr/>
+        <p:nvPr/>
+      </p:nvGrpSpPr>
+      <p:grpSpPr>
+        <a:xfrm>
+          <a:off x="0" y="0"/>
+          <a:ext cx="0" cy="0"/>
+          <a:chOff x="0" y="0"/>
+          <a:chExt cx="0" cy="0"/>
+        </a:xfrm>
+      </p:grpSpPr>
+      <p:sp>
+        <p:nvSpPr>
+          <p:cNvPr id="2" name="כותרת 1">
+            <a:extLst>
+              <a:ext uri="{FF2B5EF4-FFF2-40B4-BE49-F238E27FC236}">
+                <a16:creationId xmlns:a16="http://schemas.microsoft.com/office/drawing/2014/main" id="{225624B8-85A1-CAF0-BAFF-8B58835EB94B}"/>
+              </a:ext>
+            </a:extLst>
+          </p:cNvPr>
+          <p:cNvSpPr>
+            <a:spLocks noGrp="1"/>
+          </p:cNvSpPr>
+          <p:nvPr>
+            <p:ph type="title"/>
+          </p:nvPr>
+        </p:nvSpPr>
+        <p:spPr/>
+        <p:txBody>
+          <a:bodyPr>
+            <a:normAutofit/>
+          </a:bodyPr>
+          <a:lstStyle/>
+          <a:p>
+            <a:pPr algn="ctr"/>
+            <a:r>
+              <a:rPr lang="he-IL" sz="4800" dirty="0"/>
+              <a:t>נתונים</a:t>
+            </a:r>
+            <a:endParaRPr lang="LID4096" sz="4800" dirty="0"/>
+          </a:p>
+        </p:txBody>
+      </p:sp>
+      <p:sp>
+        <p:nvSpPr>
+          <p:cNvPr id="6" name="תיבת טקסט 5">
+            <a:extLst>
+              <a:ext uri="{FF2B5EF4-FFF2-40B4-BE49-F238E27FC236}">
+                <a16:creationId xmlns:a16="http://schemas.microsoft.com/office/drawing/2014/main" id="{A4C34DC8-7430-308E-B103-9F80CAC31DAF}"/>
+              </a:ext>
+            </a:extLst>
+          </p:cNvPr>
+          <p:cNvSpPr txBox="1"/>
+          <p:nvPr/>
+        </p:nvSpPr>
+        <p:spPr>
+          <a:xfrm>
+            <a:off x="1562099" y="1894114"/>
+            <a:ext cx="9722757" cy="3046988"/>
+          </a:xfrm>
+          <a:prstGeom prst="rect">
+            <a:avLst/>
+          </a:prstGeom>
+          <a:noFill/>
+        </p:spPr>
+        <p:txBody>
+          <a:bodyPr wrap="square">
+            <a:spAutoFit/>
+          </a:bodyPr>
+          <a:lstStyle/>
+          <a:p>
+            <a:pPr marL="285750" indent="-285750">
+              <a:buFont typeface="Arial" panose="020B0604020202020204" pitchFamily="34" charset="0"/>
+              <a:buChar char="•"/>
+            </a:pPr>
+            <a:r>
+              <a:rPr lang="he-IL" sz="2400" dirty="0"/>
+              <a:t>מבחן </a:t>
+            </a:r>
+            <a:r>
+              <a:rPr lang="en-US" sz="2400" dirty="0"/>
+              <a:t> </a:t>
+            </a:r>
+            <a:r>
+              <a:rPr lang="en-US" sz="2400" b="1" dirty="0" err="1"/>
+              <a:t>Neker</a:t>
+            </a:r>
+            <a:r>
+              <a:rPr lang="en-US" sz="2400" b="1" dirty="0"/>
+              <a:t> cube test </a:t>
+            </a:r>
+            <a:r>
+              <a:rPr lang="he-IL" sz="2400" dirty="0"/>
+              <a:t>הציג ממוצע הצלחה גבוה יחסית (65%) עם שונות נמוכה, מה שמעיד על ביצועים יציבים בין המשתתפים.</a:t>
+            </a:r>
+            <a:endParaRPr lang="en-US" sz="2400" dirty="0"/>
+          </a:p>
+          <a:p>
+            <a:pPr marL="285750" indent="-285750">
+              <a:buFont typeface="Arial" panose="020B0604020202020204" pitchFamily="34" charset="0"/>
+              <a:buChar char="•"/>
+            </a:pPr>
+            <a:r>
+              <a:rPr lang="he-IL" sz="2400" dirty="0"/>
+              <a:t>מבחן </a:t>
+            </a:r>
+            <a:r>
+              <a:rPr lang="en-US" sz="2400" dirty="0"/>
+              <a:t> </a:t>
+            </a:r>
+            <a:r>
+              <a:rPr lang="en-US" sz="2400" b="1" dirty="0"/>
+              <a:t>Cambridge Face Memory Test </a:t>
+            </a:r>
+            <a:r>
+              <a:rPr lang="he-IL" sz="2400" dirty="0"/>
+              <a:t>הראה תוצאות דומות בממוצע (כ-60%) עם פיזור נתונים דומה, מה שמצביע על עקביות טובה בין נבדקים.</a:t>
+            </a:r>
+            <a:endParaRPr lang="en-US" sz="2400" dirty="0"/>
+          </a:p>
+          <a:p>
+            <a:pPr marL="285750" indent="-285750">
+              <a:buFont typeface="Arial" panose="020B0604020202020204" pitchFamily="34" charset="0"/>
+              <a:buChar char="•"/>
+            </a:pPr>
+            <a:r>
+              <a:rPr lang="he-IL" sz="2400" dirty="0"/>
+              <a:t>מבחן </a:t>
+            </a:r>
+            <a:r>
+              <a:rPr lang="en-US" sz="2400" dirty="0"/>
+              <a:t> </a:t>
+            </a:r>
+            <a:r>
+              <a:rPr lang="en-US" sz="2400" b="1" dirty="0"/>
+              <a:t>Inverted depth decision </a:t>
+            </a:r>
+            <a:r>
+              <a:rPr lang="he-IL" sz="2400" dirty="0"/>
+              <a:t>הציג ממוצע נמוך יותר (36%) ושונות גבוהה יותר, מה שמעידה על פערים גדולים ביכולות בין המשתתפים.</a:t>
+            </a:r>
+            <a:endParaRPr lang="en-US" sz="2400" dirty="0"/>
+          </a:p>
+          <a:p>
+            <a:pPr marL="285750" indent="-285750">
+              <a:buFont typeface="Arial" panose="020B0604020202020204" pitchFamily="34" charset="0"/>
+              <a:buChar char="•"/>
+            </a:pPr>
+            <a:r>
+              <a:rPr lang="he-IL" sz="2400" dirty="0"/>
+              <a:t>ככלל, שני המבחנים הראשונים מראים רמת ביצוע אחידה יחסית, בעוד שהשלישי מעיד על קושי גבוה יותר ושונות רבה יותר בביצועים</a:t>
+            </a:r>
+            <a:endParaRPr lang="LID4096" sz="2400" dirty="0"/>
+          </a:p>
+        </p:txBody>
+      </p:sp>
+    </p:spTree>
+    <p:extLst>
+      <p:ext uri="{BB962C8B-B14F-4D97-AF65-F5344CB8AC3E}">
+        <p14:creationId xmlns:p14="http://schemas.microsoft.com/office/powerpoint/2010/main" val="924621617"/>
+      </p:ext>
+    </p:extLst>
+  </p:cSld>
+  <p:clrMapOvr>
+    <a:masterClrMapping/>
+  </p:clrMapOvr>
+</p:sld>
+</file>
+
+<file path=ppt/slides/slide5.xml><?xml version="1.0" encoding="utf-8"?>
+<p:sld xmlns:a="http://schemas.openxmlformats.org/drawingml/2006/main" xmlns:r="http://schemas.openxmlformats.org/officeDocument/2006/relationships" xmlns:p="http://schemas.openxmlformats.org/presentationml/2006/main">
+  <p:cSld>
+    <p:spTree>
+      <p:nvGrpSpPr>
+        <p:cNvPr id="1" name=""/>
+        <p:cNvGrpSpPr/>
+        <p:nvPr/>
+      </p:nvGrpSpPr>
+      <p:grpSpPr>
+        <a:xfrm>
+          <a:off x="0" y="0"/>
+          <a:ext cx="0" cy="0"/>
+          <a:chOff x="0" y="0"/>
+          <a:chExt cx="0" cy="0"/>
+        </a:xfrm>
+      </p:grpSpPr>
       <p:sp>
         <p:nvSpPr>
           <p:cNvPr id="4" name="תיבת טקסט 3">
@@ -3623,7 +5836,7 @@
 </p:sld>
 </file>
 
-<file path=ppt/slides/slide4.xml><?xml version="1.0" encoding="utf-8"?>
+<file path=ppt/slides/slide6.xml><?xml version="1.0" encoding="utf-8"?>
 <p:sld xmlns:a="http://schemas.openxmlformats.org/drawingml/2006/main" xmlns:r="http://schemas.openxmlformats.org/officeDocument/2006/relationships" xmlns:p="http://schemas.openxmlformats.org/presentationml/2006/main">
   <p:cSld>
     <p:spTree>
@@ -3717,6 +5930,340 @@
     <p:extLst>
       <p:ext uri="{BB962C8B-B14F-4D97-AF65-F5344CB8AC3E}">
         <p14:creationId xmlns:p14="http://schemas.microsoft.com/office/powerpoint/2010/main" val="3726065541"/>
+      </p:ext>
+    </p:extLst>
+  </p:cSld>
+  <p:clrMapOvr>
+    <a:masterClrMapping/>
+  </p:clrMapOvr>
+</p:sld>
+</file>
+
+<file path=ppt/slides/slide7.xml><?xml version="1.0" encoding="utf-8"?>
+<p:sld xmlns:a="http://schemas.openxmlformats.org/drawingml/2006/main" xmlns:r="http://schemas.openxmlformats.org/officeDocument/2006/relationships" xmlns:p="http://schemas.openxmlformats.org/presentationml/2006/main">
+  <p:cSld>
+    <p:spTree>
+      <p:nvGrpSpPr>
+        <p:cNvPr id="1" name="">
+          <a:extLst>
+            <a:ext uri="{FF2B5EF4-FFF2-40B4-BE49-F238E27FC236}">
+              <a16:creationId xmlns:a16="http://schemas.microsoft.com/office/drawing/2014/main" id="{A00E7785-2A15-A3AD-916B-96915E66AC45}"/>
+            </a:ext>
+          </a:extLst>
+        </p:cNvPr>
+        <p:cNvGrpSpPr/>
+        <p:nvPr/>
+      </p:nvGrpSpPr>
+      <p:grpSpPr>
+        <a:xfrm>
+          <a:off x="0" y="0"/>
+          <a:ext cx="0" cy="0"/>
+          <a:chOff x="0" y="0"/>
+          <a:chExt cx="0" cy="0"/>
+        </a:xfrm>
+      </p:grpSpPr>
+      <p:sp>
+        <p:nvSpPr>
+          <p:cNvPr id="4" name="תיבת טקסט 3">
+            <a:extLst>
+              <a:ext uri="{FF2B5EF4-FFF2-40B4-BE49-F238E27FC236}">
+                <a16:creationId xmlns:a16="http://schemas.microsoft.com/office/drawing/2014/main" id="{CCD1CB88-1136-0F0A-ECEE-5A098322D8C5}"/>
+              </a:ext>
+            </a:extLst>
+          </p:cNvPr>
+          <p:cNvSpPr txBox="1"/>
+          <p:nvPr/>
+        </p:nvSpPr>
+        <p:spPr>
+          <a:xfrm>
+            <a:off x="1823357" y="186581"/>
+            <a:ext cx="7892143" cy="584775"/>
+          </a:xfrm>
+          <a:prstGeom prst="rect">
+            <a:avLst/>
+          </a:prstGeom>
+          <a:noFill/>
+        </p:spPr>
+        <p:txBody>
+          <a:bodyPr wrap="square" rtlCol="0">
+            <a:spAutoFit/>
+          </a:bodyPr>
+          <a:lstStyle/>
+          <a:p>
+            <a:pPr algn="ctr"/>
+            <a:r>
+              <a:rPr lang="en-US" sz="3200" b="1" dirty="0"/>
+              <a:t>Gemini</a:t>
+            </a:r>
+            <a:endParaRPr lang="LID4096" sz="3200" b="1" dirty="0"/>
+          </a:p>
+        </p:txBody>
+      </p:sp>
+      <p:pic>
+        <p:nvPicPr>
+          <p:cNvPr id="5" name="תמונה 4">
+            <a:extLst>
+              <a:ext uri="{FF2B5EF4-FFF2-40B4-BE49-F238E27FC236}">
+                <a16:creationId xmlns:a16="http://schemas.microsoft.com/office/drawing/2014/main" id="{18387AAF-36D6-3A68-C9FD-CCBAB6E10B52}"/>
+              </a:ext>
+            </a:extLst>
+          </p:cNvPr>
+          <p:cNvPicPr>
+            <a:picLocks noChangeAspect="1"/>
+          </p:cNvPicPr>
+          <p:nvPr/>
+        </p:nvPicPr>
+        <p:blipFill>
+          <a:blip r:embed="rId2"/>
+          <a:stretch>
+            <a:fillRect/>
+          </a:stretch>
+        </p:blipFill>
+        <p:spPr>
+          <a:xfrm>
+            <a:off x="2474687" y="820589"/>
+            <a:ext cx="7521364" cy="5850830"/>
+          </a:xfrm>
+          <a:prstGeom prst="rect">
+            <a:avLst/>
+          </a:prstGeom>
+        </p:spPr>
+      </p:pic>
+    </p:spTree>
+    <p:extLst>
+      <p:ext uri="{BB962C8B-B14F-4D97-AF65-F5344CB8AC3E}">
+        <p14:creationId xmlns:p14="http://schemas.microsoft.com/office/powerpoint/2010/main" val="3000413166"/>
+      </p:ext>
+    </p:extLst>
+  </p:cSld>
+  <p:clrMapOvr>
+    <a:masterClrMapping/>
+  </p:clrMapOvr>
+</p:sld>
+</file>
+
+<file path=ppt/slides/slide8.xml><?xml version="1.0" encoding="utf-8"?>
+<p:sld xmlns:a="http://schemas.openxmlformats.org/drawingml/2006/main" xmlns:r="http://schemas.openxmlformats.org/officeDocument/2006/relationships" xmlns:p="http://schemas.openxmlformats.org/presentationml/2006/main">
+  <p:cSld>
+    <p:spTree>
+      <p:nvGrpSpPr>
+        <p:cNvPr id="1" name="">
+          <a:extLst>
+            <a:ext uri="{FF2B5EF4-FFF2-40B4-BE49-F238E27FC236}">
+              <a16:creationId xmlns:a16="http://schemas.microsoft.com/office/drawing/2014/main" id="{C7934323-1373-ED8F-864F-5BCE07B7425C}"/>
+            </a:ext>
+          </a:extLst>
+        </p:cNvPr>
+        <p:cNvGrpSpPr/>
+        <p:nvPr/>
+      </p:nvGrpSpPr>
+      <p:grpSpPr>
+        <a:xfrm>
+          <a:off x="0" y="0"/>
+          <a:ext cx="0" cy="0"/>
+          <a:chOff x="0" y="0"/>
+          <a:chExt cx="0" cy="0"/>
+        </a:xfrm>
+      </p:grpSpPr>
+      <p:sp>
+        <p:nvSpPr>
+          <p:cNvPr id="2" name="כותרת 1">
+            <a:extLst>
+              <a:ext uri="{FF2B5EF4-FFF2-40B4-BE49-F238E27FC236}">
+                <a16:creationId xmlns:a16="http://schemas.microsoft.com/office/drawing/2014/main" id="{ADB07804-0FAD-B4D8-AE14-454453CAC39E}"/>
+              </a:ext>
+            </a:extLst>
+          </p:cNvPr>
+          <p:cNvSpPr>
+            <a:spLocks noGrp="1"/>
+          </p:cNvSpPr>
+          <p:nvPr>
+            <p:ph type="title"/>
+          </p:nvPr>
+        </p:nvSpPr>
+        <p:spPr/>
+        <p:txBody>
+          <a:bodyPr/>
+          <a:lstStyle/>
+          <a:p>
+            <a:pPr algn="ctr"/>
+            <a:r>
+              <a:rPr lang="he-IL" dirty="0"/>
+              <a:t>לסיכום</a:t>
+            </a:r>
+            <a:endParaRPr lang="LID4096" dirty="0"/>
+          </a:p>
+        </p:txBody>
+      </p:sp>
+      <p:sp>
+        <p:nvSpPr>
+          <p:cNvPr id="6" name="תיבת טקסט 5">
+            <a:extLst>
+              <a:ext uri="{FF2B5EF4-FFF2-40B4-BE49-F238E27FC236}">
+                <a16:creationId xmlns:a16="http://schemas.microsoft.com/office/drawing/2014/main" id="{0FA027A4-32DB-0461-C37D-1E086E2F76A4}"/>
+              </a:ext>
+            </a:extLst>
+          </p:cNvPr>
+          <p:cNvSpPr txBox="1"/>
+          <p:nvPr/>
+        </p:nvSpPr>
+        <p:spPr>
+          <a:xfrm>
+            <a:off x="1562099" y="1894114"/>
+            <a:ext cx="9722757" cy="4154984"/>
+          </a:xfrm>
+          <a:prstGeom prst="rect">
+            <a:avLst/>
+          </a:prstGeom>
+          <a:noFill/>
+        </p:spPr>
+        <p:txBody>
+          <a:bodyPr wrap="square">
+            <a:spAutoFit/>
+          </a:bodyPr>
+          <a:lstStyle/>
+          <a:p>
+            <a:pPr marL="342900" indent="-342900">
+              <a:buFont typeface="Arial" panose="020B0604020202020204" pitchFamily="34" charset="0"/>
+              <a:buChar char="•"/>
+            </a:pPr>
+            <a:r>
+              <a:rPr lang="he-IL" sz="2400" dirty="0"/>
+              <a:t>המטריצה ממפה עד כמה ביצועי כל זוג מבחנים שונים זה מזה, כאשר ערך גבוה מצביע על פער גדול יותר.  </a:t>
+            </a:r>
+          </a:p>
+          <a:p>
+            <a:pPr marL="342900" indent="-342900">
+              <a:buFont typeface="Arial" panose="020B0604020202020204" pitchFamily="34" charset="0"/>
+              <a:buChar char="•"/>
+            </a:pPr>
+            <a:endParaRPr lang="he-IL" sz="2400" dirty="0"/>
+          </a:p>
+          <a:p>
+            <a:pPr marL="342900" indent="-342900">
+              <a:buFont typeface="Arial" panose="020B0604020202020204" pitchFamily="34" charset="0"/>
+              <a:buChar char="•"/>
+            </a:pPr>
+            <a:r>
+              <a:rPr lang="he-IL" sz="2400" dirty="0"/>
+              <a:t>שני המבחנים </a:t>
+            </a:r>
+            <a:r>
+              <a:rPr lang="en-US" sz="2400" b="1" dirty="0" err="1"/>
+              <a:t>Neker</a:t>
+            </a:r>
+            <a:r>
+              <a:rPr lang="en-US" sz="2400" b="1" dirty="0"/>
+              <a:t> cube test</a:t>
+            </a:r>
+            <a:r>
+              <a:rPr lang="he-IL" sz="2400" b="1" dirty="0"/>
+              <a:t> </a:t>
+            </a:r>
+            <a:r>
+              <a:rPr lang="en-US" sz="2400" b="1" dirty="0"/>
+              <a:t> </a:t>
+            </a:r>
+            <a:r>
+              <a:rPr lang="he-IL" sz="2400" dirty="0"/>
+              <a:t>ו־</a:t>
+            </a:r>
+            <a:r>
+              <a:rPr lang="en-US" sz="2400" b="1" dirty="0"/>
+              <a:t>Cambridge Face Memory Test</a:t>
+            </a:r>
+            <a:r>
+              <a:rPr lang="he-IL" sz="2400" b="1" dirty="0"/>
+              <a:t> </a:t>
+            </a:r>
+            <a:r>
+              <a:rPr lang="en-US" sz="2400" b="1" dirty="0"/>
+              <a:t> </a:t>
+            </a:r>
+            <a:r>
+              <a:rPr lang="he-IL" sz="2400" dirty="0"/>
+              <a:t>ככל הנראה דומים יותר בביצועים (ערכי </a:t>
+            </a:r>
+            <a:r>
+              <a:rPr lang="he-IL" sz="2400" dirty="0" err="1"/>
+              <a:t>אי־דמיון</a:t>
+            </a:r>
+            <a:r>
+              <a:rPr lang="he-IL" sz="2400" dirty="0"/>
+              <a:t> נמוכים יחסית), מה שמעיד שהם בוחנים יכולות קרובות או חופפות. </a:t>
+            </a:r>
+          </a:p>
+          <a:p>
+            <a:r>
+              <a:rPr lang="he-IL" sz="2400" dirty="0"/>
+              <a:t>   </a:t>
+            </a:r>
+          </a:p>
+          <a:p>
+            <a:pPr marL="342900" indent="-342900">
+              <a:buFont typeface="Arial" panose="020B0604020202020204" pitchFamily="34" charset="0"/>
+              <a:buChar char="•"/>
+            </a:pPr>
+            <a:r>
+              <a:rPr lang="he-IL" sz="2400" dirty="0"/>
+              <a:t>המבחן </a:t>
+            </a:r>
+            <a:r>
+              <a:rPr lang="en-US" sz="2400" b="1" dirty="0"/>
+              <a:t>Inverted depth decision</a:t>
+            </a:r>
+            <a:r>
+              <a:rPr lang="he-IL" sz="2400" b="1" dirty="0"/>
+              <a:t> </a:t>
+            </a:r>
+            <a:r>
+              <a:rPr lang="en-US" sz="2400" b="1" dirty="0"/>
+              <a:t> </a:t>
+            </a:r>
+            <a:r>
+              <a:rPr lang="he-IL" sz="2400" dirty="0"/>
+              <a:t>מציג ערכי </a:t>
+            </a:r>
+            <a:r>
+              <a:rPr lang="he-IL" sz="2400" dirty="0" err="1"/>
+              <a:t>אי־דמיון</a:t>
+            </a:r>
+            <a:r>
+              <a:rPr lang="he-IL" sz="2400" dirty="0"/>
+              <a:t> גבוהים יותר מול שני האחרים, מה שמעיד שהוא בוחן יכולת שונה יחסית.</a:t>
+            </a:r>
+          </a:p>
+          <a:p>
+            <a:pPr marL="342900" indent="-342900">
+              <a:buFont typeface="Arial" panose="020B0604020202020204" pitchFamily="34" charset="0"/>
+              <a:buChar char="•"/>
+            </a:pPr>
+            <a:endParaRPr lang="he-IL" sz="2400" dirty="0"/>
+          </a:p>
+          <a:p>
+            <a:pPr marL="342900" indent="-342900">
+              <a:buFont typeface="Arial" panose="020B0604020202020204" pitchFamily="34" charset="0"/>
+              <a:buChar char="•"/>
+            </a:pPr>
+            <a:r>
+              <a:rPr lang="he-IL" sz="1600" dirty="0"/>
+              <a:t>קישור </a:t>
+            </a:r>
+            <a:r>
+              <a:rPr lang="he-IL" sz="1600" dirty="0" err="1"/>
+              <a:t>לגיט</a:t>
+            </a:r>
+            <a:r>
+              <a:rPr lang="he-IL" sz="1600" dirty="0"/>
+              <a:t>(כלל הקודים והמצגת): </a:t>
+            </a:r>
+          </a:p>
+        </p:txBody>
+      </p:sp>
+    </p:spTree>
+    <p:extLst>
+      <p:ext uri="{BB962C8B-B14F-4D97-AF65-F5344CB8AC3E}">
+        <p14:creationId xmlns:p14="http://schemas.microsoft.com/office/powerpoint/2010/main" val="974353445"/>
       </p:ext>
     </p:extLst>
   </p:cSld>

--- a/T4 -RDM.pptx
+++ b/T4 -RDM.pptx
@@ -4,6 +4,9 @@
   <p:sldMasterIdLst>
     <p:sldMasterId id="2147483762" r:id="rId1"/>
   </p:sldMasterIdLst>
+  <p:notesMasterIdLst>
+    <p:notesMasterId r:id="rId10"/>
+  </p:notesMasterIdLst>
   <p:sldIdLst>
     <p:sldId id="256" r:id="rId2"/>
     <p:sldId id="257" r:id="rId3"/>
@@ -135,17 +138,7 @@
   <c:chart>
     <c:autoTitleDeleted val="1"/>
     <c:plotArea>
-      <c:layout>
-        <c:manualLayout>
-          <c:layoutTarget val="inner"/>
-          <c:xMode val="edge"/>
-          <c:yMode val="edge"/>
-          <c:x val="0.12292641845707906"/>
-          <c:y val="7.5133259582249035E-2"/>
-          <c:w val="0.85181175209071858"/>
-          <c:h val="0.79888231862467374"/>
-        </c:manualLayout>
-      </c:layout>
+      <c:layout/>
       <c:barChart>
         <c:barDir val="col"/>
         <c:grouping val="clustered"/>
@@ -192,7 +185,7 @@
               <c:extLst>
                 <c:ext xmlns:c15="http://schemas.microsoft.com/office/drawing/2012/chart" uri="{CE6537A1-D6FC-4f65-9D91-7224C49458BB}"/>
                 <c:ext xmlns:c16="http://schemas.microsoft.com/office/drawing/2014/chart" uri="{C3380CC4-5D6E-409C-BE32-E72D297353CC}">
-                  <c16:uniqueId val="{00000000-BA20-4E06-BC80-6C535AC9B8F3}"/>
+                  <c16:uniqueId val="{00000000-E53A-405D-BFED-9414A7943196}"/>
                 </c:ext>
               </c:extLst>
             </c:dLbl>
@@ -213,7 +206,7 @@
               <c:extLst>
                 <c:ext xmlns:c15="http://schemas.microsoft.com/office/drawing/2012/chart" uri="{CE6537A1-D6FC-4f65-9D91-7224C49458BB}"/>
                 <c:ext xmlns:c16="http://schemas.microsoft.com/office/drawing/2014/chart" uri="{C3380CC4-5D6E-409C-BE32-E72D297353CC}">
-                  <c16:uniqueId val="{00000001-BA20-4E06-BC80-6C535AC9B8F3}"/>
+                  <c16:uniqueId val="{00000001-E53A-405D-BFED-9414A7943196}"/>
                 </c:ext>
               </c:extLst>
             </c:dLbl>
@@ -234,7 +227,7 @@
               <c:extLst>
                 <c:ext xmlns:c15="http://schemas.microsoft.com/office/drawing/2012/chart" uri="{CE6537A1-D6FC-4f65-9D91-7224C49458BB}"/>
                 <c:ext xmlns:c16="http://schemas.microsoft.com/office/drawing/2014/chart" uri="{C3380CC4-5D6E-409C-BE32-E72D297353CC}">
-                  <c16:uniqueId val="{00000002-BA20-4E06-BC80-6C535AC9B8F3}"/>
+                  <c16:uniqueId val="{00000002-E53A-405D-BFED-9414A7943196}"/>
                 </c:ext>
               </c:extLst>
             </c:dLbl>
@@ -291,13 +284,13 @@
                   <c:formatCode>General</c:formatCode>
                   <c:ptCount val="3"/>
                   <c:pt idx="0">
-                    <c:v>9.3733220413154336E-2</c:v>
+                    <c:v>0.14455391151170291</c:v>
                   </c:pt>
                   <c:pt idx="1">
                     <c:v>7.5022473815237592E-2</c:v>
                   </c:pt>
                   <c:pt idx="2">
-                    <c:v>0.10332840844573639</c:v>
+                    <c:v>0.16752228503164066</c:v>
                   </c:pt>
                 </c:numCache>
               </c:numRef>
@@ -309,13 +302,13 @@
                   <c:formatCode>General</c:formatCode>
                   <c:ptCount val="3"/>
                   <c:pt idx="0">
-                    <c:v>9.3733220413154336E-2</c:v>
+                    <c:v>0.14455391151170291</c:v>
                   </c:pt>
                   <c:pt idx="1">
                     <c:v>7.5022473815237592E-2</c:v>
                   </c:pt>
                   <c:pt idx="2">
-                    <c:v>0.10332840844573639</c:v>
+                    <c:v>0.16752228503164066</c:v>
                   </c:pt>
                 </c:numCache>
               </c:numRef>
@@ -355,20 +348,20 @@
                 <c:formatCode>0.00%</c:formatCode>
                 <c:ptCount val="3"/>
                 <c:pt idx="0">
-                  <c:v>0.65372687908909088</c:v>
+                  <c:v>0.70250000000000001</c:v>
                 </c:pt>
                 <c:pt idx="1">
                   <c:v>0.59663023896666656</c:v>
                 </c:pt>
                 <c:pt idx="2">
-                  <c:v>0.35698738309187578</c:v>
+                  <c:v>0.57197399999999998</c:v>
                 </c:pt>
               </c:numCache>
             </c:numRef>
           </c:val>
           <c:extLst>
             <c:ext xmlns:c16="http://schemas.microsoft.com/office/drawing/2014/chart" uri="{C3380CC4-5D6E-409C-BE32-E72D297353CC}">
-              <c16:uniqueId val="{00000003-BA20-4E06-BC80-6C535AC9B8F3}"/>
+              <c16:uniqueId val="{00000003-E53A-405D-BFED-9414A7943196}"/>
             </c:ext>
           </c:extLst>
         </c:ser>
@@ -429,8 +422,8 @@
             <c:manualLayout>
               <c:xMode val="edge"/>
               <c:yMode val="edge"/>
-              <c:x val="0.48030762602061927"/>
-              <c:y val="0.87262139071170564"/>
+              <c:x val="0.47847272989958833"/>
+              <c:y val="0.92038265366082972"/>
             </c:manualLayout>
           </c:layout>
           <c:overlay val="0"/>
@@ -647,13 +640,8 @@
   </c:chart>
   <c:spPr>
     <a:noFill/>
-    <a:ln w="53975">
-      <a:solidFill>
-        <a:schemeClr val="tx1">
-          <a:alpha val="44000"/>
-        </a:schemeClr>
-      </a:solidFill>
-      <a:round/>
+    <a:ln>
+      <a:noFill/>
     </a:ln>
     <a:effectLst/>
   </c:spPr>
@@ -1216,6 +1204,440 @@
 </cs:chartStyle>
 </file>
 
+<file path=ppt/notesMasters/notesMaster1.xml><?xml version="1.0" encoding="utf-8"?>
+<p:notesMaster xmlns:a="http://schemas.openxmlformats.org/drawingml/2006/main" xmlns:r="http://schemas.openxmlformats.org/officeDocument/2006/relationships" xmlns:p="http://schemas.openxmlformats.org/presentationml/2006/main">
+  <p:cSld>
+    <p:bg>
+      <p:bgRef idx="1001">
+        <a:schemeClr val="bg1"/>
+      </p:bgRef>
+    </p:bg>
+    <p:spTree>
+      <p:nvGrpSpPr>
+        <p:cNvPr id="1" name=""/>
+        <p:cNvGrpSpPr/>
+        <p:nvPr/>
+      </p:nvGrpSpPr>
+      <p:grpSpPr>
+        <a:xfrm>
+          <a:off x="0" y="0"/>
+          <a:ext cx="0" cy="0"/>
+          <a:chOff x="0" y="0"/>
+          <a:chExt cx="0" cy="0"/>
+        </a:xfrm>
+      </p:grpSpPr>
+      <p:sp>
+        <p:nvSpPr>
+          <p:cNvPr id="2" name="מציין מיקום של כותרת עליונה 1"/>
+          <p:cNvSpPr>
+            <a:spLocks noGrp="1"/>
+          </p:cNvSpPr>
+          <p:nvPr>
+            <p:ph type="hdr" sz="quarter"/>
+          </p:nvPr>
+        </p:nvSpPr>
+        <p:spPr>
+          <a:xfrm>
+            <a:off x="3886200" y="0"/>
+            <a:ext cx="2971800" cy="458788"/>
+          </a:xfrm>
+          <a:prstGeom prst="rect">
+            <a:avLst/>
+          </a:prstGeom>
+        </p:spPr>
+        <p:txBody>
+          <a:bodyPr vert="horz" lIns="91440" tIns="45720" rIns="91440" bIns="45720" rtlCol="1"/>
+          <a:lstStyle>
+            <a:lvl1pPr algn="l">
+              <a:defRPr sz="1200"/>
+            </a:lvl1pPr>
+          </a:lstStyle>
+          <a:p>
+            <a:endParaRPr lang="LID4096"/>
+          </a:p>
+        </p:txBody>
+      </p:sp>
+      <p:sp>
+        <p:nvSpPr>
+          <p:cNvPr id="3" name="מציין מיקום של תאריך 2"/>
+          <p:cNvSpPr>
+            <a:spLocks noGrp="1"/>
+          </p:cNvSpPr>
+          <p:nvPr>
+            <p:ph type="dt" idx="1"/>
+          </p:nvPr>
+        </p:nvSpPr>
+        <p:spPr>
+          <a:xfrm>
+            <a:off x="1588" y="0"/>
+            <a:ext cx="2971800" cy="458788"/>
+          </a:xfrm>
+          <a:prstGeom prst="rect">
+            <a:avLst/>
+          </a:prstGeom>
+        </p:spPr>
+        <p:txBody>
+          <a:bodyPr vert="horz" lIns="91440" tIns="45720" rIns="91440" bIns="45720" rtlCol="1"/>
+          <a:lstStyle>
+            <a:lvl1pPr algn="r">
+              <a:defRPr sz="1200"/>
+            </a:lvl1pPr>
+          </a:lstStyle>
+          <a:p>
+            <a:fld id="{F72BCF63-7A0C-4A1E-AA85-9B1777F0901F}" type="datetimeFigureOut">
+              <a:rPr lang="LID4096" smtClean="0"/>
+              <a:t>08/18/2025</a:t>
+            </a:fld>
+            <a:endParaRPr lang="LID4096"/>
+          </a:p>
+        </p:txBody>
+      </p:sp>
+      <p:sp>
+        <p:nvSpPr>
+          <p:cNvPr id="4" name="מציין מיקום של תמונת שקופית 3"/>
+          <p:cNvSpPr>
+            <a:spLocks noGrp="1" noRot="1" noChangeAspect="1"/>
+          </p:cNvSpPr>
+          <p:nvPr>
+            <p:ph type="sldImg" idx="2"/>
+          </p:nvPr>
+        </p:nvSpPr>
+        <p:spPr>
+          <a:xfrm>
+            <a:off x="685800" y="1143000"/>
+            <a:ext cx="5486400" cy="3086100"/>
+          </a:xfrm>
+          <a:prstGeom prst="rect">
+            <a:avLst/>
+          </a:prstGeom>
+          <a:noFill/>
+          <a:ln w="12700">
+            <a:solidFill>
+              <a:prstClr val="black"/>
+            </a:solidFill>
+          </a:ln>
+        </p:spPr>
+        <p:txBody>
+          <a:bodyPr vert="horz" lIns="91440" tIns="45720" rIns="91440" bIns="45720" rtlCol="1" anchor="ctr"/>
+          <a:lstStyle/>
+          <a:p>
+            <a:endParaRPr lang="LID4096"/>
+          </a:p>
+        </p:txBody>
+      </p:sp>
+      <p:sp>
+        <p:nvSpPr>
+          <p:cNvPr id="5" name="מציין מיקום של הערות 4"/>
+          <p:cNvSpPr>
+            <a:spLocks noGrp="1"/>
+          </p:cNvSpPr>
+          <p:nvPr>
+            <p:ph type="body" sz="quarter" idx="3"/>
+          </p:nvPr>
+        </p:nvSpPr>
+        <p:spPr>
+          <a:xfrm>
+            <a:off x="685800" y="4400550"/>
+            <a:ext cx="5486400" cy="3600450"/>
+          </a:xfrm>
+          <a:prstGeom prst="rect">
+            <a:avLst/>
+          </a:prstGeom>
+        </p:spPr>
+        <p:txBody>
+          <a:bodyPr vert="horz" lIns="91440" tIns="45720" rIns="91440" bIns="45720" rtlCol="1"/>
+          <a:lstStyle/>
+          <a:p>
+            <a:pPr lvl="0"/>
+            <a:r>
+              <a:rPr lang="he-IL"/>
+              <a:t>לחץ כדי לערוך סגנונות טקסט של תבנית בסיס</a:t>
+            </a:r>
+          </a:p>
+          <a:p>
+            <a:pPr lvl="1"/>
+            <a:r>
+              <a:rPr lang="he-IL"/>
+              <a:t>רמה שנייה</a:t>
+            </a:r>
+          </a:p>
+          <a:p>
+            <a:pPr lvl="2"/>
+            <a:r>
+              <a:rPr lang="he-IL"/>
+              <a:t>רמה שלישית</a:t>
+            </a:r>
+          </a:p>
+          <a:p>
+            <a:pPr lvl="3"/>
+            <a:r>
+              <a:rPr lang="he-IL"/>
+              <a:t>רמה רביעית</a:t>
+            </a:r>
+          </a:p>
+          <a:p>
+            <a:pPr lvl="4"/>
+            <a:r>
+              <a:rPr lang="he-IL"/>
+              <a:t>רמה חמישית</a:t>
+            </a:r>
+            <a:endParaRPr lang="LID4096"/>
+          </a:p>
+        </p:txBody>
+      </p:sp>
+      <p:sp>
+        <p:nvSpPr>
+          <p:cNvPr id="6" name="מציין מיקום של כותרת תחתונה 5"/>
+          <p:cNvSpPr>
+            <a:spLocks noGrp="1"/>
+          </p:cNvSpPr>
+          <p:nvPr>
+            <p:ph type="ftr" sz="quarter" idx="4"/>
+          </p:nvPr>
+        </p:nvSpPr>
+        <p:spPr>
+          <a:xfrm>
+            <a:off x="3886200" y="8685213"/>
+            <a:ext cx="2971800" cy="458787"/>
+          </a:xfrm>
+          <a:prstGeom prst="rect">
+            <a:avLst/>
+          </a:prstGeom>
+        </p:spPr>
+        <p:txBody>
+          <a:bodyPr vert="horz" lIns="91440" tIns="45720" rIns="91440" bIns="45720" rtlCol="1" anchor="b"/>
+          <a:lstStyle>
+            <a:lvl1pPr algn="l">
+              <a:defRPr sz="1200"/>
+            </a:lvl1pPr>
+          </a:lstStyle>
+          <a:p>
+            <a:endParaRPr lang="LID4096"/>
+          </a:p>
+        </p:txBody>
+      </p:sp>
+      <p:sp>
+        <p:nvSpPr>
+          <p:cNvPr id="7" name="מציין מיקום של מספר שקופית 6"/>
+          <p:cNvSpPr>
+            <a:spLocks noGrp="1"/>
+          </p:cNvSpPr>
+          <p:nvPr>
+            <p:ph type="sldNum" sz="quarter" idx="5"/>
+          </p:nvPr>
+        </p:nvSpPr>
+        <p:spPr>
+          <a:xfrm>
+            <a:off x="1588" y="8685213"/>
+            <a:ext cx="2971800" cy="458787"/>
+          </a:xfrm>
+          <a:prstGeom prst="rect">
+            <a:avLst/>
+          </a:prstGeom>
+        </p:spPr>
+        <p:txBody>
+          <a:bodyPr vert="horz" lIns="91440" tIns="45720" rIns="91440" bIns="45720" rtlCol="1" anchor="b"/>
+          <a:lstStyle>
+            <a:lvl1pPr algn="r">
+              <a:defRPr sz="1200"/>
+            </a:lvl1pPr>
+          </a:lstStyle>
+          <a:p>
+            <a:fld id="{A87B0AC8-BD0F-4697-A8FF-46C867E84DBC}" type="slidenum">
+              <a:rPr lang="LID4096" smtClean="0"/>
+              <a:t>‹#›</a:t>
+            </a:fld>
+            <a:endParaRPr lang="LID4096"/>
+          </a:p>
+        </p:txBody>
+      </p:sp>
+    </p:spTree>
+    <p:extLst>
+      <p:ext uri="{BB962C8B-B14F-4D97-AF65-F5344CB8AC3E}">
+        <p14:creationId xmlns:p14="http://schemas.microsoft.com/office/powerpoint/2010/main" val="1525936738"/>
+      </p:ext>
+    </p:extLst>
+  </p:cSld>
+  <p:clrMap bg1="lt1" tx1="dk1" bg2="lt2" tx2="dk2" accent1="accent1" accent2="accent2" accent3="accent3" accent4="accent4" accent5="accent5" accent6="accent6" hlink="hlink" folHlink="folHlink"/>
+  <p:notesStyle>
+    <a:lvl1pPr marL="0" algn="r" defTabSz="914400" rtl="1" eaLnBrk="1" latinLnBrk="0" hangingPunct="1">
+      <a:defRPr sz="1200" kern="1200">
+        <a:solidFill>
+          <a:schemeClr val="tx1"/>
+        </a:solidFill>
+        <a:latin typeface="+mn-lt"/>
+        <a:ea typeface="+mn-ea"/>
+        <a:cs typeface="+mn-cs"/>
+      </a:defRPr>
+    </a:lvl1pPr>
+    <a:lvl2pPr marL="457200" algn="r" defTabSz="914400" rtl="1" eaLnBrk="1" latinLnBrk="0" hangingPunct="1">
+      <a:defRPr sz="1200" kern="1200">
+        <a:solidFill>
+          <a:schemeClr val="tx1"/>
+        </a:solidFill>
+        <a:latin typeface="+mn-lt"/>
+        <a:ea typeface="+mn-ea"/>
+        <a:cs typeface="+mn-cs"/>
+      </a:defRPr>
+    </a:lvl2pPr>
+    <a:lvl3pPr marL="914400" algn="r" defTabSz="914400" rtl="1" eaLnBrk="1" latinLnBrk="0" hangingPunct="1">
+      <a:defRPr sz="1200" kern="1200">
+        <a:solidFill>
+          <a:schemeClr val="tx1"/>
+        </a:solidFill>
+        <a:latin typeface="+mn-lt"/>
+        <a:ea typeface="+mn-ea"/>
+        <a:cs typeface="+mn-cs"/>
+      </a:defRPr>
+    </a:lvl3pPr>
+    <a:lvl4pPr marL="1371600" algn="r" defTabSz="914400" rtl="1" eaLnBrk="1" latinLnBrk="0" hangingPunct="1">
+      <a:defRPr sz="1200" kern="1200">
+        <a:solidFill>
+          <a:schemeClr val="tx1"/>
+        </a:solidFill>
+        <a:latin typeface="+mn-lt"/>
+        <a:ea typeface="+mn-ea"/>
+        <a:cs typeface="+mn-cs"/>
+      </a:defRPr>
+    </a:lvl4pPr>
+    <a:lvl5pPr marL="1828800" algn="r" defTabSz="914400" rtl="1" eaLnBrk="1" latinLnBrk="0" hangingPunct="1">
+      <a:defRPr sz="1200" kern="1200">
+        <a:solidFill>
+          <a:schemeClr val="tx1"/>
+        </a:solidFill>
+        <a:latin typeface="+mn-lt"/>
+        <a:ea typeface="+mn-ea"/>
+        <a:cs typeface="+mn-cs"/>
+      </a:defRPr>
+    </a:lvl5pPr>
+    <a:lvl6pPr marL="2286000" algn="r" defTabSz="914400" rtl="1" eaLnBrk="1" latinLnBrk="0" hangingPunct="1">
+      <a:defRPr sz="1200" kern="1200">
+        <a:solidFill>
+          <a:schemeClr val="tx1"/>
+        </a:solidFill>
+        <a:latin typeface="+mn-lt"/>
+        <a:ea typeface="+mn-ea"/>
+        <a:cs typeface="+mn-cs"/>
+      </a:defRPr>
+    </a:lvl6pPr>
+    <a:lvl7pPr marL="2743200" algn="r" defTabSz="914400" rtl="1" eaLnBrk="1" latinLnBrk="0" hangingPunct="1">
+      <a:defRPr sz="1200" kern="1200">
+        <a:solidFill>
+          <a:schemeClr val="tx1"/>
+        </a:solidFill>
+        <a:latin typeface="+mn-lt"/>
+        <a:ea typeface="+mn-ea"/>
+        <a:cs typeface="+mn-cs"/>
+      </a:defRPr>
+    </a:lvl7pPr>
+    <a:lvl8pPr marL="3200400" algn="r" defTabSz="914400" rtl="1" eaLnBrk="1" latinLnBrk="0" hangingPunct="1">
+      <a:defRPr sz="1200" kern="1200">
+        <a:solidFill>
+          <a:schemeClr val="tx1"/>
+        </a:solidFill>
+        <a:latin typeface="+mn-lt"/>
+        <a:ea typeface="+mn-ea"/>
+        <a:cs typeface="+mn-cs"/>
+      </a:defRPr>
+    </a:lvl8pPr>
+    <a:lvl9pPr marL="3657600" algn="r" defTabSz="914400" rtl="1" eaLnBrk="1" latinLnBrk="0" hangingPunct="1">
+      <a:defRPr sz="1200" kern="1200">
+        <a:solidFill>
+          <a:schemeClr val="tx1"/>
+        </a:solidFill>
+        <a:latin typeface="+mn-lt"/>
+        <a:ea typeface="+mn-ea"/>
+        <a:cs typeface="+mn-cs"/>
+      </a:defRPr>
+    </a:lvl9pPr>
+  </p:notesStyle>
+</p:notesMaster>
+</file>
+
+<file path=ppt/notesSlides/notesSlide1.xml><?xml version="1.0" encoding="utf-8"?>
+<p:notes xmlns:a="http://schemas.openxmlformats.org/drawingml/2006/main" xmlns:r="http://schemas.openxmlformats.org/officeDocument/2006/relationships" xmlns:p="http://schemas.openxmlformats.org/presentationml/2006/main">
+  <p:cSld>
+    <p:spTree>
+      <p:nvGrpSpPr>
+        <p:cNvPr id="1" name=""/>
+        <p:cNvGrpSpPr/>
+        <p:nvPr/>
+      </p:nvGrpSpPr>
+      <p:grpSpPr>
+        <a:xfrm>
+          <a:off x="0" y="0"/>
+          <a:ext cx="0" cy="0"/>
+          <a:chOff x="0" y="0"/>
+          <a:chExt cx="0" cy="0"/>
+        </a:xfrm>
+      </p:grpSpPr>
+      <p:sp>
+        <p:nvSpPr>
+          <p:cNvPr id="2" name="מציין מיקום של תמונת שקופית 1"/>
+          <p:cNvSpPr>
+            <a:spLocks noGrp="1" noRot="1" noChangeAspect="1"/>
+          </p:cNvSpPr>
+          <p:nvPr>
+            <p:ph type="sldImg"/>
+          </p:nvPr>
+        </p:nvSpPr>
+        <p:spPr/>
+      </p:sp>
+      <p:sp>
+        <p:nvSpPr>
+          <p:cNvPr id="3" name="מציין מיקום של הערות 2"/>
+          <p:cNvSpPr>
+            <a:spLocks noGrp="1"/>
+          </p:cNvSpPr>
+          <p:nvPr>
+            <p:ph type="body" idx="1"/>
+          </p:nvPr>
+        </p:nvSpPr>
+        <p:spPr/>
+        <p:txBody>
+          <a:bodyPr/>
+          <a:lstStyle/>
+          <a:p>
+            <a:endParaRPr lang="LID4096" dirty="0"/>
+          </a:p>
+        </p:txBody>
+      </p:sp>
+      <p:sp>
+        <p:nvSpPr>
+          <p:cNvPr id="4" name="מציין מיקום של מספר שקופית 3"/>
+          <p:cNvSpPr>
+            <a:spLocks noGrp="1"/>
+          </p:cNvSpPr>
+          <p:nvPr>
+            <p:ph type="sldNum" sz="quarter" idx="5"/>
+          </p:nvPr>
+        </p:nvSpPr>
+        <p:spPr/>
+        <p:txBody>
+          <a:bodyPr/>
+          <a:lstStyle/>
+          <a:p>
+            <a:fld id="{A87B0AC8-BD0F-4697-A8FF-46C867E84DBC}" type="slidenum">
+              <a:rPr lang="LID4096" smtClean="0"/>
+              <a:t>2</a:t>
+            </a:fld>
+            <a:endParaRPr lang="LID4096"/>
+          </a:p>
+        </p:txBody>
+      </p:sp>
+    </p:spTree>
+    <p:extLst>
+      <p:ext uri="{BB962C8B-B14F-4D97-AF65-F5344CB8AC3E}">
+        <p14:creationId xmlns:p14="http://schemas.microsoft.com/office/powerpoint/2010/main" val="2042033711"/>
+      </p:ext>
+    </p:extLst>
+  </p:cSld>
+  <p:clrMapOvr>
+    <a:masterClrMapping/>
+  </p:clrMapOvr>
+</p:notes>
+</file>
+
 <file path=ppt/slideLayouts/slideLayout1.xml><?xml version="1.0" encoding="utf-8"?>
 <p:sldLayout xmlns:a="http://schemas.openxmlformats.org/drawingml/2006/main" xmlns:r="http://schemas.openxmlformats.org/officeDocument/2006/relationships" xmlns:p="http://schemas.openxmlformats.org/presentationml/2006/main" type="title" preserve="1">
   <p:cSld name="שקופית כותרת">
@@ -1365,7 +1787,7 @@
           <a:p>
             <a:fld id="{1B23E4F1-E323-438F-BDBB-031004AB24C8}" type="datetimeFigureOut">
               <a:rPr lang="LID4096" smtClean="0"/>
-              <a:t>08/13/2025</a:t>
+              <a:t>08/18/2025</a:t>
             </a:fld>
             <a:endParaRPr lang="LID4096"/>
           </a:p>
@@ -1565,7 +1987,7 @@
           <a:p>
             <a:fld id="{1B23E4F1-E323-438F-BDBB-031004AB24C8}" type="datetimeFigureOut">
               <a:rPr lang="LID4096" smtClean="0"/>
-              <a:t>08/13/2025</a:t>
+              <a:t>08/18/2025</a:t>
             </a:fld>
             <a:endParaRPr lang="LID4096"/>
           </a:p>
@@ -1775,7 +2197,7 @@
           <a:p>
             <a:fld id="{1B23E4F1-E323-438F-BDBB-031004AB24C8}" type="datetimeFigureOut">
               <a:rPr lang="LID4096" smtClean="0"/>
-              <a:t>08/13/2025</a:t>
+              <a:t>08/18/2025</a:t>
             </a:fld>
             <a:endParaRPr lang="LID4096"/>
           </a:p>
@@ -1975,7 +2397,7 @@
           <a:p>
             <a:fld id="{1B23E4F1-E323-438F-BDBB-031004AB24C8}" type="datetimeFigureOut">
               <a:rPr lang="LID4096" smtClean="0"/>
-              <a:t>08/13/2025</a:t>
+              <a:t>08/18/2025</a:t>
             </a:fld>
             <a:endParaRPr lang="LID4096"/>
           </a:p>
@@ -2251,7 +2673,7 @@
           <a:p>
             <a:fld id="{1B23E4F1-E323-438F-BDBB-031004AB24C8}" type="datetimeFigureOut">
               <a:rPr lang="LID4096" smtClean="0"/>
-              <a:t>08/13/2025</a:t>
+              <a:t>08/18/2025</a:t>
             </a:fld>
             <a:endParaRPr lang="LID4096"/>
           </a:p>
@@ -2519,7 +2941,7 @@
           <a:p>
             <a:fld id="{1B23E4F1-E323-438F-BDBB-031004AB24C8}" type="datetimeFigureOut">
               <a:rPr lang="LID4096" smtClean="0"/>
-              <a:t>08/13/2025</a:t>
+              <a:t>08/18/2025</a:t>
             </a:fld>
             <a:endParaRPr lang="LID4096"/>
           </a:p>
@@ -2934,7 +3356,7 @@
           <a:p>
             <a:fld id="{1B23E4F1-E323-438F-BDBB-031004AB24C8}" type="datetimeFigureOut">
               <a:rPr lang="LID4096" smtClean="0"/>
-              <a:t>08/13/2025</a:t>
+              <a:t>08/18/2025</a:t>
             </a:fld>
             <a:endParaRPr lang="LID4096"/>
           </a:p>
@@ -3076,7 +3498,7 @@
           <a:p>
             <a:fld id="{1B23E4F1-E323-438F-BDBB-031004AB24C8}" type="datetimeFigureOut">
               <a:rPr lang="LID4096" smtClean="0"/>
-              <a:t>08/13/2025</a:t>
+              <a:t>08/18/2025</a:t>
             </a:fld>
             <a:endParaRPr lang="LID4096"/>
           </a:p>
@@ -3189,7 +3611,7 @@
           <a:p>
             <a:fld id="{1B23E4F1-E323-438F-BDBB-031004AB24C8}" type="datetimeFigureOut">
               <a:rPr lang="LID4096" smtClean="0"/>
-              <a:t>08/13/2025</a:t>
+              <a:t>08/18/2025</a:t>
             </a:fld>
             <a:endParaRPr lang="LID4096"/>
           </a:p>
@@ -3502,7 +3924,7 @@
           <a:p>
             <a:fld id="{1B23E4F1-E323-438F-BDBB-031004AB24C8}" type="datetimeFigureOut">
               <a:rPr lang="LID4096" smtClean="0"/>
-              <a:t>08/13/2025</a:t>
+              <a:t>08/18/2025</a:t>
             </a:fld>
             <a:endParaRPr lang="LID4096"/>
           </a:p>
@@ -3791,7 +4213,7 @@
           <a:p>
             <a:fld id="{1B23E4F1-E323-438F-BDBB-031004AB24C8}" type="datetimeFigureOut">
               <a:rPr lang="LID4096" smtClean="0"/>
-              <a:t>08/13/2025</a:t>
+              <a:t>08/18/2025</a:t>
             </a:fld>
             <a:endParaRPr lang="LID4096"/>
           </a:p>
@@ -4034,7 +4456,7 @@
           <a:p>
             <a:fld id="{1B23E4F1-E323-438F-BDBB-031004AB24C8}" type="datetimeFigureOut">
               <a:rPr lang="LID4096" smtClean="0"/>
-              <a:t>08/13/2025</a:t>
+              <a:t>08/18/2025</a:t>
             </a:fld>
             <a:endParaRPr lang="LID4096"/>
           </a:p>
@@ -5401,10 +5823,10 @@
       </p:grpSpPr>
       <p:pic>
         <p:nvPicPr>
-          <p:cNvPr id="6" name="תמונה 5">
-            <a:extLst>
-              <a:ext uri="{FF2B5EF4-FFF2-40B4-BE49-F238E27FC236}">
-                <a16:creationId xmlns:a16="http://schemas.microsoft.com/office/drawing/2014/main" id="{6DDE085D-1D6F-B8E3-BB07-B430B6A07BCE}"/>
+          <p:cNvPr id="9" name="תמונה 8">
+            <a:extLst>
+              <a:ext uri="{FF2B5EF4-FFF2-40B4-BE49-F238E27FC236}">
+                <a16:creationId xmlns:a16="http://schemas.microsoft.com/office/drawing/2014/main" id="{E80582F4-00B5-2722-9F0B-703367DE32D7}"/>
               </a:ext>
             </a:extLst>
           </p:cNvPr>
@@ -5414,15 +5836,15 @@
           <p:nvPr/>
         </p:nvPicPr>
         <p:blipFill>
-          <a:blip r:embed="rId2"/>
+          <a:blip r:embed="rId3"/>
           <a:stretch>
             <a:fillRect/>
           </a:stretch>
         </p:blipFill>
         <p:spPr>
           <a:xfrm>
-            <a:off x="203142" y="421280"/>
-            <a:ext cx="11785715" cy="2609348"/>
+            <a:off x="212334" y="215714"/>
+            <a:ext cx="11636765" cy="2565586"/>
           </a:xfrm>
           <a:prstGeom prst="rect">
             <a:avLst/>
@@ -5431,10 +5853,10 @@
       </p:pic>
       <p:pic>
         <p:nvPicPr>
-          <p:cNvPr id="8" name="תמונה 7">
-            <a:extLst>
-              <a:ext uri="{FF2B5EF4-FFF2-40B4-BE49-F238E27FC236}">
-                <a16:creationId xmlns:a16="http://schemas.microsoft.com/office/drawing/2014/main" id="{5C61B571-0DBD-B15F-57AD-DFA06CCD0C16}"/>
+          <p:cNvPr id="13" name="תמונה 12">
+            <a:extLst>
+              <a:ext uri="{FF2B5EF4-FFF2-40B4-BE49-F238E27FC236}">
+                <a16:creationId xmlns:a16="http://schemas.microsoft.com/office/drawing/2014/main" id="{A5DBFF70-1DCD-E9C6-A57F-CBA792847D87}"/>
               </a:ext>
             </a:extLst>
           </p:cNvPr>
@@ -5444,16 +5866,15 @@
           <p:nvPr/>
         </p:nvPicPr>
         <p:blipFill>
-          <a:blip r:embed="rId3"/>
-          <a:srcRect l="488" r="488"/>
+          <a:blip r:embed="rId4"/>
           <a:stretch>
             <a:fillRect/>
           </a:stretch>
         </p:blipFill>
         <p:spPr>
           <a:xfrm>
-            <a:off x="1197429" y="3233783"/>
-            <a:ext cx="9144000" cy="3322679"/>
+            <a:off x="1958378" y="3203355"/>
+            <a:ext cx="8554644" cy="3143689"/>
           </a:xfrm>
           <a:prstGeom prst="rect">
             <a:avLst/>
@@ -5492,10 +5913,10 @@
       </p:grpSpPr>
       <p:pic>
         <p:nvPicPr>
-          <p:cNvPr id="7" name="תמונה 6">
-            <a:extLst>
-              <a:ext uri="{FF2B5EF4-FFF2-40B4-BE49-F238E27FC236}">
-                <a16:creationId xmlns:a16="http://schemas.microsoft.com/office/drawing/2014/main" id="{85647004-8F57-CB19-051C-7F56FA47B029}"/>
+          <p:cNvPr id="6" name="תמונה 5">
+            <a:extLst>
+              <a:ext uri="{FF2B5EF4-FFF2-40B4-BE49-F238E27FC236}">
+                <a16:creationId xmlns:a16="http://schemas.microsoft.com/office/drawing/2014/main" id="{39234AD4-44AF-6D9B-306C-DC232DB34416}"/>
               </a:ext>
             </a:extLst>
           </p:cNvPr>
@@ -5506,15 +5927,14 @@
         </p:nvPicPr>
         <p:blipFill>
           <a:blip r:embed="rId2"/>
-          <a:srcRect t="3081" b="1567"/>
           <a:stretch>
             <a:fillRect/>
           </a:stretch>
         </p:blipFill>
         <p:spPr>
           <a:xfrm>
-            <a:off x="201222" y="553486"/>
-            <a:ext cx="11789555" cy="1718076"/>
+            <a:off x="304800" y="392024"/>
+            <a:ext cx="11659485" cy="1792375"/>
           </a:xfrm>
           <a:prstGeom prst="rect">
             <a:avLst/>
@@ -5523,7 +5943,7 @@
       </p:pic>
       <p:graphicFrame>
         <p:nvGraphicFramePr>
-          <p:cNvPr id="8" name="תרשים 7">
+          <p:cNvPr id="9" name="תרשים 8">
             <a:extLst>
               <a:ext uri="{FF2B5EF4-FFF2-40B4-BE49-F238E27FC236}">
                 <a16:creationId xmlns:a16="http://schemas.microsoft.com/office/drawing/2014/main" id="{6E93888D-68BF-D683-E160-FF8FB09A8D70}"/>
@@ -5536,14 +5956,14 @@
           <p:nvPr>
             <p:extLst>
               <p:ext uri="{D42A27DB-BD31-4B8C-83A1-F6EECF244321}">
-                <p14:modId xmlns:p14="http://schemas.microsoft.com/office/powerpoint/2010/main" val="385294354"/>
+                <p14:modId xmlns:p14="http://schemas.microsoft.com/office/powerpoint/2010/main" val="1889144721"/>
               </p:ext>
             </p:extLst>
           </p:nvPr>
         </p:nvGraphicFramePr>
         <p:xfrm>
-          <a:off x="2514410" y="2620440"/>
-          <a:ext cx="6535552" cy="3801978"/>
+          <a:off x="2501900" y="2374900"/>
+          <a:ext cx="6921500" cy="4254500"/>
         </p:xfrm>
         <a:graphic>
           <a:graphicData uri="http://schemas.openxmlformats.org/drawingml/2006/chart">
@@ -5627,8 +6047,8 @@
         </p:nvSpPr>
         <p:spPr>
           <a:xfrm>
-            <a:off x="1562099" y="1894114"/>
-            <a:ext cx="9722757" cy="3046988"/>
+            <a:off x="2057399" y="1693554"/>
+            <a:ext cx="9722757" cy="4524315"/>
           </a:xfrm>
           <a:prstGeom prst="rect">
             <a:avLst/>
@@ -5646,12 +6066,8 @@
               <a:buChar char="•"/>
             </a:pPr>
             <a:r>
-              <a:rPr lang="he-IL" sz="2400" dirty="0"/>
+              <a:rPr lang="he-IL" sz="2400" b="1" dirty="0"/>
               <a:t>מבחן </a:t>
-            </a:r>
-            <a:r>
-              <a:rPr lang="en-US" sz="2400" dirty="0"/>
-              <a:t> </a:t>
             </a:r>
             <a:r>
               <a:rPr lang="en-US" sz="2400" b="1" dirty="0" err="1"/>
@@ -5659,13 +6075,35 @@
             </a:r>
             <a:r>
               <a:rPr lang="en-US" sz="2400" b="1" dirty="0"/>
-              <a:t> cube test </a:t>
+              <a:t> cube</a:t>
+            </a:r>
+            <a:r>
+              <a:rPr lang="he-IL" sz="2400" b="1" dirty="0"/>
+              <a:t> </a:t>
             </a:r>
             <a:r>
               <a:rPr lang="he-IL" sz="2400" dirty="0"/>
-              <a:t>הציג ממוצע הצלחה גבוה יחסית (65%) עם שונות נמוכה, מה שמעיד על ביצועים יציבים בין המשתתפים.</a:t>
-            </a:r>
-            <a:endParaRPr lang="en-US" sz="2400" dirty="0"/>
+              <a:t>ממוצע גבוה (כ־65–70%) עם שונות בינונית – מצביע על כך שגם בתנאים שונים, רוב הנבדקים מצליחים, אך יש שונות </a:t>
+            </a:r>
+            <a:r>
+              <a:rPr lang="he-IL" sz="2400" dirty="0" err="1"/>
+              <a:t>בין־אישית</a:t>
+            </a:r>
+            <a:r>
+              <a:rPr lang="he-IL" sz="2400" dirty="0"/>
+              <a:t> ברורה.</a:t>
+            </a:r>
+          </a:p>
+          <a:p>
+            <a:r>
+              <a:rPr lang="he-IL" sz="2400" b="1" dirty="0"/>
+              <a:t> </a:t>
+            </a:r>
+            <a:r>
+              <a:rPr lang="en-US" sz="2400" b="1" dirty="0"/>
+              <a:t> </a:t>
+            </a:r>
+            <a:endParaRPr lang="he-IL" sz="2400" b="1" dirty="0"/>
           </a:p>
           <a:p>
             <a:pPr marL="285750" indent="-285750">
@@ -5688,6 +6126,8 @@
               <a:rPr lang="he-IL" sz="2400" dirty="0"/>
               <a:t>הראה תוצאות דומות בממוצע (כ-60%) עם פיזור נתונים דומה, מה שמצביע על עקביות טובה בין נבדקים.</a:t>
             </a:r>
+          </a:p>
+          <a:p>
             <a:endParaRPr lang="en-US" sz="2400" dirty="0"/>
           </a:p>
           <a:p>
@@ -5709,9 +6149,11 @@
             </a:r>
             <a:r>
               <a:rPr lang="he-IL" sz="2400" dirty="0"/>
-              <a:t>הציג ממוצע נמוך יותר (36%) ושונות גבוהה יותר, מה שמעידה על פערים גדולים ביכולות בין המשתתפים.</a:t>
-            </a:r>
-            <a:endParaRPr lang="en-US" sz="2400" dirty="0"/>
+              <a:t>הציג שונות גדולה במיוחד: חלק מהמשתתפים הצליחו מעל 90% בעוד אחרים סביב 20–30%, מה שמעיד על קושי מהותי ומשתנה יותר.</a:t>
+            </a:r>
+          </a:p>
+          <a:p>
+            <a:endParaRPr lang="he-IL" sz="2400" dirty="0"/>
           </a:p>
           <a:p>
             <a:pPr marL="285750" indent="-285750">
@@ -5720,7 +6162,7 @@
             </a:pPr>
             <a:r>
               <a:rPr lang="he-IL" sz="2400" dirty="0"/>
-              <a:t>ככלל, שני המבחנים הראשונים מראים רמת ביצוע אחידה יחסית, בעוד שהשלישי מעיד על קושי גבוה יותר ושונות רבה יותר בביצועים</a:t>
+              <a:t>ככלל, שני המבחנים הראשונים משקפים ביצועים יציבים יחסית, בעוד שהשלישי חושף פערים גדולים ביכולות העיבוד התפיסתי בין הנבדקים.</a:t>
             </a:r>
             <a:endParaRPr lang="LID4096" sz="2400" dirty="0"/>
           </a:p>
@@ -5795,10 +6237,10 @@
       </p:sp>
       <p:pic>
         <p:nvPicPr>
-          <p:cNvPr id="6" name="תמונה 5">
-            <a:extLst>
-              <a:ext uri="{FF2B5EF4-FFF2-40B4-BE49-F238E27FC236}">
-                <a16:creationId xmlns:a16="http://schemas.microsoft.com/office/drawing/2014/main" id="{E15AE5AE-DD6E-8486-40BC-BEB33E728EA8}"/>
+          <p:cNvPr id="7" name="תמונה 6">
+            <a:extLst>
+              <a:ext uri="{FF2B5EF4-FFF2-40B4-BE49-F238E27FC236}">
+                <a16:creationId xmlns:a16="http://schemas.microsoft.com/office/drawing/2014/main" id="{303BDB25-0B93-E515-B9FE-074C78BD8C23}"/>
               </a:ext>
             </a:extLst>
           </p:cNvPr>
@@ -5815,8 +6257,8 @@
         </p:blipFill>
         <p:spPr>
           <a:xfrm>
-            <a:off x="2383971" y="954851"/>
-            <a:ext cx="6593101" cy="5537408"/>
+            <a:off x="2518508" y="738703"/>
+            <a:ext cx="6794883" cy="5943600"/>
           </a:xfrm>
           <a:prstGeom prst="rect">
             <a:avLst/>
@@ -5898,10 +6340,10 @@
       </p:sp>
       <p:pic>
         <p:nvPicPr>
-          <p:cNvPr id="3" name="תמונה 2">
-            <a:extLst>
-              <a:ext uri="{FF2B5EF4-FFF2-40B4-BE49-F238E27FC236}">
-                <a16:creationId xmlns:a16="http://schemas.microsoft.com/office/drawing/2014/main" id="{66A8F553-6192-AA12-367E-7FED6E7B6A2A}"/>
+          <p:cNvPr id="7" name="תמונה 6">
+            <a:extLst>
+              <a:ext uri="{FF2B5EF4-FFF2-40B4-BE49-F238E27FC236}">
+                <a16:creationId xmlns:a16="http://schemas.microsoft.com/office/drawing/2014/main" id="{717ABC9C-25E2-4DFA-C219-42D568BBB048}"/>
               </a:ext>
             </a:extLst>
           </p:cNvPr>
@@ -5918,8 +6360,8 @@
         </p:blipFill>
         <p:spPr>
           <a:xfrm>
-            <a:off x="1933992" y="883691"/>
-            <a:ext cx="7768790" cy="5974309"/>
+            <a:off x="2026109" y="600814"/>
+            <a:ext cx="7817981" cy="5863486"/>
           </a:xfrm>
           <a:prstGeom prst="rect">
             <a:avLst/>
@@ -6001,10 +6443,10 @@
       </p:sp>
       <p:pic>
         <p:nvPicPr>
-          <p:cNvPr id="5" name="תמונה 4">
-            <a:extLst>
-              <a:ext uri="{FF2B5EF4-FFF2-40B4-BE49-F238E27FC236}">
-                <a16:creationId xmlns:a16="http://schemas.microsoft.com/office/drawing/2014/main" id="{18387AAF-36D6-3A68-C9FD-CCBAB6E10B52}"/>
+          <p:cNvPr id="7" name="תמונה 6">
+            <a:extLst>
+              <a:ext uri="{FF2B5EF4-FFF2-40B4-BE49-F238E27FC236}">
+                <a16:creationId xmlns:a16="http://schemas.microsoft.com/office/drawing/2014/main" id="{07F60ECC-E5A0-8FFF-1905-0A09FBF51CBD}"/>
               </a:ext>
             </a:extLst>
           </p:cNvPr>
@@ -6021,8 +6463,8 @@
         </p:blipFill>
         <p:spPr>
           <a:xfrm>
-            <a:off x="2474687" y="820589"/>
-            <a:ext cx="7521364" cy="5850830"/>
+            <a:off x="2268347" y="771356"/>
+            <a:ext cx="7222786" cy="6093491"/>
           </a:xfrm>
           <a:prstGeom prst="rect">
             <a:avLst/>
@@ -6109,8 +6551,8 @@
         </p:nvSpPr>
         <p:spPr>
           <a:xfrm>
-            <a:off x="1562099" y="1894114"/>
-            <a:ext cx="9722757" cy="4154984"/>
+            <a:off x="1485899" y="1353006"/>
+            <a:ext cx="9722757" cy="5139869"/>
           </a:xfrm>
           <a:prstGeom prst="rect">
             <a:avLst/>
@@ -6145,23 +6587,15 @@
               <a:buChar char="•"/>
             </a:pPr>
             <a:r>
-              <a:rPr lang="he-IL" sz="2400" dirty="0"/>
-              <a:t>שני המבחנים </a:t>
-            </a:r>
-            <a:r>
-              <a:rPr lang="en-US" sz="2400" b="1" dirty="0" err="1"/>
-              <a:t>Neker</a:t>
-            </a:r>
-            <a:r>
               <a:rPr lang="en-US" sz="2400" b="1" dirty="0"/>
-              <a:t> cube test</a:t>
+              <a:t>Cambridge Face Memory Test</a:t>
             </a:r>
             <a:r>
               <a:rPr lang="he-IL" sz="2400" b="1" dirty="0"/>
               <a:t> </a:t>
             </a:r>
             <a:r>
-              <a:rPr lang="en-US" sz="2400" b="1" dirty="0"/>
+              <a:rPr lang="en-US" sz="2400" dirty="0"/>
               <a:t> </a:t>
             </a:r>
             <a:r>
@@ -6170,19 +6604,19 @@
             </a:r>
             <a:r>
               <a:rPr lang="en-US" sz="2400" b="1" dirty="0"/>
-              <a:t>Cambridge Face Memory Test</a:t>
+              <a:t>Inverted depth decision</a:t>
             </a:r>
             <a:r>
               <a:rPr lang="he-IL" sz="2400" b="1" dirty="0"/>
               <a:t> </a:t>
             </a:r>
             <a:r>
-              <a:rPr lang="en-US" sz="2400" b="1" dirty="0"/>
+              <a:rPr lang="en-US" sz="2400" dirty="0"/>
               <a:t> </a:t>
             </a:r>
             <a:r>
               <a:rPr lang="he-IL" sz="2400" dirty="0"/>
-              <a:t>ככל הנראה דומים יותר בביצועים (ערכי </a:t>
+              <a:t>מראים ערכי </a:t>
             </a:r>
             <a:r>
               <a:rPr lang="he-IL" sz="2400" dirty="0" err="1"/>
@@ -6190,13 +6624,7 @@
             </a:r>
             <a:r>
               <a:rPr lang="he-IL" sz="2400" dirty="0"/>
-              <a:t> נמוכים יחסית), מה שמעיד שהם בוחנים יכולות קרובות או חופפות. </a:t>
-            </a:r>
-          </a:p>
-          <a:p>
-            <a:r>
-              <a:rPr lang="he-IL" sz="2400" dirty="0"/>
-              <a:t>   </a:t>
+              <a:t> נמוכים יחסית (0.61), מה שמעיד שהם קרובים זה לזה.                       סביר להניח שהם מערבים יכולות קוגניטיביות חופפות, למשל עיבוד פנים ועיבוד עומק קשור.   </a:t>
             </a:r>
           </a:p>
           <a:p>
@@ -6206,23 +6634,23 @@
             </a:pPr>
             <a:r>
               <a:rPr lang="he-IL" sz="2400" dirty="0"/>
-              <a:t>המבחן </a:t>
+              <a:t>לעומת זאת, </a:t>
+            </a:r>
+            <a:r>
+              <a:rPr lang="en-US" sz="2400" b="1" dirty="0" err="1"/>
+              <a:t>Neker</a:t>
             </a:r>
             <a:r>
               <a:rPr lang="en-US" sz="2400" b="1" dirty="0"/>
-              <a:t>Inverted depth decision</a:t>
-            </a:r>
-            <a:r>
-              <a:rPr lang="he-IL" sz="2400" b="1" dirty="0"/>
-              <a:t> </a:t>
-            </a:r>
-            <a:r>
-              <a:rPr lang="en-US" sz="2400" b="1" dirty="0"/>
-              <a:t> </a:t>
+              <a:t> cube test</a:t>
+            </a:r>
+            <a:r>
+              <a:rPr lang="en-US" sz="2400" dirty="0"/>
+              <a:t>  </a:t>
             </a:r>
             <a:r>
               <a:rPr lang="he-IL" sz="2400" dirty="0"/>
-              <a:t>מציג ערכי </a:t>
+              <a:t>מראה ערכי </a:t>
             </a:r>
             <a:r>
               <a:rPr lang="he-IL" sz="2400" dirty="0" err="1"/>
@@ -6230,33 +6658,46 @@
             </a:r>
             <a:r>
               <a:rPr lang="he-IL" sz="2400" dirty="0"/>
-              <a:t> גבוהים יותר מול שני האחרים, מה שמעיד שהוא בוחן יכולת שונה יחסית.</a:t>
-            </a:r>
+              <a:t> גבוהים מול השניים האחרים (1.09 ו־1.39), מה שמעיד שהוא בוחן יכולות שונות יותר או נשען על תהליכים קוגניטיביים אחרים (כמו תפיסת אובייקטים </a:t>
+            </a:r>
+            <a:r>
+              <a:rPr lang="he-IL" sz="2400" dirty="0" err="1"/>
+              <a:t>דו־משמעיים</a:t>
+            </a:r>
+            <a:r>
+              <a:rPr lang="he-IL" sz="2400" dirty="0"/>
+              <a:t> והיכולת לעבור בין ייצוגים שונים).</a:t>
+            </a:r>
+            <a:r>
+              <a:rPr lang="en-US" sz="2400" dirty="0"/>
+              <a:t>                                                                                                                                       </a:t>
+            </a:r>
+            <a:r>
+              <a:rPr lang="he-IL" sz="1600" dirty="0"/>
+              <a:t>קישור </a:t>
+            </a:r>
+            <a:r>
+              <a:rPr lang="he-IL" sz="1600" dirty="0" err="1"/>
+              <a:t>לגיט</a:t>
+            </a:r>
+            <a:r>
+              <a:rPr lang="he-IL" sz="1600" dirty="0"/>
+              <a:t>(כלל הקודים והמצגת): </a:t>
+            </a:r>
+            <a:r>
+              <a:rPr lang="en-US" sz="1600" dirty="0">
+                <a:hlinkClick r:id="rId2"/>
+              </a:rPr>
+              <a:t>https://github.com/shahar9991/T4.git</a:t>
+            </a:r>
+            <a:endParaRPr lang="en-US" sz="1600" dirty="0"/>
           </a:p>
           <a:p>
             <a:pPr marL="342900" indent="-342900">
               <a:buFont typeface="Arial" panose="020B0604020202020204" pitchFamily="34" charset="0"/>
               <a:buChar char="•"/>
             </a:pPr>
-            <a:endParaRPr lang="he-IL" sz="2400" dirty="0"/>
-          </a:p>
-          <a:p>
-            <a:pPr marL="342900" indent="-342900">
-              <a:buFont typeface="Arial" panose="020B0604020202020204" pitchFamily="34" charset="0"/>
-              <a:buChar char="•"/>
-            </a:pPr>
-            <a:r>
-              <a:rPr lang="he-IL" sz="1600" dirty="0"/>
-              <a:t>קישור </a:t>
-            </a:r>
-            <a:r>
-              <a:rPr lang="he-IL" sz="1600" dirty="0" err="1"/>
-              <a:t>לגיט</a:t>
-            </a:r>
-            <a:r>
-              <a:rPr lang="he-IL" sz="1600" dirty="0"/>
-              <a:t>(כלל הקודים והמצגת): </a:t>
-            </a:r>
+            <a:endParaRPr lang="he-IL" sz="1600" dirty="0"/>
           </a:p>
         </p:txBody>
       </p:sp>
@@ -6586,4 +7027,319 @@
     </a:ext>
   </a:extLst>
 </a:theme>
+</file>
+
+<file path=ppt/theme/theme2.xml><?xml version="1.0" encoding="utf-8"?>
+<a:theme xmlns:a="http://schemas.openxmlformats.org/drawingml/2006/main" name="ערכת נושא Office">
+  <a:themeElements>
+    <a:clrScheme name="Office">
+      <a:dk1>
+        <a:sysClr val="windowText" lastClr="000000"/>
+      </a:dk1>
+      <a:lt1>
+        <a:sysClr val="window" lastClr="FFFFFF"/>
+      </a:lt1>
+      <a:dk2>
+        <a:srgbClr val="0E2841"/>
+      </a:dk2>
+      <a:lt2>
+        <a:srgbClr val="E8E8E8"/>
+      </a:lt2>
+      <a:accent1>
+        <a:srgbClr val="156082"/>
+      </a:accent1>
+      <a:accent2>
+        <a:srgbClr val="E97132"/>
+      </a:accent2>
+      <a:accent3>
+        <a:srgbClr val="196B24"/>
+      </a:accent3>
+      <a:accent4>
+        <a:srgbClr val="0F9ED5"/>
+      </a:accent4>
+      <a:accent5>
+        <a:srgbClr val="A02B93"/>
+      </a:accent5>
+      <a:accent6>
+        <a:srgbClr val="4EA72E"/>
+      </a:accent6>
+      <a:hlink>
+        <a:srgbClr val="467886"/>
+      </a:hlink>
+      <a:folHlink>
+        <a:srgbClr val="96607D"/>
+      </a:folHlink>
+    </a:clrScheme>
+    <a:fontScheme name="Office">
+      <a:majorFont>
+        <a:latin typeface="Aptos Display" panose="02110004020202020204"/>
+        <a:ea typeface=""/>
+        <a:cs typeface=""/>
+        <a:font script="Jpan" typeface="游ゴシック Light"/>
+        <a:font script="Hang" typeface="맑은 고딕"/>
+        <a:font script="Hans" typeface="等线 Light"/>
+        <a:font script="Hant" typeface="新細明體"/>
+        <a:font script="Arab" typeface="Times New Roman"/>
+        <a:font script="Hebr" typeface="Times New Roman"/>
+        <a:font script="Thai" typeface="Angsana New"/>
+        <a:font script="Ethi" typeface="Nyala"/>
+        <a:font script="Beng" typeface="Vrinda"/>
+        <a:font script="Gujr" typeface="Shruti"/>
+        <a:font script="Khmr" typeface="MoolBoran"/>
+        <a:font script="Knda" typeface="Tunga"/>
+        <a:font script="Guru" typeface="Raavi"/>
+        <a:font script="Cans" typeface="Euphemia"/>
+        <a:font script="Cher" typeface="Plantagenet Cherokee"/>
+        <a:font script="Yiii" typeface="Microsoft Yi Baiti"/>
+        <a:font script="Tibt" typeface="Microsoft Himalaya"/>
+        <a:font script="Thaa" typeface="MV Boli"/>
+        <a:font script="Deva" typeface="Mangal"/>
+        <a:font script="Telu" typeface="Gautami"/>
+        <a:font script="Taml" typeface="Latha"/>
+        <a:font script="Syrc" typeface="Estrangelo Edessa"/>
+        <a:font script="Orya" typeface="Kalinga"/>
+        <a:font script="Mlym" typeface="Kartika"/>
+        <a:font script="Laoo" typeface="DokChampa"/>
+        <a:font script="Sinh" typeface="Iskoola Pota"/>
+        <a:font script="Mong" typeface="Mongolian Baiti"/>
+        <a:font script="Viet" typeface="Times New Roman"/>
+        <a:font script="Uigh" typeface="Microsoft Uighur"/>
+        <a:font script="Geor" typeface="Sylfaen"/>
+        <a:font script="Armn" typeface="Arial"/>
+        <a:font script="Bugi" typeface="Leelawadee UI"/>
+        <a:font script="Bopo" typeface="Microsoft JhengHei"/>
+        <a:font script="Java" typeface="Javanese Text"/>
+        <a:font script="Lisu" typeface="Segoe UI"/>
+        <a:font script="Mymr" typeface="Myanmar Text"/>
+        <a:font script="Nkoo" typeface="Ebrima"/>
+        <a:font script="Olck" typeface="Nirmala UI"/>
+        <a:font script="Osma" typeface="Ebrima"/>
+        <a:font script="Phag" typeface="Phagspa"/>
+        <a:font script="Syrn" typeface="Estrangelo Edessa"/>
+        <a:font script="Syrj" typeface="Estrangelo Edessa"/>
+        <a:font script="Syre" typeface="Estrangelo Edessa"/>
+        <a:font script="Sora" typeface="Nirmala UI"/>
+        <a:font script="Tale" typeface="Microsoft Tai Le"/>
+        <a:font script="Talu" typeface="Microsoft New Tai Lue"/>
+        <a:font script="Tfng" typeface="Ebrima"/>
+      </a:majorFont>
+      <a:minorFont>
+        <a:latin typeface="Aptos" panose="02110004020202020204"/>
+        <a:ea typeface=""/>
+        <a:cs typeface=""/>
+        <a:font script="Jpan" typeface="游ゴシック"/>
+        <a:font script="Hang" typeface="맑은 고딕"/>
+        <a:font script="Hans" typeface="等线"/>
+        <a:font script="Hant" typeface="新細明體"/>
+        <a:font script="Arab" typeface="Arial"/>
+        <a:font script="Hebr" typeface="Arial"/>
+        <a:font script="Thai" typeface="Cordia New"/>
+        <a:font script="Ethi" typeface="Nyala"/>
+        <a:font script="Beng" typeface="Vrinda"/>
+        <a:font script="Gujr" typeface="Shruti"/>
+        <a:font script="Khmr" typeface="DaunPenh"/>
+        <a:font script="Knda" typeface="Tunga"/>
+        <a:font script="Guru" typeface="Raavi"/>
+        <a:font script="Cans" typeface="Euphemia"/>
+        <a:font script="Cher" typeface="Plantagenet Cherokee"/>
+        <a:font script="Yiii" typeface="Microsoft Yi Baiti"/>
+        <a:font script="Tibt" typeface="Microsoft Himalaya"/>
+        <a:font script="Thaa" typeface="MV Boli"/>
+        <a:font script="Deva" typeface="Mangal"/>
+        <a:font script="Telu" typeface="Gautami"/>
+        <a:font script="Taml" typeface="Latha"/>
+        <a:font script="Syrc" typeface="Estrangelo Edessa"/>
+        <a:font script="Orya" typeface="Kalinga"/>
+        <a:font script="Mlym" typeface="Kartika"/>
+        <a:font script="Laoo" typeface="DokChampa"/>
+        <a:font script="Sinh" typeface="Iskoola Pota"/>
+        <a:font script="Mong" typeface="Mongolian Baiti"/>
+        <a:font script="Viet" typeface="Arial"/>
+        <a:font script="Uigh" typeface="Microsoft Uighur"/>
+        <a:font script="Geor" typeface="Sylfaen"/>
+        <a:font script="Armn" typeface="Arial"/>
+        <a:font script="Bugi" typeface="Leelawadee UI"/>
+        <a:font script="Bopo" typeface="Microsoft JhengHei"/>
+        <a:font script="Java" typeface="Javanese Text"/>
+        <a:font script="Lisu" typeface="Segoe UI"/>
+        <a:font script="Mymr" typeface="Myanmar Text"/>
+        <a:font script="Nkoo" typeface="Ebrima"/>
+        <a:font script="Olck" typeface="Nirmala UI"/>
+        <a:font script="Osma" typeface="Ebrima"/>
+        <a:font script="Phag" typeface="Phagspa"/>
+        <a:font script="Syrn" typeface="Estrangelo Edessa"/>
+        <a:font script="Syrj" typeface="Estrangelo Edessa"/>
+        <a:font script="Syre" typeface="Estrangelo Edessa"/>
+        <a:font script="Sora" typeface="Nirmala UI"/>
+        <a:font script="Tale" typeface="Microsoft Tai Le"/>
+        <a:font script="Talu" typeface="Microsoft New Tai Lue"/>
+        <a:font script="Tfng" typeface="Ebrima"/>
+      </a:minorFont>
+    </a:fontScheme>
+    <a:fmtScheme name="Office">
+      <a:fillStyleLst>
+        <a:solidFill>
+          <a:schemeClr val="phClr"/>
+        </a:solidFill>
+        <a:gradFill rotWithShape="1">
+          <a:gsLst>
+            <a:gs pos="0">
+              <a:schemeClr val="phClr">
+                <a:lumMod val="110000"/>
+                <a:satMod val="105000"/>
+                <a:tint val="67000"/>
+              </a:schemeClr>
+            </a:gs>
+            <a:gs pos="50000">
+              <a:schemeClr val="phClr">
+                <a:lumMod val="105000"/>
+                <a:satMod val="103000"/>
+                <a:tint val="73000"/>
+              </a:schemeClr>
+            </a:gs>
+            <a:gs pos="100000">
+              <a:schemeClr val="phClr">
+                <a:lumMod val="105000"/>
+                <a:satMod val="109000"/>
+                <a:tint val="81000"/>
+              </a:schemeClr>
+            </a:gs>
+          </a:gsLst>
+          <a:lin ang="5400000" scaled="0"/>
+        </a:gradFill>
+        <a:gradFill rotWithShape="1">
+          <a:gsLst>
+            <a:gs pos="0">
+              <a:schemeClr val="phClr">
+                <a:satMod val="103000"/>
+                <a:lumMod val="102000"/>
+                <a:tint val="94000"/>
+              </a:schemeClr>
+            </a:gs>
+            <a:gs pos="50000">
+              <a:schemeClr val="phClr">
+                <a:satMod val="110000"/>
+                <a:lumMod val="100000"/>
+                <a:shade val="100000"/>
+              </a:schemeClr>
+            </a:gs>
+            <a:gs pos="100000">
+              <a:schemeClr val="phClr">
+                <a:lumMod val="99000"/>
+                <a:satMod val="120000"/>
+                <a:shade val="78000"/>
+              </a:schemeClr>
+            </a:gs>
+          </a:gsLst>
+          <a:lin ang="5400000" scaled="0"/>
+        </a:gradFill>
+      </a:fillStyleLst>
+      <a:lnStyleLst>
+        <a:ln w="12700" cap="flat" cmpd="sng" algn="ctr">
+          <a:solidFill>
+            <a:schemeClr val="phClr"/>
+          </a:solidFill>
+          <a:prstDash val="solid"/>
+          <a:miter lim="800000"/>
+        </a:ln>
+        <a:ln w="19050" cap="flat" cmpd="sng" algn="ctr">
+          <a:solidFill>
+            <a:schemeClr val="phClr"/>
+          </a:solidFill>
+          <a:prstDash val="solid"/>
+          <a:miter lim="800000"/>
+        </a:ln>
+        <a:ln w="25400" cap="flat" cmpd="sng" algn="ctr">
+          <a:solidFill>
+            <a:schemeClr val="phClr"/>
+          </a:solidFill>
+          <a:prstDash val="solid"/>
+          <a:miter lim="800000"/>
+        </a:ln>
+      </a:lnStyleLst>
+      <a:effectStyleLst>
+        <a:effectStyle>
+          <a:effectLst/>
+        </a:effectStyle>
+        <a:effectStyle>
+          <a:effectLst/>
+        </a:effectStyle>
+        <a:effectStyle>
+          <a:effectLst>
+            <a:outerShdw blurRad="57150" dist="19050" dir="5400000" algn="ctr" rotWithShape="0">
+              <a:srgbClr val="000000">
+                <a:alpha val="63000"/>
+              </a:srgbClr>
+            </a:outerShdw>
+          </a:effectLst>
+        </a:effectStyle>
+      </a:effectStyleLst>
+      <a:bgFillStyleLst>
+        <a:solidFill>
+          <a:schemeClr val="phClr"/>
+        </a:solidFill>
+        <a:solidFill>
+          <a:schemeClr val="phClr">
+            <a:tint val="95000"/>
+            <a:satMod val="170000"/>
+          </a:schemeClr>
+        </a:solidFill>
+        <a:gradFill rotWithShape="1">
+          <a:gsLst>
+            <a:gs pos="0">
+              <a:schemeClr val="phClr">
+                <a:tint val="93000"/>
+                <a:satMod val="150000"/>
+                <a:shade val="98000"/>
+                <a:lumMod val="102000"/>
+              </a:schemeClr>
+            </a:gs>
+            <a:gs pos="50000">
+              <a:schemeClr val="phClr">
+                <a:tint val="98000"/>
+                <a:satMod val="130000"/>
+                <a:shade val="90000"/>
+                <a:lumMod val="103000"/>
+              </a:schemeClr>
+            </a:gs>
+            <a:gs pos="100000">
+              <a:schemeClr val="phClr">
+                <a:shade val="63000"/>
+                <a:satMod val="120000"/>
+              </a:schemeClr>
+            </a:gs>
+          </a:gsLst>
+          <a:lin ang="5400000" scaled="0"/>
+        </a:gradFill>
+      </a:bgFillStyleLst>
+    </a:fmtScheme>
+  </a:themeElements>
+  <a:objectDefaults>
+    <a:lnDef>
+      <a:spPr/>
+      <a:bodyPr/>
+      <a:lstStyle/>
+      <a:style>
+        <a:lnRef idx="2">
+          <a:schemeClr val="accent1"/>
+        </a:lnRef>
+        <a:fillRef idx="0">
+          <a:schemeClr val="accent1"/>
+        </a:fillRef>
+        <a:effectRef idx="1">
+          <a:schemeClr val="accent1"/>
+        </a:effectRef>
+        <a:fontRef idx="minor">
+          <a:schemeClr val="tx1"/>
+        </a:fontRef>
+      </a:style>
+    </a:lnDef>
+  </a:objectDefaults>
+  <a:extraClrSchemeLst/>
+  <a:extLst>
+    <a:ext uri="{05A4C25C-085E-4340-85A3-A5531E510DB2}">
+      <thm15:themeFamily xmlns:thm15="http://schemas.microsoft.com/office/thememl/2012/main" name="Office Theme" id="{2E142A2C-CD16-42D6-873A-C26D2A0506FA}" vid="{1BDDFF52-6CD6-40A5-AB3C-68EB2F1E4D0A}"/>
+    </a:ext>
+  </a:extLst>
+</a:theme>
 </file>